--- a/Presentation.pptx
+++ b/Presentation.pptx
@@ -9,12 +9,15 @@
     <p:sldId id="257" r:id="rId3"/>
     <p:sldId id="258" r:id="rId4"/>
     <p:sldId id="259" r:id="rId5"/>
-    <p:sldId id="260" r:id="rId6"/>
-    <p:sldId id="265" r:id="rId7"/>
-    <p:sldId id="261" r:id="rId8"/>
-    <p:sldId id="262" r:id="rId9"/>
-    <p:sldId id="263" r:id="rId10"/>
-    <p:sldId id="264" r:id="rId11"/>
+    <p:sldId id="266" r:id="rId6"/>
+    <p:sldId id="260" r:id="rId7"/>
+    <p:sldId id="265" r:id="rId8"/>
+    <p:sldId id="267" r:id="rId9"/>
+    <p:sldId id="268" r:id="rId10"/>
+    <p:sldId id="261" r:id="rId11"/>
+    <p:sldId id="262" r:id="rId12"/>
+    <p:sldId id="263" r:id="rId13"/>
+    <p:sldId id="264" r:id="rId14"/>
   </p:sldIdLst>
   <p:sldSz cx="12192000" cy="6858000"/>
   <p:notesSz cx="6858000" cy="9144000"/>
@@ -351,7 +354,7 @@
             <a:fld id="{B61BEF0D-F0BB-DE4B-95CE-6DB70DBA9567}" type="datetimeFigureOut">
               <a:rPr lang="en-US" dirty="0"/>
               <a:pPr/>
-              <a:t>1/15/2019</a:t>
+              <a:t>1/17/19</a:t>
             </a:fld>
             <a:endParaRPr lang="en-US" dirty="0"/>
           </a:p>
@@ -682,7 +685,7 @@
             <a:fld id="{B61BEF0D-F0BB-DE4B-95CE-6DB70DBA9567}" type="datetimeFigureOut">
               <a:rPr lang="en-US" dirty="0"/>
               <a:pPr/>
-              <a:t>1/15/2019</a:t>
+              <a:t>1/17/19</a:t>
             </a:fld>
             <a:endParaRPr lang="en-US" dirty="0"/>
           </a:p>
@@ -957,7 +960,7 @@
             <a:fld id="{B61BEF0D-F0BB-DE4B-95CE-6DB70DBA9567}" type="datetimeFigureOut">
               <a:rPr lang="en-US" dirty="0"/>
               <a:pPr/>
-              <a:t>1/15/2019</a:t>
+              <a:t>1/17/19</a:t>
             </a:fld>
             <a:endParaRPr lang="en-US" dirty="0"/>
           </a:p>
@@ -1522,7 +1525,7 @@
             <a:fld id="{B61BEF0D-F0BB-DE4B-95CE-6DB70DBA9567}" type="datetimeFigureOut">
               <a:rPr lang="en-US" dirty="0"/>
               <a:pPr/>
-              <a:t>1/15/2019</a:t>
+              <a:t>1/17/19</a:t>
             </a:fld>
             <a:endParaRPr lang="en-US" dirty="0"/>
           </a:p>
@@ -1797,7 +1800,7 @@
             <a:fld id="{B61BEF0D-F0BB-DE4B-95CE-6DB70DBA9567}" type="datetimeFigureOut">
               <a:rPr lang="en-US" dirty="0"/>
               <a:pPr/>
-              <a:t>1/15/2019</a:t>
+              <a:t>1/17/19</a:t>
             </a:fld>
             <a:endParaRPr lang="en-US" dirty="0"/>
           </a:p>
@@ -2356,7 +2359,7 @@
             <a:fld id="{B61BEF0D-F0BB-DE4B-95CE-6DB70DBA9567}" type="datetimeFigureOut">
               <a:rPr lang="en-US" dirty="0"/>
               <a:pPr/>
-              <a:t>1/15/2019</a:t>
+              <a:t>1/17/19</a:t>
             </a:fld>
             <a:endParaRPr lang="en-US" dirty="0"/>
           </a:p>
@@ -2680,7 +2683,7 @@
             <a:fld id="{B61BEF0D-F0BB-DE4B-95CE-6DB70DBA9567}" type="datetimeFigureOut">
               <a:rPr lang="en-US" dirty="0"/>
               <a:pPr/>
-              <a:t>1/15/2019</a:t>
+              <a:t>1/17/19</a:t>
             </a:fld>
             <a:endParaRPr lang="en-US" dirty="0"/>
           </a:p>
@@ -2854,7 +2857,7 @@
             <a:fld id="{B61BEF0D-F0BB-DE4B-95CE-6DB70DBA9567}" type="datetimeFigureOut">
               <a:rPr lang="en-US" dirty="0"/>
               <a:pPr/>
-              <a:t>1/15/2019</a:t>
+              <a:t>1/17/19</a:t>
             </a:fld>
             <a:endParaRPr lang="en-US" dirty="0"/>
           </a:p>
@@ -3089,7 +3092,7 @@
             <a:fld id="{B61BEF0D-F0BB-DE4B-95CE-6DB70DBA9567}" type="datetimeFigureOut">
               <a:rPr lang="en-US" dirty="0"/>
               <a:pPr/>
-              <a:t>1/15/2019</a:t>
+              <a:t>1/17/19</a:t>
             </a:fld>
             <a:endParaRPr lang="en-US" dirty="0"/>
           </a:p>
@@ -3286,7 +3289,7 @@
             <a:fld id="{B61BEF0D-F0BB-DE4B-95CE-6DB70DBA9567}" type="datetimeFigureOut">
               <a:rPr lang="en-US" dirty="0"/>
               <a:pPr/>
-              <a:t>1/15/2019</a:t>
+              <a:t>1/17/19</a:t>
             </a:fld>
             <a:endParaRPr lang="en-US" dirty="0"/>
           </a:p>
@@ -3559,7 +3562,7 @@
             <a:fld id="{B61BEF0D-F0BB-DE4B-95CE-6DB70DBA9567}" type="datetimeFigureOut">
               <a:rPr lang="en-US" dirty="0"/>
               <a:pPr/>
-              <a:t>1/15/2019</a:t>
+              <a:t>1/17/19</a:t>
             </a:fld>
             <a:endParaRPr lang="en-US" dirty="0"/>
           </a:p>
@@ -3822,7 +3825,7 @@
             <a:fld id="{B61BEF0D-F0BB-DE4B-95CE-6DB70DBA9567}" type="datetimeFigureOut">
               <a:rPr lang="en-US" dirty="0"/>
               <a:pPr/>
-              <a:t>1/15/2019</a:t>
+              <a:t>1/17/19</a:t>
             </a:fld>
             <a:endParaRPr lang="en-US" dirty="0"/>
           </a:p>
@@ -4193,7 +4196,7 @@
             <a:fld id="{B61BEF0D-F0BB-DE4B-95CE-6DB70DBA9567}" type="datetimeFigureOut">
               <a:rPr lang="en-US" dirty="0"/>
               <a:pPr/>
-              <a:t>1/15/2019</a:t>
+              <a:t>1/17/19</a:t>
             </a:fld>
             <a:endParaRPr lang="en-US" dirty="0"/>
           </a:p>
@@ -4338,7 +4341,7 @@
             <a:fld id="{B61BEF0D-F0BB-DE4B-95CE-6DB70DBA9567}" type="datetimeFigureOut">
               <a:rPr lang="en-US" dirty="0"/>
               <a:pPr/>
-              <a:t>1/15/2019</a:t>
+              <a:t>1/17/19</a:t>
             </a:fld>
             <a:endParaRPr lang="en-US" dirty="0"/>
           </a:p>
@@ -4460,7 +4463,7 @@
             <a:fld id="{B61BEF0D-F0BB-DE4B-95CE-6DB70DBA9567}" type="datetimeFigureOut">
               <a:rPr lang="en-US" dirty="0"/>
               <a:pPr/>
-              <a:t>1/15/2019</a:t>
+              <a:t>1/17/19</a:t>
             </a:fld>
             <a:endParaRPr lang="en-US" dirty="0"/>
           </a:p>
@@ -4742,7 +4745,7 @@
             <a:fld id="{B61BEF0D-F0BB-DE4B-95CE-6DB70DBA9567}" type="datetimeFigureOut">
               <a:rPr lang="en-US" dirty="0"/>
               <a:pPr/>
-              <a:t>1/15/2019</a:t>
+              <a:t>1/17/19</a:t>
             </a:fld>
             <a:endParaRPr lang="en-US" dirty="0"/>
           </a:p>
@@ -5063,7 +5066,7 @@
             <a:fld id="{B61BEF0D-F0BB-DE4B-95CE-6DB70DBA9567}" type="datetimeFigureOut">
               <a:rPr lang="en-US" dirty="0"/>
               <a:pPr/>
-              <a:t>1/15/2019</a:t>
+              <a:t>1/17/19</a:t>
             </a:fld>
             <a:endParaRPr lang="en-US" dirty="0"/>
           </a:p>
@@ -5274,7 +5277,7 @@
             <a:fld id="{B61BEF0D-F0BB-DE4B-95CE-6DB70DBA9567}" type="datetimeFigureOut">
               <a:rPr lang="en-US" dirty="0"/>
               <a:pPr/>
-              <a:t>1/15/2019</a:t>
+              <a:t>1/17/19</a:t>
             </a:fld>
             <a:endParaRPr lang="en-US" dirty="0"/>
           </a:p>
@@ -5896,6 +5899,242 @@
           <a:chExt cx="0" cy="0"/>
         </a:xfrm>
       </p:grpSpPr>
+      <p:sp>
+        <p:nvSpPr>
+          <p:cNvPr id="2" name="Title 1">
+            <a:extLst>
+              <a:ext uri="{FF2B5EF4-FFF2-40B4-BE49-F238E27FC236}">
+                <a16:creationId xmlns:a16="http://schemas.microsoft.com/office/drawing/2014/main" id="{E8A8B61D-6CFE-479C-BE7F-2B0B55FD7BE9}"/>
+              </a:ext>
+            </a:extLst>
+          </p:cNvPr>
+          <p:cNvSpPr>
+            <a:spLocks noGrp="1"/>
+          </p:cNvSpPr>
+          <p:nvPr>
+            <p:ph type="title"/>
+          </p:nvPr>
+        </p:nvSpPr>
+        <p:spPr/>
+        <p:txBody>
+          <a:bodyPr/>
+          <a:lstStyle/>
+          <a:p>
+            <a:r>
+              <a:rPr lang="en-US" dirty="0"/>
+              <a:t>Discussion</a:t>
+            </a:r>
+          </a:p>
+        </p:txBody>
+      </p:sp>
+      <p:sp>
+        <p:nvSpPr>
+          <p:cNvPr id="3" name="Content Placeholder 2">
+            <a:extLst>
+              <a:ext uri="{FF2B5EF4-FFF2-40B4-BE49-F238E27FC236}">
+                <a16:creationId xmlns:a16="http://schemas.microsoft.com/office/drawing/2014/main" id="{55609135-358E-447A-8B95-BBD6520540F2}"/>
+              </a:ext>
+            </a:extLst>
+          </p:cNvPr>
+          <p:cNvSpPr>
+            <a:spLocks noGrp="1"/>
+          </p:cNvSpPr>
+          <p:nvPr>
+            <p:ph idx="1"/>
+          </p:nvPr>
+        </p:nvSpPr>
+        <p:spPr/>
+        <p:txBody>
+          <a:bodyPr/>
+          <a:lstStyle/>
+          <a:p>
+            <a:r>
+              <a:rPr lang="en-US" dirty="0"/>
+              <a:t>Discuss your findings. Did you find what you expected to find? If not, why not? What inferences or general conclusions can you draw from your analysis?</a:t>
+            </a:r>
+          </a:p>
+        </p:txBody>
+      </p:sp>
+    </p:spTree>
+    <p:extLst>
+      <p:ext uri="{BB962C8B-B14F-4D97-AF65-F5344CB8AC3E}">
+        <p14:creationId xmlns:p14="http://schemas.microsoft.com/office/powerpoint/2010/main" val="3036915311"/>
+      </p:ext>
+    </p:extLst>
+  </p:cSld>
+  <p:clrMapOvr>
+    <a:masterClrMapping/>
+  </p:clrMapOvr>
+</p:sld>
+</file>
+
+<file path=ppt/slides/slide11.xml><?xml version="1.0" encoding="utf-8"?>
+<p:sld xmlns:a="http://schemas.openxmlformats.org/drawingml/2006/main" xmlns:r="http://schemas.openxmlformats.org/officeDocument/2006/relationships" xmlns:p="http://schemas.openxmlformats.org/presentationml/2006/main">
+  <p:cSld>
+    <p:spTree>
+      <p:nvGrpSpPr>
+        <p:cNvPr id="1" name=""/>
+        <p:cNvGrpSpPr/>
+        <p:nvPr/>
+      </p:nvGrpSpPr>
+      <p:grpSpPr>
+        <a:xfrm>
+          <a:off x="0" y="0"/>
+          <a:ext cx="0" cy="0"/>
+          <a:chOff x="0" y="0"/>
+          <a:chExt cx="0" cy="0"/>
+        </a:xfrm>
+      </p:grpSpPr>
+      <p:sp>
+        <p:nvSpPr>
+          <p:cNvPr id="2" name="Title 1">
+            <a:extLst>
+              <a:ext uri="{FF2B5EF4-FFF2-40B4-BE49-F238E27FC236}">
+                <a16:creationId xmlns:a16="http://schemas.microsoft.com/office/drawing/2014/main" id="{9F3C3775-B16E-4806-91B7-E14E2F0CF606}"/>
+              </a:ext>
+            </a:extLst>
+          </p:cNvPr>
+          <p:cNvSpPr>
+            <a:spLocks noGrp="1"/>
+          </p:cNvSpPr>
+          <p:nvPr>
+            <p:ph type="title"/>
+          </p:nvPr>
+        </p:nvSpPr>
+        <p:spPr/>
+        <p:txBody>
+          <a:bodyPr/>
+          <a:lstStyle/>
+          <a:p>
+            <a:r>
+              <a:rPr lang="en-US" dirty="0"/>
+              <a:t>Post Mortem</a:t>
+            </a:r>
+          </a:p>
+        </p:txBody>
+      </p:sp>
+      <p:sp>
+        <p:nvSpPr>
+          <p:cNvPr id="3" name="Content Placeholder 2">
+            <a:extLst>
+              <a:ext uri="{FF2B5EF4-FFF2-40B4-BE49-F238E27FC236}">
+                <a16:creationId xmlns:a16="http://schemas.microsoft.com/office/drawing/2014/main" id="{EE1F8A6C-65C6-45BA-A129-F297706EE94F}"/>
+              </a:ext>
+            </a:extLst>
+          </p:cNvPr>
+          <p:cNvSpPr>
+            <a:spLocks noGrp="1"/>
+          </p:cNvSpPr>
+          <p:nvPr>
+            <p:ph idx="1"/>
+          </p:nvPr>
+        </p:nvSpPr>
+        <p:spPr/>
+        <p:txBody>
+          <a:bodyPr/>
+          <a:lstStyle/>
+          <a:p>
+            <a:r>
+              <a:rPr lang="en-US" dirty="0"/>
+              <a:t>Discuss any difficulties that arose, and how you dealt with them</a:t>
+            </a:r>
+          </a:p>
+          <a:p>
+            <a:r>
+              <a:rPr lang="en-US" dirty="0"/>
+              <a:t>Discuss any additional questions that came up, but which you didn't have time to answer: What would you research next, if you had two more weeks?</a:t>
+            </a:r>
+          </a:p>
+        </p:txBody>
+      </p:sp>
+    </p:spTree>
+    <p:extLst>
+      <p:ext uri="{BB962C8B-B14F-4D97-AF65-F5344CB8AC3E}">
+        <p14:creationId xmlns:p14="http://schemas.microsoft.com/office/powerpoint/2010/main" val="998638806"/>
+      </p:ext>
+    </p:extLst>
+  </p:cSld>
+  <p:clrMapOvr>
+    <a:masterClrMapping/>
+  </p:clrMapOvr>
+</p:sld>
+</file>
+
+<file path=ppt/slides/slide12.xml><?xml version="1.0" encoding="utf-8"?>
+<p:sld xmlns:a="http://schemas.openxmlformats.org/drawingml/2006/main" xmlns:r="http://schemas.openxmlformats.org/officeDocument/2006/relationships" xmlns:p="http://schemas.openxmlformats.org/presentationml/2006/main">
+  <p:cSld>
+    <p:spTree>
+      <p:nvGrpSpPr>
+        <p:cNvPr id="1" name=""/>
+        <p:cNvGrpSpPr/>
+        <p:nvPr/>
+      </p:nvGrpSpPr>
+      <p:grpSpPr>
+        <a:xfrm>
+          <a:off x="0" y="0"/>
+          <a:ext cx="0" cy="0"/>
+          <a:chOff x="0" y="0"/>
+          <a:chExt cx="0" cy="0"/>
+        </a:xfrm>
+      </p:grpSpPr>
+      <p:sp>
+        <p:nvSpPr>
+          <p:cNvPr id="2" name="Title 1">
+            <a:extLst>
+              <a:ext uri="{FF2B5EF4-FFF2-40B4-BE49-F238E27FC236}">
+                <a16:creationId xmlns:a16="http://schemas.microsoft.com/office/drawing/2014/main" id="{A6B452EC-5428-41E4-B7CE-370AFED6A506}"/>
+              </a:ext>
+            </a:extLst>
+          </p:cNvPr>
+          <p:cNvSpPr>
+            <a:spLocks noGrp="1"/>
+          </p:cNvSpPr>
+          <p:nvPr>
+            <p:ph type="title"/>
+          </p:nvPr>
+        </p:nvSpPr>
+        <p:spPr/>
+        <p:txBody>
+          <a:bodyPr/>
+          <a:lstStyle/>
+          <a:p>
+            <a:r>
+              <a:rPr lang="en-US" dirty="0"/>
+              <a:t>Questions?</a:t>
+            </a:r>
+          </a:p>
+        </p:txBody>
+      </p:sp>
+    </p:spTree>
+    <p:extLst>
+      <p:ext uri="{BB962C8B-B14F-4D97-AF65-F5344CB8AC3E}">
+        <p14:creationId xmlns:p14="http://schemas.microsoft.com/office/powerpoint/2010/main" val="2356760612"/>
+      </p:ext>
+    </p:extLst>
+  </p:cSld>
+  <p:clrMapOvr>
+    <a:masterClrMapping/>
+  </p:clrMapOvr>
+</p:sld>
+</file>
+
+<file path=ppt/slides/slide13.xml><?xml version="1.0" encoding="utf-8"?>
+<p:sld xmlns:a="http://schemas.openxmlformats.org/drawingml/2006/main" xmlns:r="http://schemas.openxmlformats.org/officeDocument/2006/relationships" xmlns:p="http://schemas.openxmlformats.org/presentationml/2006/main">
+  <p:cSld>
+    <p:spTree>
+      <p:nvGrpSpPr>
+        <p:cNvPr id="1" name=""/>
+        <p:cNvGrpSpPr/>
+        <p:nvPr/>
+      </p:nvGrpSpPr>
+      <p:grpSpPr>
+        <a:xfrm>
+          <a:off x="0" y="0"/>
+          <a:ext cx="0" cy="0"/>
+          <a:chOff x="0" y="0"/>
+          <a:chExt cx="0" cy="0"/>
+        </a:xfrm>
+      </p:grpSpPr>
     </p:spTree>
     <p:extLst>
       <p:ext uri="{BB962C8B-B14F-4D97-AF65-F5344CB8AC3E}">
@@ -5979,13 +6218,13 @@
           <a:p>
             <a:r>
               <a:rPr lang="en-US" sz="3200" dirty="0"/>
-              <a:t>Popular culture has tales of people turning into werewolves during full moons, wreaking havoc on cities through the night</a:t>
+              <a:t>Popular culture has tales of people turning into werewolves during full moons, wreaking havoc on cities through the night.</a:t>
             </a:r>
           </a:p>
           <a:p>
             <a:r>
               <a:rPr lang="en-US" sz="3200" dirty="0"/>
-              <a:t>This led us to ask if there is a noticeable change in crime on days when there is a full moon.</a:t>
+              <a:t>This led us to ask if there is a noticeable change in crime on days when there is a full moon?</a:t>
             </a:r>
           </a:p>
           <a:p>
@@ -5999,7 +6238,7 @@
             </a:r>
             <a:r>
               <a:rPr lang="en-US" sz="3200" dirty="0"/>
-              <a:t>) is “if werewolves exist, then average crime will be significantly higher during a full moon”</a:t>
+              <a:t>) is, “if werewolves exist, then average crime will be significantly higher during a full moon”.</a:t>
             </a:r>
           </a:p>
           <a:p>
@@ -6013,7 +6252,7 @@
             </a:r>
             <a:r>
               <a:rPr lang="en-US" sz="3200" dirty="0"/>
-              <a:t>) is “if werewolves don’t exist, then there will be no significant change in average crime during a full moon”</a:t>
+              <a:t>) is, “if werewolves don’t exist, then there will be no significant change in average crime during a full moon”.</a:t>
             </a:r>
           </a:p>
           <a:p>
@@ -6025,7 +6264,7 @@
           <a:p>
             <a:r>
               <a:rPr lang="en-US" sz="3200" dirty="0"/>
-              <a:t>Looking at 5 major cities in the United States, there is no significant increase (or decrease) in crime when the moon is full or near full</a:t>
+              <a:t>Looking at 5 major cities in the United States, there is no significant increase (or decrease) in crime when the moon is full or near full.</a:t>
             </a:r>
           </a:p>
         </p:txBody>
@@ -6129,7 +6368,7 @@
           <a:p>
             <a:r>
               <a:rPr lang="en-US" sz="2000" dirty="0"/>
-              <a:t>We compiled the moon data from The United States Navy.</a:t>
+              <a:t>We compiled the moon data from The United States Naval Observatory.</a:t>
             </a:r>
           </a:p>
           <a:p>
@@ -6214,10 +6453,15 @@
             <p:ph idx="1"/>
           </p:nvPr>
         </p:nvSpPr>
-        <p:spPr/>
+        <p:spPr>
+          <a:xfrm>
+            <a:off x="685801" y="1767840"/>
+            <a:ext cx="10131425" cy="4242816"/>
+          </a:xfrm>
+        </p:spPr>
         <p:txBody>
           <a:bodyPr>
-            <a:normAutofit fontScale="92500" lnSpcReduction="10000"/>
+            <a:normAutofit/>
           </a:bodyPr>
           <a:lstStyle/>
           <a:p>
@@ -6229,7 +6473,7 @@
           <a:p>
             <a:r>
               <a:rPr lang="en-US" dirty="0"/>
-              <a:t>Those files were imported using </a:t>
+              <a:t>Data munging was performed in </a:t>
             </a:r>
             <a:r>
               <a:rPr lang="en-US" dirty="0" err="1"/>
@@ -6237,25 +6481,42 @@
             </a:r>
             <a:r>
               <a:rPr lang="en-US" dirty="0"/>
-              <a:t> Notebooks and cleaned up, which included removing unnecessary columns, changing formatting of dates, removing cells with blank data, totaling crimes for each day and determining average crimes per day. </a:t>
-            </a:r>
-          </a:p>
-          <a:p>
+              <a:t> Notebooks. </a:t>
+            </a:r>
+          </a:p>
+          <a:p>
+            <a:pPr lvl="1"/>
             <a:r>
               <a:rPr lang="en-US" dirty="0"/>
-              <a:t>We were impressed by how user-friendly the crime databases are. It was easy to find the data we wanted and put it in the format needed to analyze it. </a:t>
-            </a:r>
-          </a:p>
-          <a:p>
+              <a:t>The munging process included: </a:t>
+            </a:r>
+          </a:p>
+          <a:p>
+            <a:pPr lvl="2"/>
             <a:r>
               <a:rPr lang="en-US" dirty="0"/>
-              <a:t>That said, the data wasn’t perfect, and we had to abandon a city early on because it was missing a significant amount of dates. In addition, some of the data was in multiple csv’s and we had to append the data.</a:t>
-            </a:r>
-          </a:p>
-          <a:p>
+              <a:t>Removing unnecessary columns</a:t>
+            </a:r>
+          </a:p>
+          <a:p>
+            <a:pPr lvl="2"/>
             <a:r>
               <a:rPr lang="en-US" dirty="0"/>
-              <a:t>One challenge was determining how to categorize the data. Because the moon’s illumination cycle is not linear, we divided the frequency of illumination percentages into 10 groups (deciles) to determine the bins to use.</a:t>
+              <a:t>Changing date formats</a:t>
+            </a:r>
+          </a:p>
+          <a:p>
+            <a:pPr lvl="2"/>
+            <a:r>
+              <a:rPr lang="en-US" dirty="0"/>
+              <a:t>Removing cells with blank data</a:t>
+            </a:r>
+          </a:p>
+          <a:p>
+            <a:pPr lvl="2"/>
+            <a:r>
+              <a:rPr lang="en-US" dirty="0"/>
+              <a:t>Calculating total daily crime and average daily crime </a:t>
             </a:r>
           </a:p>
         </p:txBody>
@@ -6295,7 +6556,7 @@
           <p:cNvPr id="2" name="Title 1">
             <a:extLst>
               <a:ext uri="{FF2B5EF4-FFF2-40B4-BE49-F238E27FC236}">
-                <a16:creationId xmlns:a16="http://schemas.microsoft.com/office/drawing/2014/main" id="{8684E9C0-47D6-431F-AC55-FC2945BAC030}"/>
+                <a16:creationId xmlns:a16="http://schemas.microsoft.com/office/drawing/2014/main" id="{98307B37-DA83-6D48-B1FC-7D017D5C7C14}"/>
               </a:ext>
             </a:extLst>
           </p:cNvPr>
@@ -6313,7 +6574,7 @@
           <a:p>
             <a:r>
               <a:rPr lang="en-US" dirty="0"/>
-              <a:t>Data Analysis</a:t>
+              <a:t>Data Cleanup &amp; Exploration Continued:</a:t>
             </a:r>
           </a:p>
         </p:txBody>
@@ -6323,7 +6584,7 @@
           <p:cNvPr id="3" name="Content Placeholder 2">
             <a:extLst>
               <a:ext uri="{FF2B5EF4-FFF2-40B4-BE49-F238E27FC236}">
-                <a16:creationId xmlns:a16="http://schemas.microsoft.com/office/drawing/2014/main" id="{DBB56998-9B32-40C6-8B99-E3AB504D5D81}"/>
+                <a16:creationId xmlns:a16="http://schemas.microsoft.com/office/drawing/2014/main" id="{B71A8714-8264-E34B-8612-8B843F540DD3}"/>
               </a:ext>
             </a:extLst>
           </p:cNvPr>
@@ -6337,39 +6598,86 @@
         <p:spPr/>
         <p:txBody>
           <a:bodyPr>
-            <a:normAutofit/>
+            <a:normAutofit fontScale="92500" lnSpcReduction="20000"/>
           </a:bodyPr>
           <a:lstStyle/>
           <a:p>
             <a:r>
-              <a:rPr lang="en-US" sz="2000" dirty="0"/>
-              <a:t>Calculated the total number of crimes for each calendar day in the date range.</a:t>
-            </a:r>
-          </a:p>
-          <a:p>
-            <a:r>
-              <a:rPr lang="en-US" sz="2000" dirty="0"/>
-              <a:t>Grouped the dates by corresponding percent illumination.</a:t>
-            </a:r>
-          </a:p>
-          <a:p>
-            <a:r>
-              <a:rPr lang="en-US" sz="2000" dirty="0"/>
-              <a:t>Calculated the average total daily crimes for each group.</a:t>
-            </a:r>
-          </a:p>
-          <a:p>
-            <a:r>
-              <a:rPr lang="en-US" sz="2000" dirty="0"/>
-              <a:t>Plotted the average total daily crimes per group to determine if there were more crimes when the moon was full or nearly full (97-100%).</a:t>
-            </a:r>
+              <a:rPr lang="en-US" dirty="0"/>
+              <a:t>Exploration Pros:</a:t>
+            </a:r>
+          </a:p>
+          <a:p>
+            <a:pPr lvl="1"/>
+            <a:r>
+              <a:rPr lang="en-US" dirty="0"/>
+              <a:t>Crime databases were user friendly</a:t>
+            </a:r>
+          </a:p>
+          <a:p>
+            <a:pPr lvl="1"/>
+            <a:r>
+              <a:rPr lang="en-US" dirty="0"/>
+              <a:t>Csv files were readily available to download </a:t>
+            </a:r>
+          </a:p>
+          <a:p>
+            <a:pPr lvl="1"/>
+            <a:r>
+              <a:rPr lang="en-US" dirty="0"/>
+              <a:t>Csv files were complete, well organized and had a generally consistency in formatting across cities</a:t>
+            </a:r>
+          </a:p>
+          <a:p>
+            <a:pPr lvl="1"/>
+            <a:r>
+              <a:rPr lang="en-US" dirty="0"/>
+              <a:t>That said, the data wasn’t perfect, and we had to abandon a city early on because it was missing a significant amount of dates. In addition, some of the data was in multiple csv’s and we had to append the data.</a:t>
+            </a:r>
+          </a:p>
+          <a:p>
+            <a:r>
+              <a:rPr lang="en-US" dirty="0"/>
+              <a:t>Exploration Challenges:</a:t>
+            </a:r>
+          </a:p>
+          <a:p>
+            <a:pPr lvl="1"/>
+            <a:r>
+              <a:rPr lang="en-US" dirty="0"/>
+              <a:t>Determining how to categorize the data. </a:t>
+            </a:r>
+          </a:p>
+          <a:p>
+            <a:pPr lvl="1"/>
+            <a:r>
+              <a:rPr lang="en-US" dirty="0"/>
+              <a:t>The Moon’s illumination cycle is not linear requiring us to divided the frequency of illumination percentages into 10 groups (deciles) to determine the bins to use.</a:t>
+            </a:r>
+          </a:p>
+          <a:p>
+            <a:pPr lvl="1"/>
+            <a:r>
+              <a:rPr lang="en-US" dirty="0"/>
+              <a:t>Determining the best way to visualize the data.</a:t>
+            </a:r>
+          </a:p>
+          <a:p>
+            <a:pPr lvl="1"/>
+            <a:r>
+              <a:rPr lang="en-US" dirty="0"/>
+              <a:t>Performing statistical testing on the data and interpreting the result.</a:t>
+            </a:r>
+          </a:p>
+          <a:p>
+            <a:endParaRPr lang="en-US" dirty="0"/>
           </a:p>
         </p:txBody>
       </p:sp>
     </p:spTree>
     <p:extLst>
       <p:ext uri="{BB962C8B-B14F-4D97-AF65-F5344CB8AC3E}">
-        <p14:creationId xmlns:p14="http://schemas.microsoft.com/office/powerpoint/2010/main" val="849961725"/>
+        <p14:creationId xmlns:p14="http://schemas.microsoft.com/office/powerpoint/2010/main" val="2036345129"/>
       </p:ext>
     </p:extLst>
   </p:cSld>
@@ -6401,7 +6709,7 @@
           <p:cNvPr id="2" name="Title 1">
             <a:extLst>
               <a:ext uri="{FF2B5EF4-FFF2-40B4-BE49-F238E27FC236}">
-                <a16:creationId xmlns:a16="http://schemas.microsoft.com/office/drawing/2014/main" id="{F4D58059-A2DD-46B7-B80C-9476B2166F15}"/>
+                <a16:creationId xmlns:a16="http://schemas.microsoft.com/office/drawing/2014/main" id="{8684E9C0-47D6-431F-AC55-FC2945BAC030}"/>
               </a:ext>
             </a:extLst>
           </p:cNvPr>
@@ -6419,7 +6727,7 @@
           <a:p>
             <a:r>
               <a:rPr lang="en-US" dirty="0"/>
-              <a:t>(Figures)</a:t>
+              <a:t>Data Analysis</a:t>
             </a:r>
           </a:p>
         </p:txBody>
@@ -6429,7 +6737,7 @@
           <p:cNvPr id="3" name="Content Placeholder 2">
             <a:extLst>
               <a:ext uri="{FF2B5EF4-FFF2-40B4-BE49-F238E27FC236}">
-                <a16:creationId xmlns:a16="http://schemas.microsoft.com/office/drawing/2014/main" id="{DFA7B3A5-8FBD-49C9-95AE-08E48EFBB2A0}"/>
+                <a16:creationId xmlns:a16="http://schemas.microsoft.com/office/drawing/2014/main" id="{DBB56998-9B32-40C6-8B99-E3AB504D5D81}"/>
               </a:ext>
             </a:extLst>
           </p:cNvPr>
@@ -6442,17 +6750,40 @@
         </p:nvSpPr>
         <p:spPr/>
         <p:txBody>
-          <a:bodyPr/>
-          <a:lstStyle/>
-          <a:p>
-            <a:endParaRPr lang="en-US"/>
+          <a:bodyPr>
+            <a:normAutofit/>
+          </a:bodyPr>
+          <a:lstStyle/>
+          <a:p>
+            <a:r>
+              <a:rPr lang="en-US" sz="2000" dirty="0"/>
+              <a:t>Calculated the total number of crimes for each calendar day in the date range.</a:t>
+            </a:r>
+          </a:p>
+          <a:p>
+            <a:r>
+              <a:rPr lang="en-US" sz="2000" dirty="0"/>
+              <a:t>Grouped the dates by corresponding percent illumination.</a:t>
+            </a:r>
+          </a:p>
+          <a:p>
+            <a:r>
+              <a:rPr lang="en-US" sz="2000" dirty="0"/>
+              <a:t>Calculated the average total daily crimes for each group.</a:t>
+            </a:r>
+          </a:p>
+          <a:p>
+            <a:r>
+              <a:rPr lang="en-US" sz="2000" dirty="0"/>
+              <a:t>Plotted the average total daily crimes per group to determine if there were more crimes when the moon was full or nearly full (97-100%).</a:t>
+            </a:r>
           </a:p>
         </p:txBody>
       </p:sp>
     </p:spTree>
     <p:extLst>
       <p:ext uri="{BB962C8B-B14F-4D97-AF65-F5344CB8AC3E}">
-        <p14:creationId xmlns:p14="http://schemas.microsoft.com/office/powerpoint/2010/main" val="3192013763"/>
+        <p14:creationId xmlns:p14="http://schemas.microsoft.com/office/powerpoint/2010/main" val="849961725"/>
       </p:ext>
     </p:extLst>
   </p:cSld>
@@ -6484,7 +6815,7 @@
           <p:cNvPr id="2" name="Title 1">
             <a:extLst>
               <a:ext uri="{FF2B5EF4-FFF2-40B4-BE49-F238E27FC236}">
-                <a16:creationId xmlns:a16="http://schemas.microsoft.com/office/drawing/2014/main" id="{E8A8B61D-6CFE-479C-BE7F-2B0B55FD7BE9}"/>
+                <a16:creationId xmlns:a16="http://schemas.microsoft.com/office/drawing/2014/main" id="{F4D58059-A2DD-46B7-B80C-9476B2166F15}"/>
               </a:ext>
             </a:extLst>
           </p:cNvPr>
@@ -6502,43 +6833,44 @@
           <a:p>
             <a:r>
               <a:rPr lang="en-US" dirty="0"/>
-              <a:t>Discussion</a:t>
-            </a:r>
-          </a:p>
-        </p:txBody>
-      </p:sp>
-      <p:sp>
-        <p:nvSpPr>
-          <p:cNvPr id="3" name="Content Placeholder 2">
+              <a:t>Visualizations</a:t>
+            </a:r>
+          </a:p>
+        </p:txBody>
+      </p:sp>
+      <p:pic>
+        <p:nvPicPr>
+          <p:cNvPr id="5" name="Content Placeholder 4">
             <a:extLst>
               <a:ext uri="{FF2B5EF4-FFF2-40B4-BE49-F238E27FC236}">
-                <a16:creationId xmlns:a16="http://schemas.microsoft.com/office/drawing/2014/main" id="{55609135-358E-447A-8B95-BBD6520540F2}"/>
+                <a16:creationId xmlns:a16="http://schemas.microsoft.com/office/drawing/2014/main" id="{46806172-D56C-C141-BA6C-D76D0A346EF6}"/>
               </a:ext>
             </a:extLst>
           </p:cNvPr>
-          <p:cNvSpPr>
-            <a:spLocks noGrp="1"/>
-          </p:cNvSpPr>
+          <p:cNvPicPr>
+            <a:picLocks noGrp="1" noChangeAspect="1"/>
+          </p:cNvPicPr>
           <p:nvPr>
             <p:ph idx="1"/>
           </p:nvPr>
-        </p:nvSpPr>
-        <p:spPr/>
-        <p:txBody>
-          <a:bodyPr/>
-          <a:lstStyle/>
-          <a:p>
-            <a:r>
-              <a:rPr lang="en-US" dirty="0"/>
-              <a:t>Discuss your findings. Did you find what you expected to find? If not, why not? What inferences or general conclusions can you draw from your analysis?</a:t>
-            </a:r>
-          </a:p>
-        </p:txBody>
-      </p:sp>
+        </p:nvPicPr>
+        <p:blipFill>
+          <a:blip r:embed="rId2"/>
+          <a:stretch>
+            <a:fillRect/>
+          </a:stretch>
+        </p:blipFill>
+        <p:spPr>
+          <a:xfrm>
+            <a:off x="3014266" y="2141538"/>
+            <a:ext cx="5474493" cy="3649662"/>
+          </a:xfrm>
+        </p:spPr>
+      </p:pic>
     </p:spTree>
     <p:extLst>
       <p:ext uri="{BB962C8B-B14F-4D97-AF65-F5344CB8AC3E}">
-        <p14:creationId xmlns:p14="http://schemas.microsoft.com/office/powerpoint/2010/main" val="3036915311"/>
+        <p14:creationId xmlns:p14="http://schemas.microsoft.com/office/powerpoint/2010/main" val="3192013763"/>
       </p:ext>
     </p:extLst>
   </p:cSld>
@@ -6565,72 +6897,39 @@
           <a:chExt cx="0" cy="0"/>
         </a:xfrm>
       </p:grpSpPr>
-      <p:sp>
-        <p:nvSpPr>
-          <p:cNvPr id="2" name="Title 1">
+      <p:pic>
+        <p:nvPicPr>
+          <p:cNvPr id="5" name="Content Placeholder 4">
             <a:extLst>
               <a:ext uri="{FF2B5EF4-FFF2-40B4-BE49-F238E27FC236}">
-                <a16:creationId xmlns:a16="http://schemas.microsoft.com/office/drawing/2014/main" id="{9F3C3775-B16E-4806-91B7-E14E2F0CF606}"/>
+                <a16:creationId xmlns:a16="http://schemas.microsoft.com/office/drawing/2014/main" id="{C3B5004E-F360-8044-96E7-A84EE7081EA9}"/>
               </a:ext>
             </a:extLst>
           </p:cNvPr>
-          <p:cNvSpPr>
-            <a:spLocks noGrp="1"/>
-          </p:cNvSpPr>
-          <p:nvPr>
-            <p:ph type="title"/>
-          </p:nvPr>
-        </p:nvSpPr>
-        <p:spPr/>
-        <p:txBody>
-          <a:bodyPr/>
-          <a:lstStyle/>
-          <a:p>
-            <a:r>
-              <a:rPr lang="en-US" dirty="0"/>
-              <a:t>Post Mortem</a:t>
-            </a:r>
-          </a:p>
-        </p:txBody>
-      </p:sp>
-      <p:sp>
-        <p:nvSpPr>
-          <p:cNvPr id="3" name="Content Placeholder 2">
-            <a:extLst>
-              <a:ext uri="{FF2B5EF4-FFF2-40B4-BE49-F238E27FC236}">
-                <a16:creationId xmlns:a16="http://schemas.microsoft.com/office/drawing/2014/main" id="{EE1F8A6C-65C6-45BA-A129-F297706EE94F}"/>
-              </a:ext>
-            </a:extLst>
-          </p:cNvPr>
-          <p:cNvSpPr>
-            <a:spLocks noGrp="1"/>
-          </p:cNvSpPr>
+          <p:cNvPicPr>
+            <a:picLocks noGrp="1" noChangeAspect="1"/>
+          </p:cNvPicPr>
           <p:nvPr>
             <p:ph idx="1"/>
           </p:nvPr>
-        </p:nvSpPr>
-        <p:spPr/>
-        <p:txBody>
-          <a:bodyPr/>
-          <a:lstStyle/>
-          <a:p>
-            <a:r>
-              <a:rPr lang="en-US" dirty="0"/>
-              <a:t>Discuss any difficulties that arose, and how you dealt with them</a:t>
-            </a:r>
-          </a:p>
-          <a:p>
-            <a:r>
-              <a:rPr lang="en-US" dirty="0"/>
-              <a:t>Discuss any additional questions that came up, but which you didn't have time to answer: What would you research next, if you had two more weeks?</a:t>
-            </a:r>
-          </a:p>
-        </p:txBody>
-      </p:sp>
+        </p:nvPicPr>
+        <p:blipFill>
+          <a:blip r:embed="rId2"/>
+          <a:stretch>
+            <a:fillRect/>
+          </a:stretch>
+        </p:blipFill>
+        <p:spPr>
+          <a:xfrm>
+            <a:off x="315885" y="1762298"/>
+            <a:ext cx="11264728" cy="3424843"/>
+          </a:xfrm>
+        </p:spPr>
+      </p:pic>
     </p:spTree>
     <p:extLst>
       <p:ext uri="{BB962C8B-B14F-4D97-AF65-F5344CB8AC3E}">
-        <p14:creationId xmlns:p14="http://schemas.microsoft.com/office/powerpoint/2010/main" val="998638806"/>
+        <p14:creationId xmlns:p14="http://schemas.microsoft.com/office/powerpoint/2010/main" val="989073797"/>
       </p:ext>
     </p:extLst>
   </p:cSld>
@@ -6657,38 +6956,40 @@
           <a:chExt cx="0" cy="0"/>
         </a:xfrm>
       </p:grpSpPr>
-      <p:sp>
-        <p:nvSpPr>
-          <p:cNvPr id="2" name="Title 1">
+      <p:pic>
+        <p:nvPicPr>
+          <p:cNvPr id="3" name="Picture 2">
             <a:extLst>
               <a:ext uri="{FF2B5EF4-FFF2-40B4-BE49-F238E27FC236}">
-                <a16:creationId xmlns:a16="http://schemas.microsoft.com/office/drawing/2014/main" id="{A6B452EC-5428-41E4-B7CE-370AFED6A506}"/>
+                <a16:creationId xmlns:a16="http://schemas.microsoft.com/office/drawing/2014/main" id="{67EFB29D-8122-DD4E-980C-E4A7165920BF}"/>
               </a:ext>
             </a:extLst>
           </p:cNvPr>
-          <p:cNvSpPr>
-            <a:spLocks noGrp="1"/>
-          </p:cNvSpPr>
-          <p:nvPr>
-            <p:ph type="title"/>
-          </p:nvPr>
-        </p:nvSpPr>
-        <p:spPr/>
-        <p:txBody>
-          <a:bodyPr/>
-          <a:lstStyle/>
-          <a:p>
-            <a:r>
-              <a:rPr lang="en-US" dirty="0"/>
-              <a:t>Questions?</a:t>
-            </a:r>
-          </a:p>
-        </p:txBody>
-      </p:sp>
+          <p:cNvPicPr>
+            <a:picLocks noChangeAspect="1"/>
+          </p:cNvPicPr>
+          <p:nvPr/>
+        </p:nvPicPr>
+        <p:blipFill>
+          <a:blip r:embed="rId2"/>
+          <a:stretch>
+            <a:fillRect/>
+          </a:stretch>
+        </p:blipFill>
+        <p:spPr>
+          <a:xfrm>
+            <a:off x="1524000" y="1143000"/>
+            <a:ext cx="9144000" cy="4572000"/>
+          </a:xfrm>
+          <a:prstGeom prst="rect">
+            <a:avLst/>
+          </a:prstGeom>
+        </p:spPr>
+      </p:pic>
     </p:spTree>
     <p:extLst>
       <p:ext uri="{BB962C8B-B14F-4D97-AF65-F5344CB8AC3E}">
-        <p14:creationId xmlns:p14="http://schemas.microsoft.com/office/powerpoint/2010/main" val="2356760612"/>
+        <p14:creationId xmlns:p14="http://schemas.microsoft.com/office/powerpoint/2010/main" val="3046077963"/>
       </p:ext>
     </p:extLst>
   </p:cSld>

--- a/Presentation.pptx
+++ b/Presentation.pptx
@@ -14,10 +14,25 @@
     <p:sldId id="265" r:id="rId8"/>
     <p:sldId id="267" r:id="rId9"/>
     <p:sldId id="268" r:id="rId10"/>
-    <p:sldId id="261" r:id="rId11"/>
-    <p:sldId id="262" r:id="rId12"/>
-    <p:sldId id="263" r:id="rId13"/>
-    <p:sldId id="264" r:id="rId14"/>
+    <p:sldId id="271" r:id="rId11"/>
+    <p:sldId id="261" r:id="rId12"/>
+    <p:sldId id="262" r:id="rId13"/>
+    <p:sldId id="263" r:id="rId14"/>
+    <p:sldId id="269" r:id="rId15"/>
+    <p:sldId id="270" r:id="rId16"/>
+    <p:sldId id="272" r:id="rId17"/>
+    <p:sldId id="273" r:id="rId18"/>
+    <p:sldId id="274" r:id="rId19"/>
+    <p:sldId id="275" r:id="rId20"/>
+    <p:sldId id="276" r:id="rId21"/>
+    <p:sldId id="277" r:id="rId22"/>
+    <p:sldId id="278" r:id="rId23"/>
+    <p:sldId id="279" r:id="rId24"/>
+    <p:sldId id="280" r:id="rId25"/>
+    <p:sldId id="281" r:id="rId26"/>
+    <p:sldId id="282" r:id="rId27"/>
+    <p:sldId id="284" r:id="rId28"/>
+    <p:sldId id="285" r:id="rId29"/>
   </p:sldIdLst>
   <p:sldSz cx="12192000" cy="6858000"/>
   <p:notesSz cx="6858000" cy="9144000"/>
@@ -5899,66 +5914,10 @@
           <a:chExt cx="0" cy="0"/>
         </a:xfrm>
       </p:grpSpPr>
-      <p:sp>
-        <p:nvSpPr>
-          <p:cNvPr id="2" name="Title 1">
-            <a:extLst>
-              <a:ext uri="{FF2B5EF4-FFF2-40B4-BE49-F238E27FC236}">
-                <a16:creationId xmlns:a16="http://schemas.microsoft.com/office/drawing/2014/main" id="{E8A8B61D-6CFE-479C-BE7F-2B0B55FD7BE9}"/>
-              </a:ext>
-            </a:extLst>
-          </p:cNvPr>
-          <p:cNvSpPr>
-            <a:spLocks noGrp="1"/>
-          </p:cNvSpPr>
-          <p:nvPr>
-            <p:ph type="title"/>
-          </p:nvPr>
-        </p:nvSpPr>
-        <p:spPr/>
-        <p:txBody>
-          <a:bodyPr/>
-          <a:lstStyle/>
-          <a:p>
-            <a:r>
-              <a:rPr lang="en-US" dirty="0"/>
-              <a:t>Discussion</a:t>
-            </a:r>
-          </a:p>
-        </p:txBody>
-      </p:sp>
-      <p:sp>
-        <p:nvSpPr>
-          <p:cNvPr id="3" name="Content Placeholder 2">
-            <a:extLst>
-              <a:ext uri="{FF2B5EF4-FFF2-40B4-BE49-F238E27FC236}">
-                <a16:creationId xmlns:a16="http://schemas.microsoft.com/office/drawing/2014/main" id="{55609135-358E-447A-8B95-BBD6520540F2}"/>
-              </a:ext>
-            </a:extLst>
-          </p:cNvPr>
-          <p:cNvSpPr>
-            <a:spLocks noGrp="1"/>
-          </p:cNvSpPr>
-          <p:nvPr>
-            <p:ph idx="1"/>
-          </p:nvPr>
-        </p:nvSpPr>
-        <p:spPr/>
-        <p:txBody>
-          <a:bodyPr/>
-          <a:lstStyle/>
-          <a:p>
-            <a:r>
-              <a:rPr lang="en-US" dirty="0"/>
-              <a:t>Discuss your findings. Did you find what you expected to find? If not, why not? What inferences or general conclusions can you draw from your analysis?</a:t>
-            </a:r>
-          </a:p>
-        </p:txBody>
-      </p:sp>
     </p:spTree>
     <p:extLst>
       <p:ext uri="{BB962C8B-B14F-4D97-AF65-F5344CB8AC3E}">
-        <p14:creationId xmlns:p14="http://schemas.microsoft.com/office/powerpoint/2010/main" val="3036915311"/>
+        <p14:creationId xmlns:p14="http://schemas.microsoft.com/office/powerpoint/2010/main" val="1039193494"/>
       </p:ext>
     </p:extLst>
   </p:cSld>
@@ -5990,7 +5949,7 @@
           <p:cNvPr id="2" name="Title 1">
             <a:extLst>
               <a:ext uri="{FF2B5EF4-FFF2-40B4-BE49-F238E27FC236}">
-                <a16:creationId xmlns:a16="http://schemas.microsoft.com/office/drawing/2014/main" id="{9F3C3775-B16E-4806-91B7-E14E2F0CF606}"/>
+                <a16:creationId xmlns:a16="http://schemas.microsoft.com/office/drawing/2014/main" id="{E8A8B61D-6CFE-479C-BE7F-2B0B55FD7BE9}"/>
               </a:ext>
             </a:extLst>
           </p:cNvPr>
@@ -6008,7 +5967,7 @@
           <a:p>
             <a:r>
               <a:rPr lang="en-US" dirty="0"/>
-              <a:t>Post Mortem</a:t>
+              <a:t>Discussion</a:t>
             </a:r>
           </a:p>
         </p:txBody>
@@ -6018,7 +5977,7 @@
           <p:cNvPr id="3" name="Content Placeholder 2">
             <a:extLst>
               <a:ext uri="{FF2B5EF4-FFF2-40B4-BE49-F238E27FC236}">
-                <a16:creationId xmlns:a16="http://schemas.microsoft.com/office/drawing/2014/main" id="{EE1F8A6C-65C6-45BA-A129-F297706EE94F}"/>
+                <a16:creationId xmlns:a16="http://schemas.microsoft.com/office/drawing/2014/main" id="{55609135-358E-447A-8B95-BBD6520540F2}"/>
               </a:ext>
             </a:extLst>
           </p:cNvPr>
@@ -6036,13 +5995,7 @@
           <a:p>
             <a:r>
               <a:rPr lang="en-US" dirty="0"/>
-              <a:t>Discuss any difficulties that arose, and how you dealt with them</a:t>
-            </a:r>
-          </a:p>
-          <a:p>
-            <a:r>
-              <a:rPr lang="en-US" dirty="0"/>
-              <a:t>Discuss any additional questions that came up, but which you didn't have time to answer: What would you research next, if you had two more weeks?</a:t>
+              <a:t>Discuss your findings. Did you find what you expected to find? If not, why not? What inferences or general conclusions can you draw from your analysis?</a:t>
             </a:r>
           </a:p>
         </p:txBody>
@@ -6050,7 +6003,7 @@
     </p:spTree>
     <p:extLst>
       <p:ext uri="{BB962C8B-B14F-4D97-AF65-F5344CB8AC3E}">
-        <p14:creationId xmlns:p14="http://schemas.microsoft.com/office/powerpoint/2010/main" val="998638806"/>
+        <p14:creationId xmlns:p14="http://schemas.microsoft.com/office/powerpoint/2010/main" val="3036915311"/>
       </p:ext>
     </p:extLst>
   </p:cSld>
@@ -6082,7 +6035,7 @@
           <p:cNvPr id="2" name="Title 1">
             <a:extLst>
               <a:ext uri="{FF2B5EF4-FFF2-40B4-BE49-F238E27FC236}">
-                <a16:creationId xmlns:a16="http://schemas.microsoft.com/office/drawing/2014/main" id="{A6B452EC-5428-41E4-B7CE-370AFED6A506}"/>
+                <a16:creationId xmlns:a16="http://schemas.microsoft.com/office/drawing/2014/main" id="{9F3C3775-B16E-4806-91B7-E14E2F0CF606}"/>
               </a:ext>
             </a:extLst>
           </p:cNvPr>
@@ -6100,7 +6053,41 @@
           <a:p>
             <a:r>
               <a:rPr lang="en-US" dirty="0"/>
-              <a:t>Questions?</a:t>
+              <a:t>Post Mortem</a:t>
+            </a:r>
+          </a:p>
+        </p:txBody>
+      </p:sp>
+      <p:sp>
+        <p:nvSpPr>
+          <p:cNvPr id="3" name="Content Placeholder 2">
+            <a:extLst>
+              <a:ext uri="{FF2B5EF4-FFF2-40B4-BE49-F238E27FC236}">
+                <a16:creationId xmlns:a16="http://schemas.microsoft.com/office/drawing/2014/main" id="{EE1F8A6C-65C6-45BA-A129-F297706EE94F}"/>
+              </a:ext>
+            </a:extLst>
+          </p:cNvPr>
+          <p:cNvSpPr>
+            <a:spLocks noGrp="1"/>
+          </p:cNvSpPr>
+          <p:nvPr>
+            <p:ph idx="1"/>
+          </p:nvPr>
+        </p:nvSpPr>
+        <p:spPr/>
+        <p:txBody>
+          <a:bodyPr/>
+          <a:lstStyle/>
+          <a:p>
+            <a:r>
+              <a:rPr lang="en-US" dirty="0"/>
+              <a:t>Discuss any difficulties that arose, and how you dealt with them</a:t>
+            </a:r>
+          </a:p>
+          <a:p>
+            <a:r>
+              <a:rPr lang="en-US" dirty="0"/>
+              <a:t>Discuss any additional questions that came up, but which you didn't have time to answer: What would you research next, if you had two more weeks?</a:t>
             </a:r>
           </a:p>
         </p:txBody>
@@ -6108,7 +6095,7 @@
     </p:spTree>
     <p:extLst>
       <p:ext uri="{BB962C8B-B14F-4D97-AF65-F5344CB8AC3E}">
-        <p14:creationId xmlns:p14="http://schemas.microsoft.com/office/powerpoint/2010/main" val="2356760612"/>
+        <p14:creationId xmlns:p14="http://schemas.microsoft.com/office/powerpoint/2010/main" val="998638806"/>
       </p:ext>
     </p:extLst>
   </p:cSld>
@@ -6135,10 +6122,498 @@
           <a:chExt cx="0" cy="0"/>
         </a:xfrm>
       </p:grpSpPr>
+      <p:sp>
+        <p:nvSpPr>
+          <p:cNvPr id="2" name="Title 1">
+            <a:extLst>
+              <a:ext uri="{FF2B5EF4-FFF2-40B4-BE49-F238E27FC236}">
+                <a16:creationId xmlns:a16="http://schemas.microsoft.com/office/drawing/2014/main" id="{A6B452EC-5428-41E4-B7CE-370AFED6A506}"/>
+              </a:ext>
+            </a:extLst>
+          </p:cNvPr>
+          <p:cNvSpPr>
+            <a:spLocks noGrp="1"/>
+          </p:cNvSpPr>
+          <p:nvPr>
+            <p:ph type="title"/>
+          </p:nvPr>
+        </p:nvSpPr>
+        <p:spPr/>
+        <p:txBody>
+          <a:bodyPr/>
+          <a:lstStyle/>
+          <a:p>
+            <a:r>
+              <a:rPr lang="en-US" dirty="0"/>
+              <a:t>Questions?</a:t>
+            </a:r>
+          </a:p>
+        </p:txBody>
+      </p:sp>
     </p:spTree>
     <p:extLst>
       <p:ext uri="{BB962C8B-B14F-4D97-AF65-F5344CB8AC3E}">
-        <p14:creationId xmlns:p14="http://schemas.microsoft.com/office/powerpoint/2010/main" val="1140195082"/>
+        <p14:creationId xmlns:p14="http://schemas.microsoft.com/office/powerpoint/2010/main" val="2356760612"/>
+      </p:ext>
+    </p:extLst>
+  </p:cSld>
+  <p:clrMapOvr>
+    <a:masterClrMapping/>
+  </p:clrMapOvr>
+</p:sld>
+</file>
+
+<file path=ppt/slides/slide14.xml><?xml version="1.0" encoding="utf-8"?>
+<p:sld xmlns:a="http://schemas.openxmlformats.org/drawingml/2006/main" xmlns:r="http://schemas.openxmlformats.org/officeDocument/2006/relationships" xmlns:p="http://schemas.openxmlformats.org/presentationml/2006/main">
+  <p:cSld>
+    <p:spTree>
+      <p:nvGrpSpPr>
+        <p:cNvPr id="1" name=""/>
+        <p:cNvGrpSpPr/>
+        <p:nvPr/>
+      </p:nvGrpSpPr>
+      <p:grpSpPr>
+        <a:xfrm>
+          <a:off x="0" y="0"/>
+          <a:ext cx="0" cy="0"/>
+          <a:chOff x="0" y="0"/>
+          <a:chExt cx="0" cy="0"/>
+        </a:xfrm>
+      </p:grpSpPr>
+      <p:sp>
+        <p:nvSpPr>
+          <p:cNvPr id="2" name="Title 1">
+            <a:extLst>
+              <a:ext uri="{FF2B5EF4-FFF2-40B4-BE49-F238E27FC236}">
+                <a16:creationId xmlns:a16="http://schemas.microsoft.com/office/drawing/2014/main" id="{C2278CC7-4A8E-9645-BE70-528DD66F55FC}"/>
+              </a:ext>
+            </a:extLst>
+          </p:cNvPr>
+          <p:cNvSpPr>
+            <a:spLocks noGrp="1"/>
+          </p:cNvSpPr>
+          <p:nvPr>
+            <p:ph type="title"/>
+          </p:nvPr>
+        </p:nvSpPr>
+        <p:spPr>
+          <a:xfrm>
+            <a:off x="685801" y="609600"/>
+            <a:ext cx="10286999" cy="1456267"/>
+          </a:xfrm>
+        </p:spPr>
+        <p:txBody>
+          <a:bodyPr/>
+          <a:lstStyle/>
+          <a:p>
+            <a:r>
+              <a:rPr lang="en-US" dirty="0"/>
+              <a:t>Appendix: Additional Visualizations for EA. City</a:t>
+            </a:r>
+          </a:p>
+        </p:txBody>
+      </p:sp>
+      <p:pic>
+        <p:nvPicPr>
+          <p:cNvPr id="5" name="Content Placeholder 4">
+            <a:extLst>
+              <a:ext uri="{FF2B5EF4-FFF2-40B4-BE49-F238E27FC236}">
+                <a16:creationId xmlns:a16="http://schemas.microsoft.com/office/drawing/2014/main" id="{5A6E69FC-54DA-2143-956E-1BE32FA4ABEB}"/>
+              </a:ext>
+            </a:extLst>
+          </p:cNvPr>
+          <p:cNvPicPr>
+            <a:picLocks noGrp="1" noChangeAspect="1"/>
+          </p:cNvPicPr>
+          <p:nvPr>
+            <p:ph idx="1"/>
+          </p:nvPr>
+        </p:nvPicPr>
+        <p:blipFill>
+          <a:blip r:embed="rId2"/>
+          <a:stretch>
+            <a:fillRect/>
+          </a:stretch>
+        </p:blipFill>
+        <p:spPr>
+          <a:xfrm>
+            <a:off x="1189435" y="2141538"/>
+            <a:ext cx="9124155" cy="3649662"/>
+          </a:xfrm>
+        </p:spPr>
+      </p:pic>
+    </p:spTree>
+    <p:extLst>
+      <p:ext uri="{BB962C8B-B14F-4D97-AF65-F5344CB8AC3E}">
+        <p14:creationId xmlns:p14="http://schemas.microsoft.com/office/powerpoint/2010/main" val="3014205448"/>
+      </p:ext>
+    </p:extLst>
+  </p:cSld>
+  <p:clrMapOvr>
+    <a:masterClrMapping/>
+  </p:clrMapOvr>
+</p:sld>
+</file>
+
+<file path=ppt/slides/slide15.xml><?xml version="1.0" encoding="utf-8"?>
+<p:sld xmlns:a="http://schemas.openxmlformats.org/drawingml/2006/main" xmlns:r="http://schemas.openxmlformats.org/officeDocument/2006/relationships" xmlns:p="http://schemas.openxmlformats.org/presentationml/2006/main">
+  <p:cSld>
+    <p:spTree>
+      <p:nvGrpSpPr>
+        <p:cNvPr id="1" name=""/>
+        <p:cNvGrpSpPr/>
+        <p:nvPr/>
+      </p:nvGrpSpPr>
+      <p:grpSpPr>
+        <a:xfrm>
+          <a:off x="0" y="0"/>
+          <a:ext cx="0" cy="0"/>
+          <a:chOff x="0" y="0"/>
+          <a:chExt cx="0" cy="0"/>
+        </a:xfrm>
+      </p:grpSpPr>
+      <p:pic>
+        <p:nvPicPr>
+          <p:cNvPr id="3" name="Picture 2">
+            <a:extLst>
+              <a:ext uri="{FF2B5EF4-FFF2-40B4-BE49-F238E27FC236}">
+                <a16:creationId xmlns:a16="http://schemas.microsoft.com/office/drawing/2014/main" id="{ECFCDDB1-B511-0B47-B59B-D03C9D13D724}"/>
+              </a:ext>
+            </a:extLst>
+          </p:cNvPr>
+          <p:cNvPicPr>
+            <a:picLocks noChangeAspect="1"/>
+          </p:cNvPicPr>
+          <p:nvPr/>
+        </p:nvPicPr>
+        <p:blipFill>
+          <a:blip r:embed="rId2"/>
+          <a:stretch>
+            <a:fillRect/>
+          </a:stretch>
+        </p:blipFill>
+        <p:spPr>
+          <a:xfrm>
+            <a:off x="2427316" y="1300849"/>
+            <a:ext cx="7337368" cy="4891579"/>
+          </a:xfrm>
+          <a:prstGeom prst="rect">
+            <a:avLst/>
+          </a:prstGeom>
+        </p:spPr>
+      </p:pic>
+      <p:sp>
+        <p:nvSpPr>
+          <p:cNvPr id="6" name="TextBox 5">
+            <a:extLst>
+              <a:ext uri="{FF2B5EF4-FFF2-40B4-BE49-F238E27FC236}">
+                <a16:creationId xmlns:a16="http://schemas.microsoft.com/office/drawing/2014/main" id="{40E31390-F3AA-EC4D-94E1-FCE5CDC04692}"/>
+              </a:ext>
+            </a:extLst>
+          </p:cNvPr>
+          <p:cNvSpPr txBox="1"/>
+          <p:nvPr/>
+        </p:nvSpPr>
+        <p:spPr>
+          <a:xfrm>
+            <a:off x="2028305" y="480906"/>
+            <a:ext cx="7880466" cy="369332"/>
+          </a:xfrm>
+          <a:prstGeom prst="rect">
+            <a:avLst/>
+          </a:prstGeom>
+          <a:noFill/>
+        </p:spPr>
+        <p:txBody>
+          <a:bodyPr wrap="square" rtlCol="0">
+            <a:spAutoFit/>
+          </a:bodyPr>
+          <a:lstStyle/>
+          <a:p>
+            <a:pPr algn="ctr"/>
+            <a:r>
+              <a:rPr lang="en-US" dirty="0"/>
+              <a:t>Denver, Colorado Total Crimes by Percent Illumination</a:t>
+            </a:r>
+          </a:p>
+        </p:txBody>
+      </p:sp>
+    </p:spTree>
+    <p:extLst>
+      <p:ext uri="{BB962C8B-B14F-4D97-AF65-F5344CB8AC3E}">
+        <p14:creationId xmlns:p14="http://schemas.microsoft.com/office/powerpoint/2010/main" val="10863599"/>
+      </p:ext>
+    </p:extLst>
+  </p:cSld>
+  <p:clrMapOvr>
+    <a:masterClrMapping/>
+  </p:clrMapOvr>
+</p:sld>
+</file>
+
+<file path=ppt/slides/slide16.xml><?xml version="1.0" encoding="utf-8"?>
+<p:sld xmlns:a="http://schemas.openxmlformats.org/drawingml/2006/main" xmlns:r="http://schemas.openxmlformats.org/officeDocument/2006/relationships" xmlns:p="http://schemas.openxmlformats.org/presentationml/2006/main">
+  <p:cSld>
+    <p:spTree>
+      <p:nvGrpSpPr>
+        <p:cNvPr id="1" name=""/>
+        <p:cNvGrpSpPr/>
+        <p:nvPr/>
+      </p:nvGrpSpPr>
+      <p:grpSpPr>
+        <a:xfrm>
+          <a:off x="0" y="0"/>
+          <a:ext cx="0" cy="0"/>
+          <a:chOff x="0" y="0"/>
+          <a:chExt cx="0" cy="0"/>
+        </a:xfrm>
+      </p:grpSpPr>
+      <p:sp>
+        <p:nvSpPr>
+          <p:cNvPr id="2" name="Title 1">
+            <a:extLst>
+              <a:ext uri="{FF2B5EF4-FFF2-40B4-BE49-F238E27FC236}">
+                <a16:creationId xmlns:a16="http://schemas.microsoft.com/office/drawing/2014/main" id="{B9B058E4-70FB-BE4F-9DAA-F4C098DD431C}"/>
+              </a:ext>
+            </a:extLst>
+          </p:cNvPr>
+          <p:cNvSpPr>
+            <a:spLocks noGrp="1"/>
+          </p:cNvSpPr>
+          <p:nvPr>
+            <p:ph type="title"/>
+          </p:nvPr>
+        </p:nvSpPr>
+        <p:spPr>
+          <a:xfrm>
+            <a:off x="685801" y="609601"/>
+            <a:ext cx="10131425" cy="457200"/>
+          </a:xfrm>
+        </p:spPr>
+        <p:txBody>
+          <a:bodyPr>
+            <a:normAutofit fontScale="90000"/>
+          </a:bodyPr>
+          <a:lstStyle/>
+          <a:p>
+            <a:pPr algn="ctr"/>
+            <a:r>
+              <a:rPr lang="en-US" dirty="0"/>
+              <a:t>Denver, Colorado Box Plot</a:t>
+            </a:r>
+          </a:p>
+        </p:txBody>
+      </p:sp>
+      <p:pic>
+        <p:nvPicPr>
+          <p:cNvPr id="5" name="Content Placeholder 4">
+            <a:extLst>
+              <a:ext uri="{FF2B5EF4-FFF2-40B4-BE49-F238E27FC236}">
+                <a16:creationId xmlns:a16="http://schemas.microsoft.com/office/drawing/2014/main" id="{33EAD832-A0E8-1B42-B027-02A4AD760541}"/>
+              </a:ext>
+            </a:extLst>
+          </p:cNvPr>
+          <p:cNvPicPr>
+            <a:picLocks noGrp="1" noChangeAspect="1"/>
+          </p:cNvPicPr>
+          <p:nvPr>
+            <p:ph idx="1"/>
+          </p:nvPr>
+        </p:nvPicPr>
+        <p:blipFill>
+          <a:blip r:embed="rId2"/>
+          <a:stretch>
+            <a:fillRect/>
+          </a:stretch>
+        </p:blipFill>
+        <p:spPr>
+          <a:xfrm>
+            <a:off x="1580706" y="1470978"/>
+            <a:ext cx="9030588" cy="4515294"/>
+          </a:xfrm>
+        </p:spPr>
+      </p:pic>
+    </p:spTree>
+    <p:extLst>
+      <p:ext uri="{BB962C8B-B14F-4D97-AF65-F5344CB8AC3E}">
+        <p14:creationId xmlns:p14="http://schemas.microsoft.com/office/powerpoint/2010/main" val="805421565"/>
+      </p:ext>
+    </p:extLst>
+  </p:cSld>
+  <p:clrMapOvr>
+    <a:masterClrMapping/>
+  </p:clrMapOvr>
+</p:sld>
+</file>
+
+<file path=ppt/slides/slide17.xml><?xml version="1.0" encoding="utf-8"?>
+<p:sld xmlns:a="http://schemas.openxmlformats.org/drawingml/2006/main" xmlns:r="http://schemas.openxmlformats.org/officeDocument/2006/relationships" xmlns:p="http://schemas.openxmlformats.org/presentationml/2006/main">
+  <p:cSld>
+    <p:spTree>
+      <p:nvGrpSpPr>
+        <p:cNvPr id="1" name=""/>
+        <p:cNvGrpSpPr/>
+        <p:nvPr/>
+      </p:nvGrpSpPr>
+      <p:grpSpPr>
+        <a:xfrm>
+          <a:off x="0" y="0"/>
+          <a:ext cx="0" cy="0"/>
+          <a:chOff x="0" y="0"/>
+          <a:chExt cx="0" cy="0"/>
+        </a:xfrm>
+      </p:grpSpPr>
+      <p:pic>
+        <p:nvPicPr>
+          <p:cNvPr id="5" name="Content Placeholder 4">
+            <a:extLst>
+              <a:ext uri="{FF2B5EF4-FFF2-40B4-BE49-F238E27FC236}">
+                <a16:creationId xmlns:a16="http://schemas.microsoft.com/office/drawing/2014/main" id="{05DC4DF0-B9E5-354D-B328-00A3649C0BC3}"/>
+              </a:ext>
+            </a:extLst>
+          </p:cNvPr>
+          <p:cNvPicPr>
+            <a:picLocks noGrp="1" noChangeAspect="1"/>
+          </p:cNvPicPr>
+          <p:nvPr>
+            <p:ph idx="1"/>
+          </p:nvPr>
+        </p:nvPicPr>
+        <p:blipFill>
+          <a:blip r:embed="rId2"/>
+          <a:stretch>
+            <a:fillRect/>
+          </a:stretch>
+        </p:blipFill>
+        <p:spPr>
+          <a:xfrm>
+            <a:off x="385156" y="1924396"/>
+            <a:ext cx="11421687" cy="3009207"/>
+          </a:xfrm>
+        </p:spPr>
+      </p:pic>
+    </p:spTree>
+    <p:extLst>
+      <p:ext uri="{BB962C8B-B14F-4D97-AF65-F5344CB8AC3E}">
+        <p14:creationId xmlns:p14="http://schemas.microsoft.com/office/powerpoint/2010/main" val="1940653460"/>
+      </p:ext>
+    </p:extLst>
+  </p:cSld>
+  <p:clrMapOvr>
+    <a:masterClrMapping/>
+  </p:clrMapOvr>
+</p:sld>
+</file>
+
+<file path=ppt/slides/slide18.xml><?xml version="1.0" encoding="utf-8"?>
+<p:sld xmlns:a="http://schemas.openxmlformats.org/drawingml/2006/main" xmlns:r="http://schemas.openxmlformats.org/officeDocument/2006/relationships" xmlns:p="http://schemas.openxmlformats.org/presentationml/2006/main">
+  <p:cSld>
+    <p:spTree>
+      <p:nvGrpSpPr>
+        <p:cNvPr id="1" name=""/>
+        <p:cNvGrpSpPr/>
+        <p:nvPr/>
+      </p:nvGrpSpPr>
+      <p:grpSpPr>
+        <a:xfrm>
+          <a:off x="0" y="0"/>
+          <a:ext cx="0" cy="0"/>
+          <a:chOff x="0" y="0"/>
+          <a:chExt cx="0" cy="0"/>
+        </a:xfrm>
+      </p:grpSpPr>
+      <p:pic>
+        <p:nvPicPr>
+          <p:cNvPr id="5" name="Content Placeholder 4">
+            <a:extLst>
+              <a:ext uri="{FF2B5EF4-FFF2-40B4-BE49-F238E27FC236}">
+                <a16:creationId xmlns:a16="http://schemas.microsoft.com/office/drawing/2014/main" id="{A4E2E13F-3C16-7542-9594-5DFFF3F4B33D}"/>
+              </a:ext>
+            </a:extLst>
+          </p:cNvPr>
+          <p:cNvPicPr>
+            <a:picLocks noGrp="1" noChangeAspect="1"/>
+          </p:cNvPicPr>
+          <p:nvPr>
+            <p:ph idx="1"/>
+          </p:nvPr>
+        </p:nvPicPr>
+        <p:blipFill>
+          <a:blip r:embed="rId2"/>
+          <a:stretch>
+            <a:fillRect/>
+          </a:stretch>
+        </p:blipFill>
+        <p:spPr>
+          <a:xfrm>
+            <a:off x="2022764" y="713509"/>
+            <a:ext cx="8146472" cy="5430981"/>
+          </a:xfrm>
+        </p:spPr>
+      </p:pic>
+    </p:spTree>
+    <p:extLst>
+      <p:ext uri="{BB962C8B-B14F-4D97-AF65-F5344CB8AC3E}">
+        <p14:creationId xmlns:p14="http://schemas.microsoft.com/office/powerpoint/2010/main" val="968082033"/>
+      </p:ext>
+    </p:extLst>
+  </p:cSld>
+  <p:clrMapOvr>
+    <a:masterClrMapping/>
+  </p:clrMapOvr>
+</p:sld>
+</file>
+
+<file path=ppt/slides/slide19.xml><?xml version="1.0" encoding="utf-8"?>
+<p:sld xmlns:a="http://schemas.openxmlformats.org/drawingml/2006/main" xmlns:r="http://schemas.openxmlformats.org/officeDocument/2006/relationships" xmlns:p="http://schemas.openxmlformats.org/presentationml/2006/main">
+  <p:cSld>
+    <p:spTree>
+      <p:nvGrpSpPr>
+        <p:cNvPr id="1" name=""/>
+        <p:cNvGrpSpPr/>
+        <p:nvPr/>
+      </p:nvGrpSpPr>
+      <p:grpSpPr>
+        <a:xfrm>
+          <a:off x="0" y="0"/>
+          <a:ext cx="0" cy="0"/>
+          <a:chOff x="0" y="0"/>
+          <a:chExt cx="0" cy="0"/>
+        </a:xfrm>
+      </p:grpSpPr>
+      <p:pic>
+        <p:nvPicPr>
+          <p:cNvPr id="5" name="Content Placeholder 4">
+            <a:extLst>
+              <a:ext uri="{FF2B5EF4-FFF2-40B4-BE49-F238E27FC236}">
+                <a16:creationId xmlns:a16="http://schemas.microsoft.com/office/drawing/2014/main" id="{46715E75-F78F-C947-9147-0EF6CAE2815A}"/>
+              </a:ext>
+            </a:extLst>
+          </p:cNvPr>
+          <p:cNvPicPr>
+            <a:picLocks noGrp="1" noChangeAspect="1"/>
+          </p:cNvPicPr>
+          <p:nvPr>
+            <p:ph idx="1"/>
+          </p:nvPr>
+        </p:nvPicPr>
+        <p:blipFill>
+          <a:blip r:embed="rId2"/>
+          <a:stretch>
+            <a:fillRect/>
+          </a:stretch>
+        </p:blipFill>
+        <p:spPr>
+          <a:xfrm>
+            <a:off x="1219200" y="990600"/>
+            <a:ext cx="9753600" cy="4876800"/>
+          </a:xfrm>
+        </p:spPr>
+      </p:pic>
+    </p:spTree>
+    <p:extLst>
+      <p:ext uri="{BB962C8B-B14F-4D97-AF65-F5344CB8AC3E}">
+        <p14:creationId xmlns:p14="http://schemas.microsoft.com/office/powerpoint/2010/main" val="1279737478"/>
       </p:ext>
     </p:extLst>
   </p:cSld>
@@ -6273,6 +6748,823 @@
     <p:extLst>
       <p:ext uri="{BB962C8B-B14F-4D97-AF65-F5344CB8AC3E}">
         <p14:creationId xmlns:p14="http://schemas.microsoft.com/office/powerpoint/2010/main" val="3776246567"/>
+      </p:ext>
+    </p:extLst>
+  </p:cSld>
+  <p:clrMapOvr>
+    <a:masterClrMapping/>
+  </p:clrMapOvr>
+</p:sld>
+</file>
+
+<file path=ppt/slides/slide20.xml><?xml version="1.0" encoding="utf-8"?>
+<p:sld xmlns:a="http://schemas.openxmlformats.org/drawingml/2006/main" xmlns:r="http://schemas.openxmlformats.org/officeDocument/2006/relationships" xmlns:p="http://schemas.openxmlformats.org/presentationml/2006/main">
+  <p:cSld>
+    <p:spTree>
+      <p:nvGrpSpPr>
+        <p:cNvPr id="1" name=""/>
+        <p:cNvGrpSpPr/>
+        <p:nvPr/>
+      </p:nvGrpSpPr>
+      <p:grpSpPr>
+        <a:xfrm>
+          <a:off x="0" y="0"/>
+          <a:ext cx="0" cy="0"/>
+          <a:chOff x="0" y="0"/>
+          <a:chExt cx="0" cy="0"/>
+        </a:xfrm>
+      </p:grpSpPr>
+      <p:sp>
+        <p:nvSpPr>
+          <p:cNvPr id="2" name="Title 1">
+            <a:extLst>
+              <a:ext uri="{FF2B5EF4-FFF2-40B4-BE49-F238E27FC236}">
+                <a16:creationId xmlns:a16="http://schemas.microsoft.com/office/drawing/2014/main" id="{56267B37-9F9A-BD49-A5D2-BA1A57FE3D35}"/>
+              </a:ext>
+            </a:extLst>
+          </p:cNvPr>
+          <p:cNvSpPr>
+            <a:spLocks noGrp="1"/>
+          </p:cNvSpPr>
+          <p:nvPr>
+            <p:ph type="title"/>
+          </p:nvPr>
+        </p:nvSpPr>
+        <p:spPr>
+          <a:xfrm>
+            <a:off x="349135" y="609600"/>
+            <a:ext cx="11405061" cy="687185"/>
+          </a:xfrm>
+        </p:spPr>
+        <p:txBody>
+          <a:bodyPr>
+            <a:normAutofit/>
+          </a:bodyPr>
+          <a:lstStyle/>
+          <a:p>
+            <a:r>
+              <a:rPr lang="en-US" dirty="0"/>
+              <a:t>New York City Average Crime by Percent Illumination</a:t>
+            </a:r>
+          </a:p>
+        </p:txBody>
+      </p:sp>
+      <p:pic>
+        <p:nvPicPr>
+          <p:cNvPr id="5" name="Content Placeholder 4">
+            <a:extLst>
+              <a:ext uri="{FF2B5EF4-FFF2-40B4-BE49-F238E27FC236}">
+                <a16:creationId xmlns:a16="http://schemas.microsoft.com/office/drawing/2014/main" id="{6B511534-E9FF-C444-B3AE-DC49F79E5D01}"/>
+              </a:ext>
+            </a:extLst>
+          </p:cNvPr>
+          <p:cNvPicPr>
+            <a:picLocks noGrp="1" noChangeAspect="1"/>
+          </p:cNvPicPr>
+          <p:nvPr>
+            <p:ph idx="1"/>
+          </p:nvPr>
+        </p:nvPicPr>
+        <p:blipFill>
+          <a:blip r:embed="rId2"/>
+          <a:stretch>
+            <a:fillRect/>
+          </a:stretch>
+        </p:blipFill>
+        <p:spPr>
+          <a:xfrm>
+            <a:off x="393469" y="1986666"/>
+            <a:ext cx="11405061" cy="4012352"/>
+          </a:xfrm>
+        </p:spPr>
+      </p:pic>
+    </p:spTree>
+    <p:extLst>
+      <p:ext uri="{BB962C8B-B14F-4D97-AF65-F5344CB8AC3E}">
+        <p14:creationId xmlns:p14="http://schemas.microsoft.com/office/powerpoint/2010/main" val="1944839878"/>
+      </p:ext>
+    </p:extLst>
+  </p:cSld>
+  <p:clrMapOvr>
+    <a:masterClrMapping/>
+  </p:clrMapOvr>
+</p:sld>
+</file>
+
+<file path=ppt/slides/slide21.xml><?xml version="1.0" encoding="utf-8"?>
+<p:sld xmlns:a="http://schemas.openxmlformats.org/drawingml/2006/main" xmlns:r="http://schemas.openxmlformats.org/officeDocument/2006/relationships" xmlns:p="http://schemas.openxmlformats.org/presentationml/2006/main">
+  <p:cSld>
+    <p:spTree>
+      <p:nvGrpSpPr>
+        <p:cNvPr id="1" name=""/>
+        <p:cNvGrpSpPr/>
+        <p:nvPr/>
+      </p:nvGrpSpPr>
+      <p:grpSpPr>
+        <a:xfrm>
+          <a:off x="0" y="0"/>
+          <a:ext cx="0" cy="0"/>
+          <a:chOff x="0" y="0"/>
+          <a:chExt cx="0" cy="0"/>
+        </a:xfrm>
+      </p:grpSpPr>
+      <p:pic>
+        <p:nvPicPr>
+          <p:cNvPr id="5" name="Content Placeholder 4">
+            <a:extLst>
+              <a:ext uri="{FF2B5EF4-FFF2-40B4-BE49-F238E27FC236}">
+                <a16:creationId xmlns:a16="http://schemas.microsoft.com/office/drawing/2014/main" id="{59767F0A-38B2-BE48-AACF-71147FFA7B19}"/>
+              </a:ext>
+            </a:extLst>
+          </p:cNvPr>
+          <p:cNvPicPr>
+            <a:picLocks noGrp="1" noChangeAspect="1"/>
+          </p:cNvPicPr>
+          <p:nvPr>
+            <p:ph idx="1"/>
+          </p:nvPr>
+        </p:nvPicPr>
+        <p:blipFill>
+          <a:blip r:embed="rId2"/>
+          <a:stretch>
+            <a:fillRect/>
+          </a:stretch>
+        </p:blipFill>
+        <p:spPr>
+          <a:xfrm>
+            <a:off x="1956261" y="669174"/>
+            <a:ext cx="8279477" cy="5519651"/>
+          </a:xfrm>
+        </p:spPr>
+      </p:pic>
+    </p:spTree>
+    <p:extLst>
+      <p:ext uri="{BB962C8B-B14F-4D97-AF65-F5344CB8AC3E}">
+        <p14:creationId xmlns:p14="http://schemas.microsoft.com/office/powerpoint/2010/main" val="2969946493"/>
+      </p:ext>
+    </p:extLst>
+  </p:cSld>
+  <p:clrMapOvr>
+    <a:masterClrMapping/>
+  </p:clrMapOvr>
+</p:sld>
+</file>
+
+<file path=ppt/slides/slide22.xml><?xml version="1.0" encoding="utf-8"?>
+<p:sld xmlns:a="http://schemas.openxmlformats.org/drawingml/2006/main" xmlns:r="http://schemas.openxmlformats.org/officeDocument/2006/relationships" xmlns:p="http://schemas.openxmlformats.org/presentationml/2006/main">
+  <p:cSld>
+    <p:spTree>
+      <p:nvGrpSpPr>
+        <p:cNvPr id="1" name=""/>
+        <p:cNvGrpSpPr/>
+        <p:nvPr/>
+      </p:nvGrpSpPr>
+      <p:grpSpPr>
+        <a:xfrm>
+          <a:off x="0" y="0"/>
+          <a:ext cx="0" cy="0"/>
+          <a:chOff x="0" y="0"/>
+          <a:chExt cx="0" cy="0"/>
+        </a:xfrm>
+      </p:grpSpPr>
+      <p:sp>
+        <p:nvSpPr>
+          <p:cNvPr id="2" name="Title 1">
+            <a:extLst>
+              <a:ext uri="{FF2B5EF4-FFF2-40B4-BE49-F238E27FC236}">
+                <a16:creationId xmlns:a16="http://schemas.microsoft.com/office/drawing/2014/main" id="{5794707A-43D3-5C4D-B9D6-E3F3DA406A43}"/>
+              </a:ext>
+            </a:extLst>
+          </p:cNvPr>
+          <p:cNvSpPr>
+            <a:spLocks noGrp="1"/>
+          </p:cNvSpPr>
+          <p:nvPr>
+            <p:ph type="title"/>
+          </p:nvPr>
+        </p:nvSpPr>
+        <p:spPr>
+          <a:xfrm>
+            <a:off x="1673988" y="591313"/>
+            <a:ext cx="8287511" cy="457199"/>
+          </a:xfrm>
+        </p:spPr>
+        <p:txBody>
+          <a:bodyPr>
+            <a:normAutofit fontScale="90000"/>
+          </a:bodyPr>
+          <a:lstStyle/>
+          <a:p>
+            <a:pPr algn="ctr"/>
+            <a:r>
+              <a:rPr lang="en-US" dirty="0"/>
+              <a:t>New York City Boxplot</a:t>
+            </a:r>
+          </a:p>
+        </p:txBody>
+      </p:sp>
+      <p:pic>
+        <p:nvPicPr>
+          <p:cNvPr id="5" name="Content Placeholder 4">
+            <a:extLst>
+              <a:ext uri="{FF2B5EF4-FFF2-40B4-BE49-F238E27FC236}">
+                <a16:creationId xmlns:a16="http://schemas.microsoft.com/office/drawing/2014/main" id="{D6CF5EDF-064B-104B-8BA6-A176EE6D92FB}"/>
+              </a:ext>
+            </a:extLst>
+          </p:cNvPr>
+          <p:cNvPicPr>
+            <a:picLocks noGrp="1" noChangeAspect="1"/>
+          </p:cNvPicPr>
+          <p:nvPr>
+            <p:ph idx="1"/>
+          </p:nvPr>
+        </p:nvPicPr>
+        <p:blipFill>
+          <a:blip r:embed="rId2"/>
+          <a:stretch>
+            <a:fillRect/>
+          </a:stretch>
+        </p:blipFill>
+        <p:spPr>
+          <a:xfrm>
+            <a:off x="1108902" y="1279589"/>
+            <a:ext cx="9974196" cy="4987098"/>
+          </a:xfrm>
+        </p:spPr>
+      </p:pic>
+    </p:spTree>
+    <p:extLst>
+      <p:ext uri="{BB962C8B-B14F-4D97-AF65-F5344CB8AC3E}">
+        <p14:creationId xmlns:p14="http://schemas.microsoft.com/office/powerpoint/2010/main" val="1841120418"/>
+      </p:ext>
+    </p:extLst>
+  </p:cSld>
+  <p:clrMapOvr>
+    <a:masterClrMapping/>
+  </p:clrMapOvr>
+</p:sld>
+</file>
+
+<file path=ppt/slides/slide23.xml><?xml version="1.0" encoding="utf-8"?>
+<p:sld xmlns:a="http://schemas.openxmlformats.org/drawingml/2006/main" xmlns:r="http://schemas.openxmlformats.org/officeDocument/2006/relationships" xmlns:p="http://schemas.openxmlformats.org/presentationml/2006/main">
+  <p:cSld>
+    <p:spTree>
+      <p:nvGrpSpPr>
+        <p:cNvPr id="1" name=""/>
+        <p:cNvGrpSpPr/>
+        <p:nvPr/>
+      </p:nvGrpSpPr>
+      <p:grpSpPr>
+        <a:xfrm>
+          <a:off x="0" y="0"/>
+          <a:ext cx="0" cy="0"/>
+          <a:chOff x="0" y="0"/>
+          <a:chExt cx="0" cy="0"/>
+        </a:xfrm>
+      </p:grpSpPr>
+      <p:sp>
+        <p:nvSpPr>
+          <p:cNvPr id="2" name="Title 1">
+            <a:extLst>
+              <a:ext uri="{FF2B5EF4-FFF2-40B4-BE49-F238E27FC236}">
+                <a16:creationId xmlns:a16="http://schemas.microsoft.com/office/drawing/2014/main" id="{DBBA54FA-4BA9-C441-BDBF-DD2ADC55F692}"/>
+              </a:ext>
+            </a:extLst>
+          </p:cNvPr>
+          <p:cNvSpPr>
+            <a:spLocks noGrp="1"/>
+          </p:cNvSpPr>
+          <p:nvPr>
+            <p:ph type="title"/>
+          </p:nvPr>
+        </p:nvSpPr>
+        <p:spPr>
+          <a:xfrm>
+            <a:off x="1030287" y="620683"/>
+            <a:ext cx="10131425" cy="604058"/>
+          </a:xfrm>
+        </p:spPr>
+        <p:txBody>
+          <a:bodyPr>
+            <a:normAutofit fontScale="90000"/>
+          </a:bodyPr>
+          <a:lstStyle/>
+          <a:p>
+            <a:r>
+              <a:rPr lang="en-US" dirty="0"/>
+              <a:t>Portland, OR Average Crime by Percent Illumination</a:t>
+            </a:r>
+          </a:p>
+        </p:txBody>
+      </p:sp>
+      <p:pic>
+        <p:nvPicPr>
+          <p:cNvPr id="5" name="Content Placeholder 4">
+            <a:extLst>
+              <a:ext uri="{FF2B5EF4-FFF2-40B4-BE49-F238E27FC236}">
+                <a16:creationId xmlns:a16="http://schemas.microsoft.com/office/drawing/2014/main" id="{1EE028B4-8321-934E-BDC3-719B79428E38}"/>
+              </a:ext>
+            </a:extLst>
+          </p:cNvPr>
+          <p:cNvPicPr>
+            <a:picLocks noGrp="1" noChangeAspect="1"/>
+          </p:cNvPicPr>
+          <p:nvPr>
+            <p:ph idx="1"/>
+          </p:nvPr>
+        </p:nvPicPr>
+        <p:blipFill>
+          <a:blip r:embed="rId2"/>
+          <a:stretch>
+            <a:fillRect/>
+          </a:stretch>
+        </p:blipFill>
+        <p:spPr>
+          <a:xfrm>
+            <a:off x="432262" y="2061556"/>
+            <a:ext cx="11338560" cy="3940233"/>
+          </a:xfrm>
+        </p:spPr>
+      </p:pic>
+    </p:spTree>
+    <p:extLst>
+      <p:ext uri="{BB962C8B-B14F-4D97-AF65-F5344CB8AC3E}">
+        <p14:creationId xmlns:p14="http://schemas.microsoft.com/office/powerpoint/2010/main" val="625841258"/>
+      </p:ext>
+    </p:extLst>
+  </p:cSld>
+  <p:clrMapOvr>
+    <a:masterClrMapping/>
+  </p:clrMapOvr>
+</p:sld>
+</file>
+
+<file path=ppt/slides/slide24.xml><?xml version="1.0" encoding="utf-8"?>
+<p:sld xmlns:a="http://schemas.openxmlformats.org/drawingml/2006/main" xmlns:r="http://schemas.openxmlformats.org/officeDocument/2006/relationships" xmlns:p="http://schemas.openxmlformats.org/presentationml/2006/main">
+  <p:cSld>
+    <p:spTree>
+      <p:nvGrpSpPr>
+        <p:cNvPr id="1" name=""/>
+        <p:cNvGrpSpPr/>
+        <p:nvPr/>
+      </p:nvGrpSpPr>
+      <p:grpSpPr>
+        <a:xfrm>
+          <a:off x="0" y="0"/>
+          <a:ext cx="0" cy="0"/>
+          <a:chOff x="0" y="0"/>
+          <a:chExt cx="0" cy="0"/>
+        </a:xfrm>
+      </p:grpSpPr>
+      <p:sp>
+        <p:nvSpPr>
+          <p:cNvPr id="2" name="Title 1">
+            <a:extLst>
+              <a:ext uri="{FF2B5EF4-FFF2-40B4-BE49-F238E27FC236}">
+                <a16:creationId xmlns:a16="http://schemas.microsoft.com/office/drawing/2014/main" id="{4C95312B-D259-8742-8462-7AE94D5F7846}"/>
+              </a:ext>
+            </a:extLst>
+          </p:cNvPr>
+          <p:cNvSpPr>
+            <a:spLocks noGrp="1"/>
+          </p:cNvSpPr>
+          <p:nvPr>
+            <p:ph type="title"/>
+          </p:nvPr>
+        </p:nvSpPr>
+        <p:spPr>
+          <a:xfrm>
+            <a:off x="685801" y="609601"/>
+            <a:ext cx="10852264" cy="457199"/>
+          </a:xfrm>
+        </p:spPr>
+        <p:txBody>
+          <a:bodyPr>
+            <a:normAutofit fontScale="90000"/>
+          </a:bodyPr>
+          <a:lstStyle/>
+          <a:p>
+            <a:pPr algn="ctr"/>
+            <a:r>
+              <a:rPr lang="en-US" dirty="0"/>
+              <a:t>Portland, Or Total Crimes by percent illumination</a:t>
+            </a:r>
+          </a:p>
+        </p:txBody>
+      </p:sp>
+      <p:pic>
+        <p:nvPicPr>
+          <p:cNvPr id="5" name="Content Placeholder 4">
+            <a:extLst>
+              <a:ext uri="{FF2B5EF4-FFF2-40B4-BE49-F238E27FC236}">
+                <a16:creationId xmlns:a16="http://schemas.microsoft.com/office/drawing/2014/main" id="{4B89BF9D-7310-0445-9DB2-773DD6756FB2}"/>
+              </a:ext>
+            </a:extLst>
+          </p:cNvPr>
+          <p:cNvPicPr>
+            <a:picLocks noGrp="1" noChangeAspect="1"/>
+          </p:cNvPicPr>
+          <p:nvPr>
+            <p:ph idx="1"/>
+          </p:nvPr>
+        </p:nvPicPr>
+        <p:blipFill>
+          <a:blip r:embed="rId2"/>
+          <a:stretch>
+            <a:fillRect/>
+          </a:stretch>
+        </p:blipFill>
+        <p:spPr>
+          <a:xfrm>
+            <a:off x="2346026" y="1367399"/>
+            <a:ext cx="7531814" cy="5021209"/>
+          </a:xfrm>
+        </p:spPr>
+      </p:pic>
+    </p:spTree>
+    <p:extLst>
+      <p:ext uri="{BB962C8B-B14F-4D97-AF65-F5344CB8AC3E}">
+        <p14:creationId xmlns:p14="http://schemas.microsoft.com/office/powerpoint/2010/main" val="1113625568"/>
+      </p:ext>
+    </p:extLst>
+  </p:cSld>
+  <p:clrMapOvr>
+    <a:masterClrMapping/>
+  </p:clrMapOvr>
+</p:sld>
+</file>
+
+<file path=ppt/slides/slide25.xml><?xml version="1.0" encoding="utf-8"?>
+<p:sld xmlns:a="http://schemas.openxmlformats.org/drawingml/2006/main" xmlns:r="http://schemas.openxmlformats.org/officeDocument/2006/relationships" xmlns:p="http://schemas.openxmlformats.org/presentationml/2006/main">
+  <p:cSld>
+    <p:spTree>
+      <p:nvGrpSpPr>
+        <p:cNvPr id="1" name=""/>
+        <p:cNvGrpSpPr/>
+        <p:nvPr/>
+      </p:nvGrpSpPr>
+      <p:grpSpPr>
+        <a:xfrm>
+          <a:off x="0" y="0"/>
+          <a:ext cx="0" cy="0"/>
+          <a:chOff x="0" y="0"/>
+          <a:chExt cx="0" cy="0"/>
+        </a:xfrm>
+      </p:grpSpPr>
+      <p:sp>
+        <p:nvSpPr>
+          <p:cNvPr id="2" name="Title 1">
+            <a:extLst>
+              <a:ext uri="{FF2B5EF4-FFF2-40B4-BE49-F238E27FC236}">
+                <a16:creationId xmlns:a16="http://schemas.microsoft.com/office/drawing/2014/main" id="{6514E1D6-D7AB-A64C-82B7-EDB757B05FE1}"/>
+              </a:ext>
+            </a:extLst>
+          </p:cNvPr>
+          <p:cNvSpPr>
+            <a:spLocks noGrp="1"/>
+          </p:cNvSpPr>
+          <p:nvPr>
+            <p:ph type="title"/>
+          </p:nvPr>
+        </p:nvSpPr>
+        <p:spPr>
+          <a:xfrm>
+            <a:off x="1441705" y="609601"/>
+            <a:ext cx="8921495" cy="457199"/>
+          </a:xfrm>
+        </p:spPr>
+        <p:txBody>
+          <a:bodyPr>
+            <a:normAutofit fontScale="90000"/>
+          </a:bodyPr>
+          <a:lstStyle/>
+          <a:p>
+            <a:pPr algn="ctr"/>
+            <a:r>
+              <a:rPr lang="en-US" dirty="0"/>
+              <a:t>Portland, OR Boxplot</a:t>
+            </a:r>
+          </a:p>
+        </p:txBody>
+      </p:sp>
+      <p:pic>
+        <p:nvPicPr>
+          <p:cNvPr id="5" name="Content Placeholder 4">
+            <a:extLst>
+              <a:ext uri="{FF2B5EF4-FFF2-40B4-BE49-F238E27FC236}">
+                <a16:creationId xmlns:a16="http://schemas.microsoft.com/office/drawing/2014/main" id="{285BBAE9-9F45-9C4A-9AD1-6E8B849FFF42}"/>
+              </a:ext>
+            </a:extLst>
+          </p:cNvPr>
+          <p:cNvPicPr>
+            <a:picLocks noGrp="1" noChangeAspect="1"/>
+          </p:cNvPicPr>
+          <p:nvPr>
+            <p:ph idx="1"/>
+          </p:nvPr>
+        </p:nvPicPr>
+        <p:blipFill>
+          <a:blip r:embed="rId2"/>
+          <a:stretch>
+            <a:fillRect/>
+          </a:stretch>
+        </p:blipFill>
+        <p:spPr>
+          <a:xfrm>
+            <a:off x="1322833" y="1475232"/>
+            <a:ext cx="9546334" cy="4773167"/>
+          </a:xfrm>
+        </p:spPr>
+      </p:pic>
+    </p:spTree>
+    <p:extLst>
+      <p:ext uri="{BB962C8B-B14F-4D97-AF65-F5344CB8AC3E}">
+        <p14:creationId xmlns:p14="http://schemas.microsoft.com/office/powerpoint/2010/main" val="2518801439"/>
+      </p:ext>
+    </p:extLst>
+  </p:cSld>
+  <p:clrMapOvr>
+    <a:masterClrMapping/>
+  </p:clrMapOvr>
+</p:sld>
+</file>
+
+<file path=ppt/slides/slide26.xml><?xml version="1.0" encoding="utf-8"?>
+<p:sld xmlns:a="http://schemas.openxmlformats.org/drawingml/2006/main" xmlns:r="http://schemas.openxmlformats.org/officeDocument/2006/relationships" xmlns:p="http://schemas.openxmlformats.org/presentationml/2006/main">
+  <p:cSld>
+    <p:spTree>
+      <p:nvGrpSpPr>
+        <p:cNvPr id="1" name=""/>
+        <p:cNvGrpSpPr/>
+        <p:nvPr/>
+      </p:nvGrpSpPr>
+      <p:grpSpPr>
+        <a:xfrm>
+          <a:off x="0" y="0"/>
+          <a:ext cx="0" cy="0"/>
+          <a:chOff x="0" y="0"/>
+          <a:chExt cx="0" cy="0"/>
+        </a:xfrm>
+      </p:grpSpPr>
+      <p:sp>
+        <p:nvSpPr>
+          <p:cNvPr id="2" name="Title 1">
+            <a:extLst>
+              <a:ext uri="{FF2B5EF4-FFF2-40B4-BE49-F238E27FC236}">
+                <a16:creationId xmlns:a16="http://schemas.microsoft.com/office/drawing/2014/main" id="{B19A6F20-8D57-DE41-AED0-33006085B0E8}"/>
+              </a:ext>
+            </a:extLst>
+          </p:cNvPr>
+          <p:cNvSpPr>
+            <a:spLocks noGrp="1"/>
+          </p:cNvSpPr>
+          <p:nvPr>
+            <p:ph type="title"/>
+          </p:nvPr>
+        </p:nvSpPr>
+        <p:spPr>
+          <a:xfrm>
+            <a:off x="685801" y="609601"/>
+            <a:ext cx="10952017" cy="720436"/>
+          </a:xfrm>
+        </p:spPr>
+        <p:txBody>
+          <a:bodyPr>
+            <a:normAutofit fontScale="90000"/>
+          </a:bodyPr>
+          <a:lstStyle/>
+          <a:p>
+            <a:pPr algn="ctr"/>
+            <a:r>
+              <a:rPr lang="en-US" dirty="0"/>
+              <a:t>San Francisco Average Crime by percent illumination</a:t>
+            </a:r>
+          </a:p>
+        </p:txBody>
+      </p:sp>
+      <p:pic>
+        <p:nvPicPr>
+          <p:cNvPr id="5" name="Content Placeholder 4">
+            <a:extLst>
+              <a:ext uri="{FF2B5EF4-FFF2-40B4-BE49-F238E27FC236}">
+                <a16:creationId xmlns:a16="http://schemas.microsoft.com/office/drawing/2014/main" id="{777C8C6B-0674-F649-B1E9-151183D2EC4B}"/>
+              </a:ext>
+            </a:extLst>
+          </p:cNvPr>
+          <p:cNvPicPr>
+            <a:picLocks noGrp="1" noChangeAspect="1"/>
+          </p:cNvPicPr>
+          <p:nvPr>
+            <p:ph idx="1"/>
+          </p:nvPr>
+        </p:nvPicPr>
+        <p:blipFill>
+          <a:blip r:embed="rId2"/>
+          <a:stretch>
+            <a:fillRect/>
+          </a:stretch>
+        </p:blipFill>
+        <p:spPr>
+          <a:xfrm>
+            <a:off x="431355" y="1829419"/>
+            <a:ext cx="11329290" cy="3199161"/>
+          </a:xfrm>
+        </p:spPr>
+      </p:pic>
+    </p:spTree>
+    <p:extLst>
+      <p:ext uri="{BB962C8B-B14F-4D97-AF65-F5344CB8AC3E}">
+        <p14:creationId xmlns:p14="http://schemas.microsoft.com/office/powerpoint/2010/main" val="3722723043"/>
+      </p:ext>
+    </p:extLst>
+  </p:cSld>
+  <p:clrMapOvr>
+    <a:masterClrMapping/>
+  </p:clrMapOvr>
+</p:sld>
+</file>
+
+<file path=ppt/slides/slide27.xml><?xml version="1.0" encoding="utf-8"?>
+<p:sld xmlns:a="http://schemas.openxmlformats.org/drawingml/2006/main" xmlns:r="http://schemas.openxmlformats.org/officeDocument/2006/relationships" xmlns:p="http://schemas.openxmlformats.org/presentationml/2006/main">
+  <p:cSld>
+    <p:spTree>
+      <p:nvGrpSpPr>
+        <p:cNvPr id="1" name=""/>
+        <p:cNvGrpSpPr/>
+        <p:nvPr/>
+      </p:nvGrpSpPr>
+      <p:grpSpPr>
+        <a:xfrm>
+          <a:off x="0" y="0"/>
+          <a:ext cx="0" cy="0"/>
+          <a:chOff x="0" y="0"/>
+          <a:chExt cx="0" cy="0"/>
+        </a:xfrm>
+      </p:grpSpPr>
+      <p:sp>
+        <p:nvSpPr>
+          <p:cNvPr id="2" name="Title 1">
+            <a:extLst>
+              <a:ext uri="{FF2B5EF4-FFF2-40B4-BE49-F238E27FC236}">
+                <a16:creationId xmlns:a16="http://schemas.microsoft.com/office/drawing/2014/main" id="{C39A8D84-3410-6B49-966A-626E326C39FA}"/>
+              </a:ext>
+            </a:extLst>
+          </p:cNvPr>
+          <p:cNvSpPr>
+            <a:spLocks noGrp="1"/>
+          </p:cNvSpPr>
+          <p:nvPr>
+            <p:ph type="title"/>
+          </p:nvPr>
+        </p:nvSpPr>
+        <p:spPr>
+          <a:xfrm>
+            <a:off x="685801" y="609601"/>
+            <a:ext cx="10131425" cy="737062"/>
+          </a:xfrm>
+        </p:spPr>
+        <p:txBody>
+          <a:bodyPr>
+            <a:normAutofit fontScale="90000"/>
+          </a:bodyPr>
+          <a:lstStyle/>
+          <a:p>
+            <a:pPr algn="ctr"/>
+            <a:r>
+              <a:rPr lang="en-US" dirty="0"/>
+              <a:t>San Francisco Total Crimes by Percent illumination</a:t>
+            </a:r>
+          </a:p>
+        </p:txBody>
+      </p:sp>
+      <p:pic>
+        <p:nvPicPr>
+          <p:cNvPr id="5" name="Content Placeholder 4">
+            <a:extLst>
+              <a:ext uri="{FF2B5EF4-FFF2-40B4-BE49-F238E27FC236}">
+                <a16:creationId xmlns:a16="http://schemas.microsoft.com/office/drawing/2014/main" id="{9DDF080B-1D4A-B24A-B33E-EC3C9D348EAF}"/>
+              </a:ext>
+            </a:extLst>
+          </p:cNvPr>
+          <p:cNvPicPr>
+            <a:picLocks noGrp="1" noChangeAspect="1"/>
+          </p:cNvPicPr>
+          <p:nvPr>
+            <p:ph idx="1"/>
+          </p:nvPr>
+        </p:nvPicPr>
+        <p:blipFill>
+          <a:blip r:embed="rId2"/>
+          <a:stretch>
+            <a:fillRect/>
+          </a:stretch>
+        </p:blipFill>
+        <p:spPr>
+          <a:xfrm>
+            <a:off x="2442932" y="1531937"/>
+            <a:ext cx="7306135" cy="4870757"/>
+          </a:xfrm>
+        </p:spPr>
+      </p:pic>
+    </p:spTree>
+    <p:extLst>
+      <p:ext uri="{BB962C8B-B14F-4D97-AF65-F5344CB8AC3E}">
+        <p14:creationId xmlns:p14="http://schemas.microsoft.com/office/powerpoint/2010/main" val="3293884169"/>
+      </p:ext>
+    </p:extLst>
+  </p:cSld>
+  <p:clrMapOvr>
+    <a:masterClrMapping/>
+  </p:clrMapOvr>
+</p:sld>
+</file>
+
+<file path=ppt/slides/slide28.xml><?xml version="1.0" encoding="utf-8"?>
+<p:sld xmlns:a="http://schemas.openxmlformats.org/drawingml/2006/main" xmlns:r="http://schemas.openxmlformats.org/officeDocument/2006/relationships" xmlns:p="http://schemas.openxmlformats.org/presentationml/2006/main">
+  <p:cSld>
+    <p:spTree>
+      <p:nvGrpSpPr>
+        <p:cNvPr id="1" name=""/>
+        <p:cNvGrpSpPr/>
+        <p:nvPr/>
+      </p:nvGrpSpPr>
+      <p:grpSpPr>
+        <a:xfrm>
+          <a:off x="0" y="0"/>
+          <a:ext cx="0" cy="0"/>
+          <a:chOff x="0" y="0"/>
+          <a:chExt cx="0" cy="0"/>
+        </a:xfrm>
+      </p:grpSpPr>
+      <p:sp>
+        <p:nvSpPr>
+          <p:cNvPr id="2" name="Title 1">
+            <a:extLst>
+              <a:ext uri="{FF2B5EF4-FFF2-40B4-BE49-F238E27FC236}">
+                <a16:creationId xmlns:a16="http://schemas.microsoft.com/office/drawing/2014/main" id="{504FFBF0-EA6C-F241-ACD6-79A062F8D24C}"/>
+              </a:ext>
+            </a:extLst>
+          </p:cNvPr>
+          <p:cNvSpPr>
+            <a:spLocks noGrp="1"/>
+          </p:cNvSpPr>
+          <p:nvPr>
+            <p:ph type="title"/>
+          </p:nvPr>
+        </p:nvSpPr>
+        <p:spPr>
+          <a:xfrm>
+            <a:off x="890016" y="609601"/>
+            <a:ext cx="10131425" cy="457199"/>
+          </a:xfrm>
+        </p:spPr>
+        <p:txBody>
+          <a:bodyPr>
+            <a:normAutofit fontScale="90000"/>
+          </a:bodyPr>
+          <a:lstStyle/>
+          <a:p>
+            <a:pPr algn="ctr"/>
+            <a:r>
+              <a:rPr lang="en-US" dirty="0"/>
+              <a:t>San Francisco Boxplot</a:t>
+            </a:r>
+          </a:p>
+        </p:txBody>
+      </p:sp>
+      <p:pic>
+        <p:nvPicPr>
+          <p:cNvPr id="5" name="Content Placeholder 4">
+            <a:extLst>
+              <a:ext uri="{FF2B5EF4-FFF2-40B4-BE49-F238E27FC236}">
+                <a16:creationId xmlns:a16="http://schemas.microsoft.com/office/drawing/2014/main" id="{F16D8F65-9A3B-194C-8953-31AE0FB118A4}"/>
+              </a:ext>
+            </a:extLst>
+          </p:cNvPr>
+          <p:cNvPicPr>
+            <a:picLocks noGrp="1" noChangeAspect="1"/>
+          </p:cNvPicPr>
+          <p:nvPr>
+            <p:ph idx="1"/>
+          </p:nvPr>
+        </p:nvPicPr>
+        <p:blipFill>
+          <a:blip r:embed="rId2"/>
+          <a:stretch>
+            <a:fillRect/>
+          </a:stretch>
+        </p:blipFill>
+        <p:spPr>
+          <a:xfrm>
+            <a:off x="1096645" y="1389316"/>
+            <a:ext cx="9718166" cy="4859083"/>
+          </a:xfrm>
+        </p:spPr>
+      </p:pic>
+    </p:spTree>
+    <p:extLst>
+      <p:ext uri="{BB962C8B-B14F-4D97-AF65-F5344CB8AC3E}">
+        <p14:creationId xmlns:p14="http://schemas.microsoft.com/office/powerpoint/2010/main" val="4273792831"/>
       </p:ext>
     </p:extLst>
   </p:cSld>
@@ -6466,56 +7758,56 @@
           <a:lstStyle/>
           <a:p>
             <a:r>
-              <a:rPr lang="en-US" dirty="0"/>
+              <a:rPr lang="en-US" sz="2800" dirty="0"/>
               <a:t>Each city’s data provided unique challenges, but all the data originated from comma-separated values (csv) files.</a:t>
             </a:r>
           </a:p>
           <a:p>
             <a:r>
-              <a:rPr lang="en-US" dirty="0"/>
+              <a:rPr lang="en-US" sz="2800" dirty="0"/>
               <a:t>Data munging was performed in </a:t>
             </a:r>
             <a:r>
-              <a:rPr lang="en-US" dirty="0" err="1"/>
+              <a:rPr lang="en-US" sz="2800" dirty="0" err="1"/>
               <a:t>Jupyter</a:t>
             </a:r>
             <a:r>
-              <a:rPr lang="en-US" dirty="0"/>
+              <a:rPr lang="en-US" sz="2800" dirty="0"/>
               <a:t> Notebooks. </a:t>
             </a:r>
           </a:p>
           <a:p>
             <a:pPr lvl="1"/>
             <a:r>
-              <a:rPr lang="en-US" dirty="0"/>
+              <a:rPr lang="en-US" sz="2400" dirty="0"/>
               <a:t>The munging process included: </a:t>
             </a:r>
           </a:p>
           <a:p>
             <a:pPr lvl="2"/>
             <a:r>
-              <a:rPr lang="en-US" dirty="0"/>
+              <a:rPr lang="en-US" sz="2000" dirty="0"/>
               <a:t>Removing unnecessary columns</a:t>
             </a:r>
           </a:p>
           <a:p>
             <a:pPr lvl="2"/>
             <a:r>
-              <a:rPr lang="en-US" dirty="0"/>
+              <a:rPr lang="en-US" sz="2000" dirty="0"/>
               <a:t>Changing date formats</a:t>
             </a:r>
           </a:p>
           <a:p>
             <a:pPr lvl="2"/>
             <a:r>
-              <a:rPr lang="en-US" dirty="0"/>
+              <a:rPr lang="en-US" sz="2000" dirty="0"/>
               <a:t>Removing cells with blank data</a:t>
             </a:r>
           </a:p>
           <a:p>
             <a:pPr lvl="2"/>
             <a:r>
-              <a:rPr lang="en-US" dirty="0"/>
+              <a:rPr lang="en-US" sz="2000" dirty="0"/>
               <a:t>Calculating total daily crime and average daily crime </a:t>
             </a:r>
           </a:p>
@@ -6595,77 +7887,82 @@
             <p:ph idx="1"/>
           </p:nvPr>
         </p:nvSpPr>
-        <p:spPr/>
+        <p:spPr>
+          <a:xfrm>
+            <a:off x="685801" y="1767841"/>
+            <a:ext cx="10131425" cy="4620768"/>
+          </a:xfrm>
+        </p:spPr>
         <p:txBody>
           <a:bodyPr>
-            <a:normAutofit fontScale="92500" lnSpcReduction="20000"/>
+            <a:normAutofit fontScale="92500" lnSpcReduction="10000"/>
           </a:bodyPr>
           <a:lstStyle/>
           <a:p>
             <a:r>
-              <a:rPr lang="en-US" dirty="0"/>
+              <a:rPr lang="en-US" sz="2000" dirty="0"/>
               <a:t>Exploration Pros:</a:t>
             </a:r>
           </a:p>
           <a:p>
             <a:pPr lvl="1"/>
             <a:r>
-              <a:rPr lang="en-US" dirty="0"/>
+              <a:rPr lang="en-US" sz="1800" dirty="0"/>
               <a:t>Crime databases were user friendly</a:t>
             </a:r>
           </a:p>
           <a:p>
             <a:pPr lvl="1"/>
             <a:r>
-              <a:rPr lang="en-US" dirty="0"/>
+              <a:rPr lang="en-US" sz="1800" dirty="0"/>
               <a:t>Csv files were readily available to download </a:t>
             </a:r>
           </a:p>
           <a:p>
             <a:pPr lvl="1"/>
             <a:r>
-              <a:rPr lang="en-US" dirty="0"/>
+              <a:rPr lang="en-US" sz="1800" dirty="0"/>
               <a:t>Csv files were complete, well organized and had a generally consistency in formatting across cities</a:t>
             </a:r>
           </a:p>
           <a:p>
             <a:pPr lvl="1"/>
             <a:r>
-              <a:rPr lang="en-US" dirty="0"/>
+              <a:rPr lang="en-US" sz="1800" dirty="0"/>
               <a:t>That said, the data wasn’t perfect, and we had to abandon a city early on because it was missing a significant amount of dates. In addition, some of the data was in multiple csv’s and we had to append the data.</a:t>
             </a:r>
           </a:p>
           <a:p>
             <a:r>
-              <a:rPr lang="en-US" dirty="0"/>
+              <a:rPr lang="en-US" sz="2000" dirty="0"/>
               <a:t>Exploration Challenges:</a:t>
             </a:r>
           </a:p>
           <a:p>
             <a:pPr lvl="1"/>
             <a:r>
-              <a:rPr lang="en-US" dirty="0"/>
+              <a:rPr lang="en-US" sz="1800" dirty="0"/>
               <a:t>Determining how to categorize the data. </a:t>
             </a:r>
           </a:p>
           <a:p>
             <a:pPr lvl="1"/>
             <a:r>
-              <a:rPr lang="en-US" dirty="0"/>
+              <a:rPr lang="en-US" sz="1800" dirty="0"/>
               <a:t>The Moon’s illumination cycle is not linear requiring us to divided the frequency of illumination percentages into 10 groups (deciles) to determine the bins to use.</a:t>
             </a:r>
           </a:p>
           <a:p>
             <a:pPr lvl="1"/>
             <a:r>
-              <a:rPr lang="en-US" dirty="0"/>
+              <a:rPr lang="en-US" sz="1800" dirty="0"/>
               <a:t>Determining the best way to visualize the data.</a:t>
             </a:r>
           </a:p>
           <a:p>
             <a:pPr lvl="1"/>
             <a:r>
-              <a:rPr lang="en-US" dirty="0"/>
+              <a:rPr lang="en-US" sz="1800" dirty="0"/>
               <a:t>Performing statistical testing on the data and interpreting the result.</a:t>
             </a:r>
           </a:p>
@@ -6862,8 +8159,8 @@
         </p:blipFill>
         <p:spPr>
           <a:xfrm>
-            <a:off x="3014266" y="2141538"/>
-            <a:ext cx="5474493" cy="3649662"/>
+            <a:off x="2707831" y="1730842"/>
+            <a:ext cx="6776337" cy="4517558"/>
           </a:xfrm>
         </p:spPr>
       </p:pic>

--- a/Presentation.pptx
+++ b/Presentation.pptx
@@ -5914,6 +5914,135 @@
           <a:chExt cx="0" cy="0"/>
         </a:xfrm>
       </p:grpSpPr>
+      <p:sp>
+        <p:nvSpPr>
+          <p:cNvPr id="2" name="Title 1">
+            <a:extLst>
+              <a:ext uri="{FF2B5EF4-FFF2-40B4-BE49-F238E27FC236}">
+                <a16:creationId xmlns:a16="http://schemas.microsoft.com/office/drawing/2014/main" id="{AD2DF429-AC80-B745-9C38-8D038E1558F1}"/>
+              </a:ext>
+            </a:extLst>
+          </p:cNvPr>
+          <p:cNvSpPr>
+            <a:spLocks noGrp="1"/>
+          </p:cNvSpPr>
+          <p:nvPr>
+            <p:ph type="title"/>
+          </p:nvPr>
+        </p:nvSpPr>
+        <p:spPr>
+          <a:xfrm>
+            <a:off x="685800" y="509929"/>
+            <a:ext cx="3680885" cy="1371600"/>
+          </a:xfrm>
+        </p:spPr>
+        <p:txBody>
+          <a:bodyPr/>
+          <a:lstStyle/>
+          <a:p>
+            <a:r>
+              <a:rPr lang="en-US" dirty="0"/>
+              <a:t>Statistical Analysis</a:t>
+            </a:r>
+          </a:p>
+        </p:txBody>
+      </p:sp>
+      <p:pic>
+        <p:nvPicPr>
+          <p:cNvPr id="5" name="Content Placeholder 4">
+            <a:extLst>
+              <a:ext uri="{FF2B5EF4-FFF2-40B4-BE49-F238E27FC236}">
+                <a16:creationId xmlns:a16="http://schemas.microsoft.com/office/drawing/2014/main" id="{DF60E36B-EF03-D045-99C9-92D803AD0DAA}"/>
+              </a:ext>
+            </a:extLst>
+          </p:cNvPr>
+          <p:cNvPicPr>
+            <a:picLocks noGrp="1" noChangeAspect="1"/>
+          </p:cNvPicPr>
+          <p:nvPr>
+            <p:ph idx="1"/>
+          </p:nvPr>
+        </p:nvPicPr>
+        <p:blipFill>
+          <a:blip r:embed="rId2"/>
+          <a:stretch>
+            <a:fillRect/>
+          </a:stretch>
+        </p:blipFill>
+        <p:spPr>
+          <a:xfrm>
+            <a:off x="6096000" y="509929"/>
+            <a:ext cx="4519053" cy="5872008"/>
+          </a:xfrm>
+        </p:spPr>
+      </p:pic>
+      <p:sp>
+        <p:nvSpPr>
+          <p:cNvPr id="6" name="Text Placeholder 5">
+            <a:extLst>
+              <a:ext uri="{FF2B5EF4-FFF2-40B4-BE49-F238E27FC236}">
+                <a16:creationId xmlns:a16="http://schemas.microsoft.com/office/drawing/2014/main" id="{DAD5E3EA-6BC9-D24A-877C-3DD9E99EAAD0}"/>
+              </a:ext>
+            </a:extLst>
+          </p:cNvPr>
+          <p:cNvSpPr>
+            <a:spLocks noGrp="1"/>
+          </p:cNvSpPr>
+          <p:nvPr>
+            <p:ph type="body" sz="half" idx="2"/>
+          </p:nvPr>
+        </p:nvSpPr>
+        <p:spPr>
+          <a:xfrm>
+            <a:off x="685800" y="2166770"/>
+            <a:ext cx="4519053" cy="2797540"/>
+          </a:xfrm>
+        </p:spPr>
+        <p:txBody>
+          <a:bodyPr/>
+          <a:lstStyle/>
+          <a:p>
+            <a:pPr marL="285750" indent="-285750">
+              <a:buFont typeface="Arial" panose="020B0604020202020204" pitchFamily="34" charset="0"/>
+              <a:buChar char="•"/>
+            </a:pPr>
+            <a:r>
+              <a:rPr lang="en-US" dirty="0"/>
+              <a:t>p-values are all &gt;0.05, indicating acceptance of the null hypothesis (</a:t>
+            </a:r>
+            <a:r>
+              <a:rPr lang="en-US"/>
+              <a:t>H</a:t>
+            </a:r>
+            <a:r>
+              <a:rPr lang="en-US" baseline="-25000"/>
+              <a:t>o</a:t>
+            </a:r>
+            <a:r>
+              <a:rPr lang="en-US" baseline="30000"/>
+              <a:t> </a:t>
+            </a:r>
+            <a:r>
+              <a:rPr lang="en-US"/>
+              <a:t>).</a:t>
+            </a:r>
+          </a:p>
+          <a:p>
+            <a:pPr marL="285750" indent="-285750">
+              <a:buFont typeface="Arial" panose="020B0604020202020204" pitchFamily="34" charset="0"/>
+              <a:buChar char="•"/>
+            </a:pPr>
+            <a:endParaRPr lang="en-US" dirty="0"/>
+          </a:p>
+          <a:p>
+            <a:pPr marL="285750" indent="-285750">
+              <a:buFont typeface="Arial" panose="020B0604020202020204" pitchFamily="34" charset="0"/>
+              <a:buChar char="•"/>
+            </a:pPr>
+            <a:endParaRPr lang="en-US" baseline="-25000" dirty="0"/>
+          </a:p>
+        </p:txBody>
+      </p:sp>
     </p:spTree>
     <p:extLst>
       <p:ext uri="{BB962C8B-B14F-4D97-AF65-F5344CB8AC3E}">
@@ -6124,10 +6253,10 @@
       </p:grpSpPr>
       <p:sp>
         <p:nvSpPr>
-          <p:cNvPr id="2" name="Title 1">
+          <p:cNvPr id="4" name="Title 3">
             <a:extLst>
               <a:ext uri="{FF2B5EF4-FFF2-40B4-BE49-F238E27FC236}">
-                <a16:creationId xmlns:a16="http://schemas.microsoft.com/office/drawing/2014/main" id="{A6B452EC-5428-41E4-B7CE-370AFED6A506}"/>
+                <a16:creationId xmlns:a16="http://schemas.microsoft.com/office/drawing/2014/main" id="{02FE5199-3F1B-204A-AEA9-FA48F4FA01CF}"/>
               </a:ext>
             </a:extLst>
           </p:cNvPr>
@@ -6138,11 +6267,17 @@
             <p:ph type="title"/>
           </p:nvPr>
         </p:nvSpPr>
-        <p:spPr/>
+        <p:spPr>
+          <a:xfrm>
+            <a:off x="1030287" y="5431590"/>
+            <a:ext cx="10131425" cy="1053446"/>
+          </a:xfrm>
+        </p:spPr>
         <p:txBody>
           <a:bodyPr/>
           <a:lstStyle/>
           <a:p>
+            <a:pPr algn="ctr"/>
             <a:r>
               <a:rPr lang="en-US" dirty="0"/>
               <a:t>Questions?</a:t>
@@ -6150,6 +6285,36 @@
           </a:p>
         </p:txBody>
       </p:sp>
+      <p:pic>
+        <p:nvPicPr>
+          <p:cNvPr id="5" name="Picture 4">
+            <a:extLst>
+              <a:ext uri="{FF2B5EF4-FFF2-40B4-BE49-F238E27FC236}">
+                <a16:creationId xmlns:a16="http://schemas.microsoft.com/office/drawing/2014/main" id="{C9703AB4-2C6D-1C46-8771-75FDFB844C65}"/>
+              </a:ext>
+            </a:extLst>
+          </p:cNvPr>
+          <p:cNvPicPr>
+            <a:picLocks noChangeAspect="1"/>
+          </p:cNvPicPr>
+          <p:nvPr/>
+        </p:nvPicPr>
+        <p:blipFill>
+          <a:blip r:embed="rId2"/>
+          <a:stretch>
+            <a:fillRect/>
+          </a:stretch>
+        </p:blipFill>
+        <p:spPr>
+          <a:xfrm>
+            <a:off x="3796665" y="470805"/>
+            <a:ext cx="4598670" cy="4598670"/>
+          </a:xfrm>
+          <a:prstGeom prst="rect">
+            <a:avLst/>
+          </a:prstGeom>
+        </p:spPr>
+      </p:pic>
     </p:spTree>
     <p:extLst>
       <p:ext uri="{BB962C8B-B14F-4D97-AF65-F5344CB8AC3E}">
@@ -8123,14 +8288,19 @@
             <p:ph type="title"/>
           </p:nvPr>
         </p:nvSpPr>
-        <p:spPr/>
+        <p:spPr>
+          <a:xfrm>
+            <a:off x="649225" y="274575"/>
+            <a:ext cx="10131425" cy="1456267"/>
+          </a:xfrm>
+        </p:spPr>
         <p:txBody>
           <a:bodyPr/>
           <a:lstStyle/>
           <a:p>
             <a:r>
               <a:rPr lang="en-US" dirty="0"/>
-              <a:t>Visualizations</a:t>
+              <a:t>Visualizations &amp; Discussion</a:t>
             </a:r>
           </a:p>
         </p:txBody>

--- a/Presentation.pptx
+++ b/Presentation.pptx
@@ -4,10 +4,13 @@
   <p:sldMasterIdLst>
     <p:sldMasterId id="2147483648" r:id="rId1"/>
   </p:sldMasterIdLst>
+  <p:notesMasterIdLst>
+    <p:notesMasterId r:id="rId29"/>
+  </p:notesMasterIdLst>
   <p:sldIdLst>
-    <p:sldId id="256" r:id="rId2"/>
-    <p:sldId id="257" r:id="rId3"/>
-    <p:sldId id="258" r:id="rId4"/>
+    <p:sldId id="287" r:id="rId2"/>
+    <p:sldId id="288" r:id="rId3"/>
+    <p:sldId id="289" r:id="rId4"/>
     <p:sldId id="259" r:id="rId5"/>
     <p:sldId id="266" r:id="rId6"/>
     <p:sldId id="260" r:id="rId7"/>
@@ -15,24 +18,23 @@
     <p:sldId id="267" r:id="rId9"/>
     <p:sldId id="268" r:id="rId10"/>
     <p:sldId id="271" r:id="rId11"/>
-    <p:sldId id="261" r:id="rId12"/>
-    <p:sldId id="262" r:id="rId13"/>
-    <p:sldId id="263" r:id="rId14"/>
-    <p:sldId id="269" r:id="rId15"/>
-    <p:sldId id="270" r:id="rId16"/>
-    <p:sldId id="272" r:id="rId17"/>
-    <p:sldId id="273" r:id="rId18"/>
-    <p:sldId id="274" r:id="rId19"/>
-    <p:sldId id="275" r:id="rId20"/>
-    <p:sldId id="276" r:id="rId21"/>
-    <p:sldId id="277" r:id="rId22"/>
-    <p:sldId id="278" r:id="rId23"/>
-    <p:sldId id="279" r:id="rId24"/>
-    <p:sldId id="280" r:id="rId25"/>
-    <p:sldId id="281" r:id="rId26"/>
-    <p:sldId id="282" r:id="rId27"/>
-    <p:sldId id="284" r:id="rId28"/>
-    <p:sldId id="285" r:id="rId29"/>
+    <p:sldId id="262" r:id="rId12"/>
+    <p:sldId id="263" r:id="rId13"/>
+    <p:sldId id="269" r:id="rId14"/>
+    <p:sldId id="270" r:id="rId15"/>
+    <p:sldId id="272" r:id="rId16"/>
+    <p:sldId id="273" r:id="rId17"/>
+    <p:sldId id="274" r:id="rId18"/>
+    <p:sldId id="275" r:id="rId19"/>
+    <p:sldId id="276" r:id="rId20"/>
+    <p:sldId id="277" r:id="rId21"/>
+    <p:sldId id="278" r:id="rId22"/>
+    <p:sldId id="279" r:id="rId23"/>
+    <p:sldId id="280" r:id="rId24"/>
+    <p:sldId id="281" r:id="rId25"/>
+    <p:sldId id="282" r:id="rId26"/>
+    <p:sldId id="284" r:id="rId27"/>
+    <p:sldId id="285" r:id="rId28"/>
   </p:sldIdLst>
   <p:sldSz cx="12192000" cy="6858000"/>
   <p:notesSz cx="6858000" cy="9144000"/>
@@ -137,6 +139,853 @@
     </p:ext>
   </p:extLst>
 </p:presentation>
+</file>
+
+<file path=ppt/notesMasters/notesMaster1.xml><?xml version="1.0" encoding="utf-8"?>
+<p:notesMaster xmlns:a="http://schemas.openxmlformats.org/drawingml/2006/main" xmlns:r="http://schemas.openxmlformats.org/officeDocument/2006/relationships" xmlns:p="http://schemas.openxmlformats.org/presentationml/2006/main">
+  <p:cSld>
+    <p:bg>
+      <p:bgRef idx="1001">
+        <a:schemeClr val="bg1"/>
+      </p:bgRef>
+    </p:bg>
+    <p:spTree>
+      <p:nvGrpSpPr>
+        <p:cNvPr id="1" name=""/>
+        <p:cNvGrpSpPr/>
+        <p:nvPr/>
+      </p:nvGrpSpPr>
+      <p:grpSpPr>
+        <a:xfrm>
+          <a:off x="0" y="0"/>
+          <a:ext cx="0" cy="0"/>
+          <a:chOff x="0" y="0"/>
+          <a:chExt cx="0" cy="0"/>
+        </a:xfrm>
+      </p:grpSpPr>
+      <p:sp>
+        <p:nvSpPr>
+          <p:cNvPr id="2" name="Header Placeholder 1"/>
+          <p:cNvSpPr>
+            <a:spLocks noGrp="1"/>
+          </p:cNvSpPr>
+          <p:nvPr>
+            <p:ph type="hdr" sz="quarter"/>
+          </p:nvPr>
+        </p:nvSpPr>
+        <p:spPr>
+          <a:xfrm>
+            <a:off x="0" y="0"/>
+            <a:ext cx="2971800" cy="458788"/>
+          </a:xfrm>
+          <a:prstGeom prst="rect">
+            <a:avLst/>
+          </a:prstGeom>
+        </p:spPr>
+        <p:txBody>
+          <a:bodyPr vert="horz" lIns="91440" tIns="45720" rIns="91440" bIns="45720" rtlCol="0"/>
+          <a:lstStyle>
+            <a:lvl1pPr algn="l">
+              <a:defRPr sz="1200"/>
+            </a:lvl1pPr>
+          </a:lstStyle>
+          <a:p>
+            <a:endParaRPr lang="en-US"/>
+          </a:p>
+        </p:txBody>
+      </p:sp>
+      <p:sp>
+        <p:nvSpPr>
+          <p:cNvPr id="3" name="Date Placeholder 2"/>
+          <p:cNvSpPr>
+            <a:spLocks noGrp="1"/>
+          </p:cNvSpPr>
+          <p:nvPr>
+            <p:ph type="dt" idx="1"/>
+          </p:nvPr>
+        </p:nvSpPr>
+        <p:spPr>
+          <a:xfrm>
+            <a:off x="3884613" y="0"/>
+            <a:ext cx="2971800" cy="458788"/>
+          </a:xfrm>
+          <a:prstGeom prst="rect">
+            <a:avLst/>
+          </a:prstGeom>
+        </p:spPr>
+        <p:txBody>
+          <a:bodyPr vert="horz" lIns="91440" tIns="45720" rIns="91440" bIns="45720" rtlCol="0"/>
+          <a:lstStyle>
+            <a:lvl1pPr algn="r">
+              <a:defRPr sz="1200"/>
+            </a:lvl1pPr>
+          </a:lstStyle>
+          <a:p>
+            <a:fld id="{36C5293B-1931-B144-AEF3-C95541B714E7}" type="datetimeFigureOut">
+              <a:rPr lang="en-US" smtClean="0"/>
+              <a:t>1/17/19</a:t>
+            </a:fld>
+            <a:endParaRPr lang="en-US"/>
+          </a:p>
+        </p:txBody>
+      </p:sp>
+      <p:sp>
+        <p:nvSpPr>
+          <p:cNvPr id="4" name="Slide Image Placeholder 3"/>
+          <p:cNvSpPr>
+            <a:spLocks noGrp="1" noRot="1" noChangeAspect="1"/>
+          </p:cNvSpPr>
+          <p:nvPr>
+            <p:ph type="sldImg" idx="2"/>
+          </p:nvPr>
+        </p:nvSpPr>
+        <p:spPr>
+          <a:xfrm>
+            <a:off x="685800" y="1143000"/>
+            <a:ext cx="5486400" cy="3086100"/>
+          </a:xfrm>
+          <a:prstGeom prst="rect">
+            <a:avLst/>
+          </a:prstGeom>
+          <a:noFill/>
+          <a:ln w="12700">
+            <a:solidFill>
+              <a:prstClr val="black"/>
+            </a:solidFill>
+          </a:ln>
+        </p:spPr>
+        <p:txBody>
+          <a:bodyPr vert="horz" lIns="91440" tIns="45720" rIns="91440" bIns="45720" rtlCol="0" anchor="ctr"/>
+          <a:lstStyle/>
+          <a:p>
+            <a:endParaRPr lang="en-US"/>
+          </a:p>
+        </p:txBody>
+      </p:sp>
+      <p:sp>
+        <p:nvSpPr>
+          <p:cNvPr id="5" name="Notes Placeholder 4"/>
+          <p:cNvSpPr>
+            <a:spLocks noGrp="1"/>
+          </p:cNvSpPr>
+          <p:nvPr>
+            <p:ph type="body" sz="quarter" idx="3"/>
+          </p:nvPr>
+        </p:nvSpPr>
+        <p:spPr>
+          <a:xfrm>
+            <a:off x="685800" y="4400550"/>
+            <a:ext cx="5486400" cy="3600450"/>
+          </a:xfrm>
+          <a:prstGeom prst="rect">
+            <a:avLst/>
+          </a:prstGeom>
+        </p:spPr>
+        <p:txBody>
+          <a:bodyPr vert="horz" lIns="91440" tIns="45720" rIns="91440" bIns="45720" rtlCol="0"/>
+          <a:lstStyle/>
+          <a:p>
+            <a:pPr lvl="0"/>
+            <a:r>
+              <a:rPr lang="en-US"/>
+              <a:t>Edit Master text styles</a:t>
+            </a:r>
+          </a:p>
+          <a:p>
+            <a:pPr lvl="1"/>
+            <a:r>
+              <a:rPr lang="en-US"/>
+              <a:t>Second level</a:t>
+            </a:r>
+          </a:p>
+          <a:p>
+            <a:pPr lvl="2"/>
+            <a:r>
+              <a:rPr lang="en-US"/>
+              <a:t>Third level</a:t>
+            </a:r>
+          </a:p>
+          <a:p>
+            <a:pPr lvl="3"/>
+            <a:r>
+              <a:rPr lang="en-US"/>
+              <a:t>Fourth level</a:t>
+            </a:r>
+          </a:p>
+          <a:p>
+            <a:pPr lvl="4"/>
+            <a:r>
+              <a:rPr lang="en-US"/>
+              <a:t>Fifth level</a:t>
+            </a:r>
+          </a:p>
+        </p:txBody>
+      </p:sp>
+      <p:sp>
+        <p:nvSpPr>
+          <p:cNvPr id="6" name="Footer Placeholder 5"/>
+          <p:cNvSpPr>
+            <a:spLocks noGrp="1"/>
+          </p:cNvSpPr>
+          <p:nvPr>
+            <p:ph type="ftr" sz="quarter" idx="4"/>
+          </p:nvPr>
+        </p:nvSpPr>
+        <p:spPr>
+          <a:xfrm>
+            <a:off x="0" y="8685213"/>
+            <a:ext cx="2971800" cy="458787"/>
+          </a:xfrm>
+          <a:prstGeom prst="rect">
+            <a:avLst/>
+          </a:prstGeom>
+        </p:spPr>
+        <p:txBody>
+          <a:bodyPr vert="horz" lIns="91440" tIns="45720" rIns="91440" bIns="45720" rtlCol="0" anchor="b"/>
+          <a:lstStyle>
+            <a:lvl1pPr algn="l">
+              <a:defRPr sz="1200"/>
+            </a:lvl1pPr>
+          </a:lstStyle>
+          <a:p>
+            <a:endParaRPr lang="en-US"/>
+          </a:p>
+        </p:txBody>
+      </p:sp>
+      <p:sp>
+        <p:nvSpPr>
+          <p:cNvPr id="7" name="Slide Number Placeholder 6"/>
+          <p:cNvSpPr>
+            <a:spLocks noGrp="1"/>
+          </p:cNvSpPr>
+          <p:nvPr>
+            <p:ph type="sldNum" sz="quarter" idx="5"/>
+          </p:nvPr>
+        </p:nvSpPr>
+        <p:spPr>
+          <a:xfrm>
+            <a:off x="3884613" y="8685213"/>
+            <a:ext cx="2971800" cy="458787"/>
+          </a:xfrm>
+          <a:prstGeom prst="rect">
+            <a:avLst/>
+          </a:prstGeom>
+        </p:spPr>
+        <p:txBody>
+          <a:bodyPr vert="horz" lIns="91440" tIns="45720" rIns="91440" bIns="45720" rtlCol="0" anchor="b"/>
+          <a:lstStyle>
+            <a:lvl1pPr algn="r">
+              <a:defRPr sz="1200"/>
+            </a:lvl1pPr>
+          </a:lstStyle>
+          <a:p>
+            <a:fld id="{058715C1-609E-AF4C-AC24-A04C6066E3F7}" type="slidenum">
+              <a:rPr lang="en-US" smtClean="0"/>
+              <a:t>‹#›</a:t>
+            </a:fld>
+            <a:endParaRPr lang="en-US"/>
+          </a:p>
+        </p:txBody>
+      </p:sp>
+    </p:spTree>
+    <p:extLst>
+      <p:ext uri="{BB962C8B-B14F-4D97-AF65-F5344CB8AC3E}">
+        <p14:creationId xmlns:p14="http://schemas.microsoft.com/office/powerpoint/2010/main" val="2063300452"/>
+      </p:ext>
+    </p:extLst>
+  </p:cSld>
+  <p:clrMap bg1="lt1" tx1="dk1" bg2="lt2" tx2="dk2" accent1="accent1" accent2="accent2" accent3="accent3" accent4="accent4" accent5="accent5" accent6="accent6" hlink="hlink" folHlink="folHlink"/>
+  <p:notesStyle>
+    <a:lvl1pPr marL="0" algn="l" defTabSz="914400" rtl="0" eaLnBrk="1" latinLnBrk="0" hangingPunct="1">
+      <a:defRPr sz="1200" kern="1200">
+        <a:solidFill>
+          <a:schemeClr val="tx1"/>
+        </a:solidFill>
+        <a:latin typeface="+mn-lt"/>
+        <a:ea typeface="+mn-ea"/>
+        <a:cs typeface="+mn-cs"/>
+      </a:defRPr>
+    </a:lvl1pPr>
+    <a:lvl2pPr marL="457200" algn="l" defTabSz="914400" rtl="0" eaLnBrk="1" latinLnBrk="0" hangingPunct="1">
+      <a:defRPr sz="1200" kern="1200">
+        <a:solidFill>
+          <a:schemeClr val="tx1"/>
+        </a:solidFill>
+        <a:latin typeface="+mn-lt"/>
+        <a:ea typeface="+mn-ea"/>
+        <a:cs typeface="+mn-cs"/>
+      </a:defRPr>
+    </a:lvl2pPr>
+    <a:lvl3pPr marL="914400" algn="l" defTabSz="914400" rtl="0" eaLnBrk="1" latinLnBrk="0" hangingPunct="1">
+      <a:defRPr sz="1200" kern="1200">
+        <a:solidFill>
+          <a:schemeClr val="tx1"/>
+        </a:solidFill>
+        <a:latin typeface="+mn-lt"/>
+        <a:ea typeface="+mn-ea"/>
+        <a:cs typeface="+mn-cs"/>
+      </a:defRPr>
+    </a:lvl3pPr>
+    <a:lvl4pPr marL="1371600" algn="l" defTabSz="914400" rtl="0" eaLnBrk="1" latinLnBrk="0" hangingPunct="1">
+      <a:defRPr sz="1200" kern="1200">
+        <a:solidFill>
+          <a:schemeClr val="tx1"/>
+        </a:solidFill>
+        <a:latin typeface="+mn-lt"/>
+        <a:ea typeface="+mn-ea"/>
+        <a:cs typeface="+mn-cs"/>
+      </a:defRPr>
+    </a:lvl4pPr>
+    <a:lvl5pPr marL="1828800" algn="l" defTabSz="914400" rtl="0" eaLnBrk="1" latinLnBrk="0" hangingPunct="1">
+      <a:defRPr sz="1200" kern="1200">
+        <a:solidFill>
+          <a:schemeClr val="tx1"/>
+        </a:solidFill>
+        <a:latin typeface="+mn-lt"/>
+        <a:ea typeface="+mn-ea"/>
+        <a:cs typeface="+mn-cs"/>
+      </a:defRPr>
+    </a:lvl5pPr>
+    <a:lvl6pPr marL="2286000" algn="l" defTabSz="914400" rtl="0" eaLnBrk="1" latinLnBrk="0" hangingPunct="1">
+      <a:defRPr sz="1200" kern="1200">
+        <a:solidFill>
+          <a:schemeClr val="tx1"/>
+        </a:solidFill>
+        <a:latin typeface="+mn-lt"/>
+        <a:ea typeface="+mn-ea"/>
+        <a:cs typeface="+mn-cs"/>
+      </a:defRPr>
+    </a:lvl6pPr>
+    <a:lvl7pPr marL="2743200" algn="l" defTabSz="914400" rtl="0" eaLnBrk="1" latinLnBrk="0" hangingPunct="1">
+      <a:defRPr sz="1200" kern="1200">
+        <a:solidFill>
+          <a:schemeClr val="tx1"/>
+        </a:solidFill>
+        <a:latin typeface="+mn-lt"/>
+        <a:ea typeface="+mn-ea"/>
+        <a:cs typeface="+mn-cs"/>
+      </a:defRPr>
+    </a:lvl7pPr>
+    <a:lvl8pPr marL="3200400" algn="l" defTabSz="914400" rtl="0" eaLnBrk="1" latinLnBrk="0" hangingPunct="1">
+      <a:defRPr sz="1200" kern="1200">
+        <a:solidFill>
+          <a:schemeClr val="tx1"/>
+        </a:solidFill>
+        <a:latin typeface="+mn-lt"/>
+        <a:ea typeface="+mn-ea"/>
+        <a:cs typeface="+mn-cs"/>
+      </a:defRPr>
+    </a:lvl8pPr>
+    <a:lvl9pPr marL="3657600" algn="l" defTabSz="914400" rtl="0" eaLnBrk="1" latinLnBrk="0" hangingPunct="1">
+      <a:defRPr sz="1200" kern="1200">
+        <a:solidFill>
+          <a:schemeClr val="tx1"/>
+        </a:solidFill>
+        <a:latin typeface="+mn-lt"/>
+        <a:ea typeface="+mn-ea"/>
+        <a:cs typeface="+mn-cs"/>
+      </a:defRPr>
+    </a:lvl9pPr>
+  </p:notesStyle>
+</p:notesMaster>
+</file>
+
+<file path=ppt/notesSlides/notesSlide1.xml><?xml version="1.0" encoding="utf-8"?>
+<p:notes xmlns:a="http://schemas.openxmlformats.org/drawingml/2006/main" xmlns:r="http://schemas.openxmlformats.org/officeDocument/2006/relationships" xmlns:p="http://schemas.openxmlformats.org/presentationml/2006/main">
+  <p:cSld>
+    <p:spTree>
+      <p:nvGrpSpPr>
+        <p:cNvPr id="1" name=""/>
+        <p:cNvGrpSpPr/>
+        <p:nvPr/>
+      </p:nvGrpSpPr>
+      <p:grpSpPr>
+        <a:xfrm>
+          <a:off x="0" y="0"/>
+          <a:ext cx="0" cy="0"/>
+          <a:chOff x="0" y="0"/>
+          <a:chExt cx="0" cy="0"/>
+        </a:xfrm>
+      </p:grpSpPr>
+      <p:sp>
+        <p:nvSpPr>
+          <p:cNvPr id="2" name="Slide Image Placeholder 1"/>
+          <p:cNvSpPr>
+            <a:spLocks noGrp="1" noRot="1" noChangeAspect="1"/>
+          </p:cNvSpPr>
+          <p:nvPr>
+            <p:ph type="sldImg"/>
+          </p:nvPr>
+        </p:nvSpPr>
+        <p:spPr/>
+      </p:sp>
+      <p:sp>
+        <p:nvSpPr>
+          <p:cNvPr id="3" name="Notes Placeholder 2"/>
+          <p:cNvSpPr>
+            <a:spLocks noGrp="1"/>
+          </p:cNvSpPr>
+          <p:nvPr>
+            <p:ph type="body" idx="1"/>
+          </p:nvPr>
+        </p:nvSpPr>
+        <p:spPr/>
+        <p:txBody>
+          <a:bodyPr/>
+          <a:lstStyle/>
+          <a:p>
+            <a:r>
+              <a:rPr lang="en-US" dirty="0"/>
+              <a:t>Take-aways here:</a:t>
+            </a:r>
+          </a:p>
+          <a:p>
+            <a:pPr marL="171450" indent="-171450">
+              <a:buFont typeface="Arial" panose="020B0604020202020204" pitchFamily="34" charset="0"/>
+              <a:buChar char="•"/>
+            </a:pPr>
+            <a:r>
+              <a:rPr lang="en-US" dirty="0"/>
+              <a:t>Average crime is relatively consistent throughout the moon cycle.</a:t>
+            </a:r>
+          </a:p>
+          <a:p>
+            <a:pPr marL="171450" indent="-171450">
+              <a:buFont typeface="Arial" panose="020B0604020202020204" pitchFamily="34" charset="0"/>
+              <a:buChar char="•"/>
+            </a:pPr>
+            <a:r>
+              <a:rPr lang="en-US" dirty="0"/>
+              <a:t>New York City has higher overall average crime than the other cities in this analysis.</a:t>
+            </a:r>
+          </a:p>
+          <a:p>
+            <a:pPr marL="171450" indent="-171450">
+              <a:buFont typeface="Arial" panose="020B0604020202020204" pitchFamily="34" charset="0"/>
+              <a:buChar char="•"/>
+            </a:pPr>
+            <a:r>
+              <a:rPr lang="en-US" dirty="0"/>
+              <a:t>Portland and Minneapolis have relatively equivalent average crime. </a:t>
+            </a:r>
+          </a:p>
+          <a:p>
+            <a:pPr marL="171450" indent="-171450">
+              <a:buFont typeface="Arial" panose="020B0604020202020204" pitchFamily="34" charset="0"/>
+              <a:buChar char="•"/>
+            </a:pPr>
+            <a:r>
+              <a:rPr lang="en-US" dirty="0"/>
+              <a:t>These differences in average crime are related to population size.</a:t>
+            </a:r>
+          </a:p>
+          <a:p>
+            <a:pPr marL="628650" lvl="1" indent="-171450">
+              <a:buFont typeface="Arial" panose="020B0604020202020204" pitchFamily="34" charset="0"/>
+              <a:buChar char="•"/>
+            </a:pPr>
+            <a:r>
+              <a:rPr lang="en-US" dirty="0"/>
+              <a:t>MSP = ~422K</a:t>
+            </a:r>
+          </a:p>
+          <a:p>
+            <a:pPr marL="628650" lvl="1" indent="-171450">
+              <a:buFont typeface="Arial" panose="020B0604020202020204" pitchFamily="34" charset="0"/>
+              <a:buChar char="•"/>
+            </a:pPr>
+            <a:r>
+              <a:rPr lang="en-US" dirty="0"/>
+              <a:t>PDX = ~648K</a:t>
+            </a:r>
+          </a:p>
+          <a:p>
+            <a:pPr marL="628650" lvl="1" indent="-171450">
+              <a:buFont typeface="Arial" panose="020B0604020202020204" pitchFamily="34" charset="0"/>
+              <a:buChar char="•"/>
+            </a:pPr>
+            <a:r>
+              <a:rPr lang="en-US" dirty="0"/>
+              <a:t>DEN = ~705K</a:t>
+            </a:r>
+          </a:p>
+          <a:p>
+            <a:pPr marL="628650" lvl="1" indent="-171450">
+              <a:buFont typeface="Arial" panose="020B0604020202020204" pitchFamily="34" charset="0"/>
+              <a:buChar char="•"/>
+            </a:pPr>
+            <a:r>
+              <a:rPr lang="en-US" dirty="0"/>
+              <a:t>SF = ~884K</a:t>
+            </a:r>
+          </a:p>
+          <a:p>
+            <a:pPr marL="628650" lvl="1" indent="-171450">
+              <a:buFont typeface="Arial" panose="020B0604020202020204" pitchFamily="34" charset="0"/>
+              <a:buChar char="•"/>
+            </a:pPr>
+            <a:r>
+              <a:rPr lang="en-US" dirty="0"/>
+              <a:t>NYC = ~8.62 million</a:t>
+            </a:r>
+          </a:p>
+        </p:txBody>
+      </p:sp>
+      <p:sp>
+        <p:nvSpPr>
+          <p:cNvPr id="4" name="Slide Number Placeholder 3"/>
+          <p:cNvSpPr>
+            <a:spLocks noGrp="1"/>
+          </p:cNvSpPr>
+          <p:nvPr>
+            <p:ph type="sldNum" sz="quarter" idx="5"/>
+          </p:nvPr>
+        </p:nvSpPr>
+        <p:spPr/>
+        <p:txBody>
+          <a:bodyPr/>
+          <a:lstStyle/>
+          <a:p>
+            <a:fld id="{058715C1-609E-AF4C-AC24-A04C6066E3F7}" type="slidenum">
+              <a:rPr lang="en-US" smtClean="0"/>
+              <a:t>7</a:t>
+            </a:fld>
+            <a:endParaRPr lang="en-US"/>
+          </a:p>
+        </p:txBody>
+      </p:sp>
+    </p:spTree>
+    <p:extLst>
+      <p:ext uri="{BB962C8B-B14F-4D97-AF65-F5344CB8AC3E}">
+        <p14:creationId xmlns:p14="http://schemas.microsoft.com/office/powerpoint/2010/main" val="4092762141"/>
+      </p:ext>
+    </p:extLst>
+  </p:cSld>
+  <p:clrMapOvr>
+    <a:masterClrMapping/>
+  </p:clrMapOvr>
+</p:notes>
+</file>
+
+<file path=ppt/notesSlides/notesSlide2.xml><?xml version="1.0" encoding="utf-8"?>
+<p:notes xmlns:a="http://schemas.openxmlformats.org/drawingml/2006/main" xmlns:r="http://schemas.openxmlformats.org/officeDocument/2006/relationships" xmlns:p="http://schemas.openxmlformats.org/presentationml/2006/main">
+  <p:cSld>
+    <p:spTree>
+      <p:nvGrpSpPr>
+        <p:cNvPr id="1" name=""/>
+        <p:cNvGrpSpPr/>
+        <p:nvPr/>
+      </p:nvGrpSpPr>
+      <p:grpSpPr>
+        <a:xfrm>
+          <a:off x="0" y="0"/>
+          <a:ext cx="0" cy="0"/>
+          <a:chOff x="0" y="0"/>
+          <a:chExt cx="0" cy="0"/>
+        </a:xfrm>
+      </p:grpSpPr>
+      <p:sp>
+        <p:nvSpPr>
+          <p:cNvPr id="2" name="Slide Image Placeholder 1"/>
+          <p:cNvSpPr>
+            <a:spLocks noGrp="1" noRot="1" noChangeAspect="1"/>
+          </p:cNvSpPr>
+          <p:nvPr>
+            <p:ph type="sldImg"/>
+          </p:nvPr>
+        </p:nvSpPr>
+        <p:spPr/>
+      </p:sp>
+      <p:sp>
+        <p:nvSpPr>
+          <p:cNvPr id="3" name="Notes Placeholder 2"/>
+          <p:cNvSpPr>
+            <a:spLocks noGrp="1"/>
+          </p:cNvSpPr>
+          <p:nvPr>
+            <p:ph type="body" idx="1"/>
+          </p:nvPr>
+        </p:nvSpPr>
+        <p:spPr/>
+        <p:txBody>
+          <a:bodyPr/>
+          <a:lstStyle/>
+          <a:p>
+            <a:r>
+              <a:rPr lang="en-US" dirty="0"/>
+              <a:t>Take-aways here:</a:t>
+            </a:r>
+          </a:p>
+          <a:p>
+            <a:pPr marL="171450" indent="-171450">
+              <a:buFont typeface="Arial" panose="020B0604020202020204" pitchFamily="34" charset="0"/>
+              <a:buChar char="•"/>
+            </a:pPr>
+            <a:r>
+              <a:rPr lang="en-US" dirty="0"/>
+              <a:t>Average crime is not higher during the full moon.</a:t>
+            </a:r>
+          </a:p>
+          <a:p>
+            <a:pPr marL="171450" indent="-171450">
+              <a:buFont typeface="Arial" panose="020B0604020202020204" pitchFamily="34" charset="0"/>
+              <a:buChar char="•"/>
+            </a:pPr>
+            <a:r>
+              <a:rPr lang="en-US" dirty="0"/>
+              <a:t>It was conjectured at the start of this project that the relationship between crime and full moon might be inversely proportional due to increased darkness during new moon phases, this appears to be true.</a:t>
+            </a:r>
+          </a:p>
+          <a:p>
+            <a:pPr marL="171450" indent="-171450">
+              <a:buFont typeface="Arial" panose="020B0604020202020204" pitchFamily="34" charset="0"/>
+              <a:buChar char="•"/>
+            </a:pPr>
+            <a:r>
+              <a:rPr lang="en-US" dirty="0"/>
+              <a:t>Overall there is not much change in average crime across a moon cycle.</a:t>
+            </a:r>
+          </a:p>
+        </p:txBody>
+      </p:sp>
+      <p:sp>
+        <p:nvSpPr>
+          <p:cNvPr id="4" name="Slide Number Placeholder 3"/>
+          <p:cNvSpPr>
+            <a:spLocks noGrp="1"/>
+          </p:cNvSpPr>
+          <p:nvPr>
+            <p:ph type="sldNum" sz="quarter" idx="5"/>
+          </p:nvPr>
+        </p:nvSpPr>
+        <p:spPr/>
+        <p:txBody>
+          <a:bodyPr/>
+          <a:lstStyle/>
+          <a:p>
+            <a:fld id="{058715C1-609E-AF4C-AC24-A04C6066E3F7}" type="slidenum">
+              <a:rPr lang="en-US" smtClean="0"/>
+              <a:t>8</a:t>
+            </a:fld>
+            <a:endParaRPr lang="en-US"/>
+          </a:p>
+        </p:txBody>
+      </p:sp>
+    </p:spTree>
+    <p:extLst>
+      <p:ext uri="{BB962C8B-B14F-4D97-AF65-F5344CB8AC3E}">
+        <p14:creationId xmlns:p14="http://schemas.microsoft.com/office/powerpoint/2010/main" val="1008594995"/>
+      </p:ext>
+    </p:extLst>
+  </p:cSld>
+  <p:clrMapOvr>
+    <a:masterClrMapping/>
+  </p:clrMapOvr>
+</p:notes>
+</file>
+
+<file path=ppt/notesSlides/notesSlide3.xml><?xml version="1.0" encoding="utf-8"?>
+<p:notes xmlns:a="http://schemas.openxmlformats.org/drawingml/2006/main" xmlns:r="http://schemas.openxmlformats.org/officeDocument/2006/relationships" xmlns:p="http://schemas.openxmlformats.org/presentationml/2006/main">
+  <p:cSld>
+    <p:spTree>
+      <p:nvGrpSpPr>
+        <p:cNvPr id="1" name=""/>
+        <p:cNvGrpSpPr/>
+        <p:nvPr/>
+      </p:nvGrpSpPr>
+      <p:grpSpPr>
+        <a:xfrm>
+          <a:off x="0" y="0"/>
+          <a:ext cx="0" cy="0"/>
+          <a:chOff x="0" y="0"/>
+          <a:chExt cx="0" cy="0"/>
+        </a:xfrm>
+      </p:grpSpPr>
+      <p:sp>
+        <p:nvSpPr>
+          <p:cNvPr id="2" name="Slide Image Placeholder 1"/>
+          <p:cNvSpPr>
+            <a:spLocks noGrp="1" noRot="1" noChangeAspect="1"/>
+          </p:cNvSpPr>
+          <p:nvPr>
+            <p:ph type="sldImg"/>
+          </p:nvPr>
+        </p:nvSpPr>
+        <p:spPr/>
+      </p:sp>
+      <p:sp>
+        <p:nvSpPr>
+          <p:cNvPr id="3" name="Notes Placeholder 2"/>
+          <p:cNvSpPr>
+            <a:spLocks noGrp="1"/>
+          </p:cNvSpPr>
+          <p:nvPr>
+            <p:ph type="body" idx="1"/>
+          </p:nvPr>
+        </p:nvSpPr>
+        <p:spPr/>
+        <p:txBody>
+          <a:bodyPr/>
+          <a:lstStyle/>
+          <a:p>
+            <a:r>
+              <a:rPr lang="en-US" dirty="0"/>
+              <a:t>Take-aways here:</a:t>
+            </a:r>
+          </a:p>
+          <a:p>
+            <a:pPr marL="228600" indent="-228600">
+              <a:buAutoNum type="arabicPeriod"/>
+            </a:pPr>
+            <a:r>
+              <a:rPr lang="en-US" dirty="0"/>
+              <a:t>The box plots are comparatively short suggesting that an overall agreement between percent illumination ranges.</a:t>
+            </a:r>
+          </a:p>
+          <a:p>
+            <a:pPr marL="228600" indent="-228600">
+              <a:buAutoNum type="arabicPeriod"/>
+            </a:pPr>
+            <a:r>
+              <a:rPr lang="en-US" dirty="0"/>
+              <a:t>The box plots are also all in line with one another, no one is higher than the rest indicating an overall consistency in total crime median across percent illumination ranges.</a:t>
+            </a:r>
+          </a:p>
+          <a:p>
+            <a:pPr marL="228600" indent="-228600">
+              <a:buAutoNum type="arabicPeriod"/>
+            </a:pPr>
+            <a:r>
+              <a:rPr lang="en-US" dirty="0"/>
+              <a:t>The sections of ~ half of the box plots are equal while the 5 at 11-21, 22-35, 36-50, 79-89, 90-96, 97-100 have long upper whiskers indicating that total crime is more varied during those percent illumination ranges.</a:t>
+            </a:r>
+          </a:p>
+          <a:p>
+            <a:pPr marL="228600" indent="-228600">
+              <a:buAutoNum type="arabicPeriod"/>
+            </a:pPr>
+            <a:endParaRPr lang="en-US" dirty="0"/>
+          </a:p>
+        </p:txBody>
+      </p:sp>
+      <p:sp>
+        <p:nvSpPr>
+          <p:cNvPr id="4" name="Slide Number Placeholder 3"/>
+          <p:cNvSpPr>
+            <a:spLocks noGrp="1"/>
+          </p:cNvSpPr>
+          <p:nvPr>
+            <p:ph type="sldNum" sz="quarter" idx="5"/>
+          </p:nvPr>
+        </p:nvSpPr>
+        <p:spPr/>
+        <p:txBody>
+          <a:bodyPr/>
+          <a:lstStyle/>
+          <a:p>
+            <a:fld id="{058715C1-609E-AF4C-AC24-A04C6066E3F7}" type="slidenum">
+              <a:rPr lang="en-US" smtClean="0"/>
+              <a:t>9</a:t>
+            </a:fld>
+            <a:endParaRPr lang="en-US"/>
+          </a:p>
+        </p:txBody>
+      </p:sp>
+    </p:spTree>
+    <p:extLst>
+      <p:ext uri="{BB962C8B-B14F-4D97-AF65-F5344CB8AC3E}">
+        <p14:creationId xmlns:p14="http://schemas.microsoft.com/office/powerpoint/2010/main" val="2570031168"/>
+      </p:ext>
+    </p:extLst>
+  </p:cSld>
+  <p:clrMapOvr>
+    <a:masterClrMapping/>
+  </p:clrMapOvr>
+</p:notes>
+</file>
+
+<file path=ppt/notesSlides/notesSlide4.xml><?xml version="1.0" encoding="utf-8"?>
+<p:notes xmlns:a="http://schemas.openxmlformats.org/drawingml/2006/main" xmlns:r="http://schemas.openxmlformats.org/officeDocument/2006/relationships" xmlns:p="http://schemas.openxmlformats.org/presentationml/2006/main">
+  <p:cSld>
+    <p:spTree>
+      <p:nvGrpSpPr>
+        <p:cNvPr id="1" name=""/>
+        <p:cNvGrpSpPr/>
+        <p:nvPr/>
+      </p:nvGrpSpPr>
+      <p:grpSpPr>
+        <a:xfrm>
+          <a:off x="0" y="0"/>
+          <a:ext cx="0" cy="0"/>
+          <a:chOff x="0" y="0"/>
+          <a:chExt cx="0" cy="0"/>
+        </a:xfrm>
+      </p:grpSpPr>
+      <p:sp>
+        <p:nvSpPr>
+          <p:cNvPr id="2" name="Slide Image Placeholder 1"/>
+          <p:cNvSpPr>
+            <a:spLocks noGrp="1" noRot="1" noChangeAspect="1"/>
+          </p:cNvSpPr>
+          <p:nvPr>
+            <p:ph type="sldImg"/>
+          </p:nvPr>
+        </p:nvSpPr>
+        <p:spPr/>
+      </p:sp>
+      <p:sp>
+        <p:nvSpPr>
+          <p:cNvPr id="3" name="Notes Placeholder 2"/>
+          <p:cNvSpPr>
+            <a:spLocks noGrp="1"/>
+          </p:cNvSpPr>
+          <p:nvPr>
+            <p:ph type="body" idx="1"/>
+          </p:nvPr>
+        </p:nvSpPr>
+        <p:spPr/>
+        <p:txBody>
+          <a:bodyPr/>
+          <a:lstStyle/>
+          <a:p>
+            <a:endParaRPr lang="en-US" dirty="0"/>
+          </a:p>
+        </p:txBody>
+      </p:sp>
+      <p:sp>
+        <p:nvSpPr>
+          <p:cNvPr id="4" name="Slide Number Placeholder 3"/>
+          <p:cNvSpPr>
+            <a:spLocks noGrp="1"/>
+          </p:cNvSpPr>
+          <p:nvPr>
+            <p:ph type="sldNum" sz="quarter" idx="5"/>
+          </p:nvPr>
+        </p:nvSpPr>
+        <p:spPr/>
+        <p:txBody>
+          <a:bodyPr/>
+          <a:lstStyle/>
+          <a:p>
+            <a:fld id="{058715C1-609E-AF4C-AC24-A04C6066E3F7}" type="slidenum">
+              <a:rPr lang="en-US" smtClean="0"/>
+              <a:t>11</a:t>
+            </a:fld>
+            <a:endParaRPr lang="en-US"/>
+          </a:p>
+        </p:txBody>
+      </p:sp>
+    </p:spTree>
+    <p:extLst>
+      <p:ext uri="{BB962C8B-B14F-4D97-AF65-F5344CB8AC3E}">
+        <p14:creationId xmlns:p14="http://schemas.microsoft.com/office/powerpoint/2010/main" val="2397763758"/>
+      </p:ext>
+    </p:extLst>
+  </p:cSld>
+  <p:clrMapOvr>
+    <a:masterClrMapping/>
+  </p:clrMapOvr>
+</p:notes>
 </file>
 
 <file path=ppt/slideLayouts/slideLayout1.xml><?xml version="1.0" encoding="utf-8"?>
@@ -5884,10 +6733,43 @@
           </a:p>
         </p:txBody>
       </p:sp>
+      <p:pic>
+        <p:nvPicPr>
+          <p:cNvPr id="7" name="Picture 6"/>
+          <p:cNvPicPr>
+            <a:picLocks noChangeAspect="1"/>
+          </p:cNvPicPr>
+          <p:nvPr/>
+        </p:nvPicPr>
+        <p:blipFill>
+          <a:blip r:embed="rId2">
+            <a:extLst>
+              <a:ext uri="{28A0092B-C50C-407E-A947-70E740481C1C}">
+                <a14:useLocalDpi xmlns:a14="http://schemas.microsoft.com/office/drawing/2010/main" val="0"/>
+              </a:ext>
+            </a:extLst>
+          </a:blip>
+          <a:stretch>
+            <a:fillRect/>
+          </a:stretch>
+        </p:blipFill>
+        <p:spPr>
+          <a:xfrm>
+            <a:off x="-101600" y="699022"/>
+            <a:ext cx="6163535" cy="3419952"/>
+          </a:xfrm>
+          <a:prstGeom prst="rect">
+            <a:avLst/>
+          </a:prstGeom>
+          <a:effectLst>
+            <a:softEdge rad="317500"/>
+          </a:effectLst>
+        </p:spPr>
+      </p:pic>
     </p:spTree>
     <p:extLst>
       <p:ext uri="{BB962C8B-B14F-4D97-AF65-F5344CB8AC3E}">
-        <p14:creationId xmlns:p14="http://schemas.microsoft.com/office/powerpoint/2010/main" val="2928656635"/>
+        <p14:creationId xmlns:p14="http://schemas.microsoft.com/office/powerpoint/2010/main" val="1566255823"/>
       </p:ext>
     </p:extLst>
   </p:cSld>
@@ -5932,16 +6814,18 @@
         </p:nvSpPr>
         <p:spPr>
           <a:xfrm>
-            <a:off x="685800" y="509929"/>
-            <a:ext cx="3680885" cy="1371600"/>
-          </a:xfrm>
-        </p:spPr>
-        <p:txBody>
-          <a:bodyPr/>
-          <a:lstStyle/>
-          <a:p>
-            <a:r>
-              <a:rPr lang="en-US" dirty="0"/>
+            <a:off x="685800" y="737616"/>
+            <a:ext cx="3680885" cy="637945"/>
+          </a:xfrm>
+        </p:spPr>
+        <p:txBody>
+          <a:bodyPr>
+            <a:normAutofit/>
+          </a:bodyPr>
+          <a:lstStyle/>
+          <a:p>
+            <a:r>
+              <a:rPr lang="en-US" sz="2800" b="1" dirty="0"/>
               <a:t>Statistical Analysis</a:t>
             </a:r>
           </a:p>
@@ -5994,12 +6878,14 @@
         </p:nvSpPr>
         <p:spPr>
           <a:xfrm>
-            <a:off x="685800" y="2166770"/>
-            <a:ext cx="4519053" cy="2797540"/>
-          </a:xfrm>
-        </p:spPr>
-        <p:txBody>
-          <a:bodyPr/>
+            <a:off x="685800" y="1548384"/>
+            <a:ext cx="4519053" cy="4572000"/>
+          </a:xfrm>
+        </p:spPr>
+        <p:txBody>
+          <a:bodyPr>
+            <a:normAutofit lnSpcReduction="10000"/>
+          </a:bodyPr>
           <a:lstStyle/>
           <a:p>
             <a:pPr marL="285750" indent="-285750">
@@ -6007,23 +6893,19 @@
               <a:buChar char="•"/>
             </a:pPr>
             <a:r>
-              <a:rPr lang="en-US" dirty="0"/>
-              <a:t>p-values are all &gt;0.05, indicating acceptance of the null hypothesis (</a:t>
-            </a:r>
-            <a:r>
-              <a:rPr lang="en-US"/>
-              <a:t>H</a:t>
-            </a:r>
-            <a:r>
-              <a:rPr lang="en-US" baseline="-25000"/>
+              <a:rPr lang="en-US" sz="2000" dirty="0"/>
+              <a:t>p-values are all &gt;0.05, indicating acceptance of the null hypothesis (H</a:t>
+            </a:r>
+            <a:r>
+              <a:rPr lang="en-US" sz="2000" baseline="-25000" dirty="0"/>
               <a:t>o</a:t>
             </a:r>
             <a:r>
-              <a:rPr lang="en-US" baseline="30000"/>
+              <a:rPr lang="en-US" sz="2000" baseline="30000" dirty="0"/>
               <a:t> </a:t>
             </a:r>
             <a:r>
-              <a:rPr lang="en-US"/>
+              <a:rPr lang="en-US" sz="2000" dirty="0"/>
               <a:t>).</a:t>
             </a:r>
           </a:p>
@@ -6032,14 +6914,63 @@
               <a:buFont typeface="Arial" panose="020B0604020202020204" pitchFamily="34" charset="0"/>
               <a:buChar char="•"/>
             </a:pPr>
-            <a:endParaRPr lang="en-US" dirty="0"/>
+            <a:r>
+              <a:rPr lang="en-US" sz="2000" dirty="0"/>
+              <a:t>t-statistics are all between -2 and 2, also  indicating that our H</a:t>
+            </a:r>
+            <a:r>
+              <a:rPr lang="en-US" sz="2000" baseline="-25000" dirty="0"/>
+              <a:t>o </a:t>
+            </a:r>
+            <a:r>
+              <a:rPr lang="en-US" sz="2000" dirty="0"/>
+              <a:t>is likely true. </a:t>
+            </a:r>
           </a:p>
           <a:p>
             <a:pPr marL="285750" indent="-285750">
               <a:buFont typeface="Arial" panose="020B0604020202020204" pitchFamily="34" charset="0"/>
               <a:buChar char="•"/>
             </a:pPr>
-            <a:endParaRPr lang="en-US" baseline="-25000" dirty="0"/>
+            <a:r>
+              <a:rPr lang="en-US" sz="2000" dirty="0"/>
+              <a:t>Relatively low F values indicate that for majority of the cities, total crime distribution is not far from the mean.</a:t>
+            </a:r>
+          </a:p>
+          <a:p>
+            <a:pPr marL="285750" indent="-285750">
+              <a:buFont typeface="Arial" panose="020B0604020202020204" pitchFamily="34" charset="0"/>
+              <a:buChar char="•"/>
+            </a:pPr>
+            <a:r>
+              <a:rPr lang="en-US" sz="2000" dirty="0"/>
+              <a:t>All results indicate that there is not much variance from the mean and the probability of observing significant variance from the mean is low.</a:t>
+            </a:r>
+          </a:p>
+          <a:p>
+            <a:pPr marL="285750" indent="-285750">
+              <a:buFont typeface="Arial" panose="020B0604020202020204" pitchFamily="34" charset="0"/>
+              <a:buChar char="•"/>
+            </a:pPr>
+            <a:r>
+              <a:rPr lang="en-US" sz="2000" dirty="0"/>
+              <a:t>The bottom line here is: we have failed to reject our H</a:t>
+            </a:r>
+            <a:r>
+              <a:rPr lang="en-US" sz="2000" baseline="-25000" dirty="0"/>
+              <a:t>o</a:t>
+            </a:r>
+            <a:r>
+              <a:rPr lang="en-US" sz="2000" dirty="0"/>
+              <a:t>.</a:t>
+            </a:r>
+          </a:p>
+          <a:p>
+            <a:pPr marL="285750" indent="-285750">
+              <a:buFont typeface="Arial" panose="020B0604020202020204" pitchFamily="34" charset="0"/>
+              <a:buChar char="•"/>
+            </a:pPr>
+            <a:endParaRPr lang="en-US" sz="2000" baseline="-25000" dirty="0"/>
           </a:p>
         </p:txBody>
       </p:sp>
@@ -6078,7 +7009,7 @@
           <p:cNvPr id="2" name="Title 1">
             <a:extLst>
               <a:ext uri="{FF2B5EF4-FFF2-40B4-BE49-F238E27FC236}">
-                <a16:creationId xmlns:a16="http://schemas.microsoft.com/office/drawing/2014/main" id="{E8A8B61D-6CFE-479C-BE7F-2B0B55FD7BE9}"/>
+                <a16:creationId xmlns:a16="http://schemas.microsoft.com/office/drawing/2014/main" id="{9F3C3775-B16E-4806-91B7-E14E2F0CF606}"/>
               </a:ext>
             </a:extLst>
           </p:cNvPr>
@@ -6096,7 +7027,7 @@
           <a:p>
             <a:r>
               <a:rPr lang="en-US" dirty="0"/>
-              <a:t>Discussion</a:t>
+              <a:t>Post Mortem</a:t>
             </a:r>
           </a:p>
         </p:txBody>
@@ -6106,7 +7037,7 @@
           <p:cNvPr id="3" name="Content Placeholder 2">
             <a:extLst>
               <a:ext uri="{FF2B5EF4-FFF2-40B4-BE49-F238E27FC236}">
-                <a16:creationId xmlns:a16="http://schemas.microsoft.com/office/drawing/2014/main" id="{55609135-358E-447A-8B95-BBD6520540F2}"/>
+                <a16:creationId xmlns:a16="http://schemas.microsoft.com/office/drawing/2014/main" id="{EE1F8A6C-65C6-45BA-A129-F297706EE94F}"/>
               </a:ext>
             </a:extLst>
           </p:cNvPr>
@@ -6119,20 +7050,46 @@
         </p:nvSpPr>
         <p:spPr/>
         <p:txBody>
-          <a:bodyPr/>
-          <a:lstStyle/>
-          <a:p>
-            <a:r>
-              <a:rPr lang="en-US" dirty="0"/>
-              <a:t>Discuss your findings. Did you find what you expected to find? If not, why not? What inferences or general conclusions can you draw from your analysis?</a:t>
-            </a:r>
+          <a:bodyPr>
+            <a:normAutofit/>
+          </a:bodyPr>
+          <a:lstStyle/>
+          <a:p>
+            <a:r>
+              <a:rPr lang="en-US" sz="2800" dirty="0"/>
+              <a:t>Difficulties we experienced:</a:t>
+            </a:r>
+          </a:p>
+          <a:p>
+            <a:pPr lvl="1"/>
+            <a:r>
+              <a:rPr lang="en-US" sz="2400" dirty="0"/>
+              <a:t>Open source API’s with large, complete and reliable data sets</a:t>
+            </a:r>
+          </a:p>
+          <a:p>
+            <a:pPr lvl="1"/>
+            <a:r>
+              <a:rPr lang="en-US" sz="2400" dirty="0"/>
+              <a:t>Complete crime data was not as easy to find during our date range as initially expected.</a:t>
+            </a:r>
+          </a:p>
+          <a:p>
+            <a:r>
+              <a:rPr lang="en-US" sz="2800" dirty="0"/>
+              <a:t>Additional questions worth exploring:</a:t>
+            </a:r>
+          </a:p>
+          <a:p>
+            <a:pPr lvl="1"/>
+            <a:endParaRPr lang="en-US" sz="2400" dirty="0"/>
           </a:p>
         </p:txBody>
       </p:sp>
     </p:spTree>
     <p:extLst>
       <p:ext uri="{BB962C8B-B14F-4D97-AF65-F5344CB8AC3E}">
-        <p14:creationId xmlns:p14="http://schemas.microsoft.com/office/powerpoint/2010/main" val="3036915311"/>
+        <p14:creationId xmlns:p14="http://schemas.microsoft.com/office/powerpoint/2010/main" val="998638806"/>
       </p:ext>
     </p:extLst>
   </p:cSld>
@@ -6161,10 +7118,10 @@
       </p:grpSpPr>
       <p:sp>
         <p:nvSpPr>
-          <p:cNvPr id="2" name="Title 1">
+          <p:cNvPr id="4" name="Title 3">
             <a:extLst>
               <a:ext uri="{FF2B5EF4-FFF2-40B4-BE49-F238E27FC236}">
-                <a16:creationId xmlns:a16="http://schemas.microsoft.com/office/drawing/2014/main" id="{9F3C3775-B16E-4806-91B7-E14E2F0CF606}"/>
+                <a16:creationId xmlns:a16="http://schemas.microsoft.com/office/drawing/2014/main" id="{02FE5199-3F1B-204A-AEA9-FA48F4FA01CF}"/>
               </a:ext>
             </a:extLst>
           </p:cNvPr>
@@ -6175,56 +7132,58 @@
             <p:ph type="title"/>
           </p:nvPr>
         </p:nvSpPr>
-        <p:spPr/>
+        <p:spPr>
+          <a:xfrm>
+            <a:off x="1030287" y="5431590"/>
+            <a:ext cx="10131425" cy="1053446"/>
+          </a:xfrm>
+        </p:spPr>
         <p:txBody>
           <a:bodyPr/>
           <a:lstStyle/>
           <a:p>
+            <a:pPr algn="ctr"/>
             <a:r>
               <a:rPr lang="en-US" dirty="0"/>
-              <a:t>Post Mortem</a:t>
-            </a:r>
-          </a:p>
-        </p:txBody>
-      </p:sp>
-      <p:sp>
-        <p:nvSpPr>
-          <p:cNvPr id="3" name="Content Placeholder 2">
+              <a:t>Questions?</a:t>
+            </a:r>
+          </a:p>
+        </p:txBody>
+      </p:sp>
+      <p:pic>
+        <p:nvPicPr>
+          <p:cNvPr id="3" name="Picture 2">
             <a:extLst>
               <a:ext uri="{FF2B5EF4-FFF2-40B4-BE49-F238E27FC236}">
-                <a16:creationId xmlns:a16="http://schemas.microsoft.com/office/drawing/2014/main" id="{EE1F8A6C-65C6-45BA-A129-F297706EE94F}"/>
+                <a16:creationId xmlns:a16="http://schemas.microsoft.com/office/drawing/2014/main" id="{21F56007-71EE-0B4E-9A27-ABDD8D68C0CF}"/>
               </a:ext>
             </a:extLst>
           </p:cNvPr>
-          <p:cNvSpPr>
-            <a:spLocks noGrp="1"/>
-          </p:cNvSpPr>
-          <p:nvPr>
-            <p:ph idx="1"/>
-          </p:nvPr>
-        </p:nvSpPr>
-        <p:spPr/>
-        <p:txBody>
-          <a:bodyPr/>
-          <a:lstStyle/>
-          <a:p>
-            <a:r>
-              <a:rPr lang="en-US" dirty="0"/>
-              <a:t>Discuss any difficulties that arose, and how you dealt with them</a:t>
-            </a:r>
-          </a:p>
-          <a:p>
-            <a:r>
-              <a:rPr lang="en-US" dirty="0"/>
-              <a:t>Discuss any additional questions that came up, but which you didn't have time to answer: What would you research next, if you had two more weeks?</a:t>
-            </a:r>
-          </a:p>
-        </p:txBody>
-      </p:sp>
+          <p:cNvPicPr>
+            <a:picLocks noChangeAspect="1"/>
+          </p:cNvPicPr>
+          <p:nvPr/>
+        </p:nvPicPr>
+        <p:blipFill>
+          <a:blip r:embed="rId2"/>
+          <a:stretch>
+            <a:fillRect/>
+          </a:stretch>
+        </p:blipFill>
+        <p:spPr>
+          <a:xfrm>
+            <a:off x="3692651" y="539496"/>
+            <a:ext cx="4806696" cy="4806696"/>
+          </a:xfrm>
+          <a:prstGeom prst="rect">
+            <a:avLst/>
+          </a:prstGeom>
+        </p:spPr>
+      </p:pic>
     </p:spTree>
     <p:extLst>
       <p:ext uri="{BB962C8B-B14F-4D97-AF65-F5344CB8AC3E}">
-        <p14:creationId xmlns:p14="http://schemas.microsoft.com/office/powerpoint/2010/main" val="998638806"/>
+        <p14:creationId xmlns:p14="http://schemas.microsoft.com/office/powerpoint/2010/main" val="2356760612"/>
       </p:ext>
     </p:extLst>
   </p:cSld>
@@ -6253,100 +7212,6 @@
       </p:grpSpPr>
       <p:sp>
         <p:nvSpPr>
-          <p:cNvPr id="4" name="Title 3">
-            <a:extLst>
-              <a:ext uri="{FF2B5EF4-FFF2-40B4-BE49-F238E27FC236}">
-                <a16:creationId xmlns:a16="http://schemas.microsoft.com/office/drawing/2014/main" id="{02FE5199-3F1B-204A-AEA9-FA48F4FA01CF}"/>
-              </a:ext>
-            </a:extLst>
-          </p:cNvPr>
-          <p:cNvSpPr>
-            <a:spLocks noGrp="1"/>
-          </p:cNvSpPr>
-          <p:nvPr>
-            <p:ph type="title"/>
-          </p:nvPr>
-        </p:nvSpPr>
-        <p:spPr>
-          <a:xfrm>
-            <a:off x="1030287" y="5431590"/>
-            <a:ext cx="10131425" cy="1053446"/>
-          </a:xfrm>
-        </p:spPr>
-        <p:txBody>
-          <a:bodyPr/>
-          <a:lstStyle/>
-          <a:p>
-            <a:pPr algn="ctr"/>
-            <a:r>
-              <a:rPr lang="en-US" dirty="0"/>
-              <a:t>Questions?</a:t>
-            </a:r>
-          </a:p>
-        </p:txBody>
-      </p:sp>
-      <p:pic>
-        <p:nvPicPr>
-          <p:cNvPr id="5" name="Picture 4">
-            <a:extLst>
-              <a:ext uri="{FF2B5EF4-FFF2-40B4-BE49-F238E27FC236}">
-                <a16:creationId xmlns:a16="http://schemas.microsoft.com/office/drawing/2014/main" id="{C9703AB4-2C6D-1C46-8771-75FDFB844C65}"/>
-              </a:ext>
-            </a:extLst>
-          </p:cNvPr>
-          <p:cNvPicPr>
-            <a:picLocks noChangeAspect="1"/>
-          </p:cNvPicPr>
-          <p:nvPr/>
-        </p:nvPicPr>
-        <p:blipFill>
-          <a:blip r:embed="rId2"/>
-          <a:stretch>
-            <a:fillRect/>
-          </a:stretch>
-        </p:blipFill>
-        <p:spPr>
-          <a:xfrm>
-            <a:off x="3796665" y="470805"/>
-            <a:ext cx="4598670" cy="4598670"/>
-          </a:xfrm>
-          <a:prstGeom prst="rect">
-            <a:avLst/>
-          </a:prstGeom>
-        </p:spPr>
-      </p:pic>
-    </p:spTree>
-    <p:extLst>
-      <p:ext uri="{BB962C8B-B14F-4D97-AF65-F5344CB8AC3E}">
-        <p14:creationId xmlns:p14="http://schemas.microsoft.com/office/powerpoint/2010/main" val="2356760612"/>
-      </p:ext>
-    </p:extLst>
-  </p:cSld>
-  <p:clrMapOvr>
-    <a:masterClrMapping/>
-  </p:clrMapOvr>
-</p:sld>
-</file>
-
-<file path=ppt/slides/slide14.xml><?xml version="1.0" encoding="utf-8"?>
-<p:sld xmlns:a="http://schemas.openxmlformats.org/drawingml/2006/main" xmlns:r="http://schemas.openxmlformats.org/officeDocument/2006/relationships" xmlns:p="http://schemas.openxmlformats.org/presentationml/2006/main">
-  <p:cSld>
-    <p:spTree>
-      <p:nvGrpSpPr>
-        <p:cNvPr id="1" name=""/>
-        <p:cNvGrpSpPr/>
-        <p:nvPr/>
-      </p:nvGrpSpPr>
-      <p:grpSpPr>
-        <a:xfrm>
-          <a:off x="0" y="0"/>
-          <a:ext cx="0" cy="0"/>
-          <a:chOff x="0" y="0"/>
-          <a:chExt cx="0" cy="0"/>
-        </a:xfrm>
-      </p:grpSpPr>
-      <p:sp>
-        <p:nvSpPr>
           <p:cNvPr id="2" name="Title 1">
             <a:extLst>
               <a:ext uri="{FF2B5EF4-FFF2-40B4-BE49-F238E27FC236}">
@@ -6420,7 +7285,7 @@
 </p:sld>
 </file>
 
-<file path=ppt/slides/slide15.xml><?xml version="1.0" encoding="utf-8"?>
+<file path=ppt/slides/slide14.xml><?xml version="1.0" encoding="utf-8"?>
 <p:sld xmlns:a="http://schemas.openxmlformats.org/drawingml/2006/main" xmlns:r="http://schemas.openxmlformats.org/officeDocument/2006/relationships" xmlns:p="http://schemas.openxmlformats.org/presentationml/2006/main">
   <p:cSld>
     <p:spTree>
@@ -6516,6 +7381,101 @@
 </p:sld>
 </file>
 
+<file path=ppt/slides/slide15.xml><?xml version="1.0" encoding="utf-8"?>
+<p:sld xmlns:a="http://schemas.openxmlformats.org/drawingml/2006/main" xmlns:r="http://schemas.openxmlformats.org/officeDocument/2006/relationships" xmlns:p="http://schemas.openxmlformats.org/presentationml/2006/main">
+  <p:cSld>
+    <p:spTree>
+      <p:nvGrpSpPr>
+        <p:cNvPr id="1" name=""/>
+        <p:cNvGrpSpPr/>
+        <p:nvPr/>
+      </p:nvGrpSpPr>
+      <p:grpSpPr>
+        <a:xfrm>
+          <a:off x="0" y="0"/>
+          <a:ext cx="0" cy="0"/>
+          <a:chOff x="0" y="0"/>
+          <a:chExt cx="0" cy="0"/>
+        </a:xfrm>
+      </p:grpSpPr>
+      <p:sp>
+        <p:nvSpPr>
+          <p:cNvPr id="2" name="Title 1">
+            <a:extLst>
+              <a:ext uri="{FF2B5EF4-FFF2-40B4-BE49-F238E27FC236}">
+                <a16:creationId xmlns:a16="http://schemas.microsoft.com/office/drawing/2014/main" id="{B9B058E4-70FB-BE4F-9DAA-F4C098DD431C}"/>
+              </a:ext>
+            </a:extLst>
+          </p:cNvPr>
+          <p:cNvSpPr>
+            <a:spLocks noGrp="1"/>
+          </p:cNvSpPr>
+          <p:nvPr>
+            <p:ph type="title"/>
+          </p:nvPr>
+        </p:nvSpPr>
+        <p:spPr>
+          <a:xfrm>
+            <a:off x="685801" y="609601"/>
+            <a:ext cx="10131425" cy="457200"/>
+          </a:xfrm>
+        </p:spPr>
+        <p:txBody>
+          <a:bodyPr>
+            <a:normAutofit fontScale="90000"/>
+          </a:bodyPr>
+          <a:lstStyle/>
+          <a:p>
+            <a:pPr algn="ctr"/>
+            <a:r>
+              <a:rPr lang="en-US" dirty="0"/>
+              <a:t>Denver, Colorado Box Plot</a:t>
+            </a:r>
+          </a:p>
+        </p:txBody>
+      </p:sp>
+      <p:pic>
+        <p:nvPicPr>
+          <p:cNvPr id="5" name="Content Placeholder 4">
+            <a:extLst>
+              <a:ext uri="{FF2B5EF4-FFF2-40B4-BE49-F238E27FC236}">
+                <a16:creationId xmlns:a16="http://schemas.microsoft.com/office/drawing/2014/main" id="{33EAD832-A0E8-1B42-B027-02A4AD760541}"/>
+              </a:ext>
+            </a:extLst>
+          </p:cNvPr>
+          <p:cNvPicPr>
+            <a:picLocks noGrp="1" noChangeAspect="1"/>
+          </p:cNvPicPr>
+          <p:nvPr>
+            <p:ph idx="1"/>
+          </p:nvPr>
+        </p:nvPicPr>
+        <p:blipFill>
+          <a:blip r:embed="rId2"/>
+          <a:stretch>
+            <a:fillRect/>
+          </a:stretch>
+        </p:blipFill>
+        <p:spPr>
+          <a:xfrm>
+            <a:off x="1580706" y="1470978"/>
+            <a:ext cx="9030588" cy="4515294"/>
+          </a:xfrm>
+        </p:spPr>
+      </p:pic>
+    </p:spTree>
+    <p:extLst>
+      <p:ext uri="{BB962C8B-B14F-4D97-AF65-F5344CB8AC3E}">
+        <p14:creationId xmlns:p14="http://schemas.microsoft.com/office/powerpoint/2010/main" val="805421565"/>
+      </p:ext>
+    </p:extLst>
+  </p:cSld>
+  <p:clrMapOvr>
+    <a:masterClrMapping/>
+  </p:clrMapOvr>
+</p:sld>
+</file>
+
 <file path=ppt/slides/slide16.xml><?xml version="1.0" encoding="utf-8"?>
 <p:sld xmlns:a="http://schemas.openxmlformats.org/drawingml/2006/main" xmlns:r="http://schemas.openxmlformats.org/officeDocument/2006/relationships" xmlns:p="http://schemas.openxmlformats.org/presentationml/2006/main">
   <p:cSld>
@@ -6533,48 +7493,12 @@
           <a:chExt cx="0" cy="0"/>
         </a:xfrm>
       </p:grpSpPr>
-      <p:sp>
-        <p:nvSpPr>
-          <p:cNvPr id="2" name="Title 1">
-            <a:extLst>
-              <a:ext uri="{FF2B5EF4-FFF2-40B4-BE49-F238E27FC236}">
-                <a16:creationId xmlns:a16="http://schemas.microsoft.com/office/drawing/2014/main" id="{B9B058E4-70FB-BE4F-9DAA-F4C098DD431C}"/>
-              </a:ext>
-            </a:extLst>
-          </p:cNvPr>
-          <p:cNvSpPr>
-            <a:spLocks noGrp="1"/>
-          </p:cNvSpPr>
-          <p:nvPr>
-            <p:ph type="title"/>
-          </p:nvPr>
-        </p:nvSpPr>
-        <p:spPr>
-          <a:xfrm>
-            <a:off x="685801" y="609601"/>
-            <a:ext cx="10131425" cy="457200"/>
-          </a:xfrm>
-        </p:spPr>
-        <p:txBody>
-          <a:bodyPr>
-            <a:normAutofit fontScale="90000"/>
-          </a:bodyPr>
-          <a:lstStyle/>
-          <a:p>
-            <a:pPr algn="ctr"/>
-            <a:r>
-              <a:rPr lang="en-US" dirty="0"/>
-              <a:t>Denver, Colorado Box Plot</a:t>
-            </a:r>
-          </a:p>
-        </p:txBody>
-      </p:sp>
       <p:pic>
         <p:nvPicPr>
           <p:cNvPr id="5" name="Content Placeholder 4">
             <a:extLst>
               <a:ext uri="{FF2B5EF4-FFF2-40B4-BE49-F238E27FC236}">
-                <a16:creationId xmlns:a16="http://schemas.microsoft.com/office/drawing/2014/main" id="{33EAD832-A0E8-1B42-B027-02A4AD760541}"/>
+                <a16:creationId xmlns:a16="http://schemas.microsoft.com/office/drawing/2014/main" id="{05DC4DF0-B9E5-354D-B328-00A3649C0BC3}"/>
               </a:ext>
             </a:extLst>
           </p:cNvPr>
@@ -6593,15 +7517,15 @@
         </p:blipFill>
         <p:spPr>
           <a:xfrm>
-            <a:off x="1580706" y="1470978"/>
-            <a:ext cx="9030588" cy="4515294"/>
+            <a:off x="385156" y="1924396"/>
+            <a:ext cx="11421687" cy="3009207"/>
           </a:xfrm>
         </p:spPr>
       </p:pic>
     </p:spTree>
     <p:extLst>
       <p:ext uri="{BB962C8B-B14F-4D97-AF65-F5344CB8AC3E}">
-        <p14:creationId xmlns:p14="http://schemas.microsoft.com/office/powerpoint/2010/main" val="805421565"/>
+        <p14:creationId xmlns:p14="http://schemas.microsoft.com/office/powerpoint/2010/main" val="1940653460"/>
       </p:ext>
     </p:extLst>
   </p:cSld>
@@ -6633,7 +7557,7 @@
           <p:cNvPr id="5" name="Content Placeholder 4">
             <a:extLst>
               <a:ext uri="{FF2B5EF4-FFF2-40B4-BE49-F238E27FC236}">
-                <a16:creationId xmlns:a16="http://schemas.microsoft.com/office/drawing/2014/main" id="{05DC4DF0-B9E5-354D-B328-00A3649C0BC3}"/>
+                <a16:creationId xmlns:a16="http://schemas.microsoft.com/office/drawing/2014/main" id="{A4E2E13F-3C16-7542-9594-5DFFF3F4B33D}"/>
               </a:ext>
             </a:extLst>
           </p:cNvPr>
@@ -6652,15 +7576,15 @@
         </p:blipFill>
         <p:spPr>
           <a:xfrm>
-            <a:off x="385156" y="1924396"/>
-            <a:ext cx="11421687" cy="3009207"/>
+            <a:off x="2022764" y="713509"/>
+            <a:ext cx="8146472" cy="5430981"/>
           </a:xfrm>
         </p:spPr>
       </p:pic>
     </p:spTree>
     <p:extLst>
       <p:ext uri="{BB962C8B-B14F-4D97-AF65-F5344CB8AC3E}">
-        <p14:creationId xmlns:p14="http://schemas.microsoft.com/office/powerpoint/2010/main" val="1940653460"/>
+        <p14:creationId xmlns:p14="http://schemas.microsoft.com/office/powerpoint/2010/main" val="968082033"/>
       </p:ext>
     </p:extLst>
   </p:cSld>
@@ -6692,7 +7616,7 @@
           <p:cNvPr id="5" name="Content Placeholder 4">
             <a:extLst>
               <a:ext uri="{FF2B5EF4-FFF2-40B4-BE49-F238E27FC236}">
-                <a16:creationId xmlns:a16="http://schemas.microsoft.com/office/drawing/2014/main" id="{A4E2E13F-3C16-7542-9594-5DFFF3F4B33D}"/>
+                <a16:creationId xmlns:a16="http://schemas.microsoft.com/office/drawing/2014/main" id="{46715E75-F78F-C947-9147-0EF6CAE2815A}"/>
               </a:ext>
             </a:extLst>
           </p:cNvPr>
@@ -6711,15 +7635,15 @@
         </p:blipFill>
         <p:spPr>
           <a:xfrm>
-            <a:off x="2022764" y="713509"/>
-            <a:ext cx="8146472" cy="5430981"/>
+            <a:off x="1219200" y="990600"/>
+            <a:ext cx="9753600" cy="4876800"/>
           </a:xfrm>
         </p:spPr>
       </p:pic>
     </p:spTree>
     <p:extLst>
       <p:ext uri="{BB962C8B-B14F-4D97-AF65-F5344CB8AC3E}">
-        <p14:creationId xmlns:p14="http://schemas.microsoft.com/office/powerpoint/2010/main" val="968082033"/>
+        <p14:creationId xmlns:p14="http://schemas.microsoft.com/office/powerpoint/2010/main" val="1279737478"/>
       </p:ext>
     </p:extLst>
   </p:cSld>
@@ -6746,12 +7670,47 @@
           <a:chExt cx="0" cy="0"/>
         </a:xfrm>
       </p:grpSpPr>
+      <p:sp>
+        <p:nvSpPr>
+          <p:cNvPr id="2" name="Title 1">
+            <a:extLst>
+              <a:ext uri="{FF2B5EF4-FFF2-40B4-BE49-F238E27FC236}">
+                <a16:creationId xmlns:a16="http://schemas.microsoft.com/office/drawing/2014/main" id="{56267B37-9F9A-BD49-A5D2-BA1A57FE3D35}"/>
+              </a:ext>
+            </a:extLst>
+          </p:cNvPr>
+          <p:cNvSpPr>
+            <a:spLocks noGrp="1"/>
+          </p:cNvSpPr>
+          <p:nvPr>
+            <p:ph type="title"/>
+          </p:nvPr>
+        </p:nvSpPr>
+        <p:spPr>
+          <a:xfrm>
+            <a:off x="349135" y="609600"/>
+            <a:ext cx="11405061" cy="687185"/>
+          </a:xfrm>
+        </p:spPr>
+        <p:txBody>
+          <a:bodyPr>
+            <a:normAutofit/>
+          </a:bodyPr>
+          <a:lstStyle/>
+          <a:p>
+            <a:r>
+              <a:rPr lang="en-US" dirty="0"/>
+              <a:t>New York City Average Crime by Percent Illumination</a:t>
+            </a:r>
+          </a:p>
+        </p:txBody>
+      </p:sp>
       <p:pic>
         <p:nvPicPr>
           <p:cNvPr id="5" name="Content Placeholder 4">
             <a:extLst>
               <a:ext uri="{FF2B5EF4-FFF2-40B4-BE49-F238E27FC236}">
-                <a16:creationId xmlns:a16="http://schemas.microsoft.com/office/drawing/2014/main" id="{46715E75-F78F-C947-9147-0EF6CAE2815A}"/>
+                <a16:creationId xmlns:a16="http://schemas.microsoft.com/office/drawing/2014/main" id="{6B511534-E9FF-C444-B3AE-DC49F79E5D01}"/>
               </a:ext>
             </a:extLst>
           </p:cNvPr>
@@ -6770,15 +7729,15 @@
         </p:blipFill>
         <p:spPr>
           <a:xfrm>
-            <a:off x="1219200" y="990600"/>
-            <a:ext cx="9753600" cy="4876800"/>
+            <a:off x="393469" y="1986666"/>
+            <a:ext cx="11405061" cy="4012352"/>
           </a:xfrm>
         </p:spPr>
       </p:pic>
     </p:spTree>
     <p:extLst>
       <p:ext uri="{BB962C8B-B14F-4D97-AF65-F5344CB8AC3E}">
-        <p14:creationId xmlns:p14="http://schemas.microsoft.com/office/powerpoint/2010/main" val="1279737478"/>
+        <p14:creationId xmlns:p14="http://schemas.microsoft.com/office/powerpoint/2010/main" val="1944839878"/>
       </p:ext>
     </p:extLst>
   </p:cSld>
@@ -6858,7 +7817,7 @@
           <a:p>
             <a:r>
               <a:rPr lang="en-US" sz="3200" dirty="0"/>
-              <a:t>Popular culture has tales of people turning into werewolves during full moons, wreaking havoc on cities through the night.</a:t>
+              <a:t>Popular culture has tales of people turning into werewolves during full moons, wreaking havoc on cities through the night</a:t>
             </a:r>
           </a:p>
           <a:p>
@@ -6909,10 +7868,44 @@
           </a:p>
         </p:txBody>
       </p:sp>
+      <p:pic>
+        <p:nvPicPr>
+          <p:cNvPr id="4" name="Picture 3"/>
+          <p:cNvPicPr>
+            <a:picLocks noChangeAspect="1"/>
+          </p:cNvPicPr>
+          <p:nvPr/>
+        </p:nvPicPr>
+        <p:blipFill>
+          <a:blip r:embed="rId2">
+            <a:extLst>
+              <a:ext uri="{28A0092B-C50C-407E-A947-70E740481C1C}">
+                <a14:useLocalDpi xmlns:a14="http://schemas.microsoft.com/office/drawing/2010/main" val="0"/>
+              </a:ext>
+            </a:extLst>
+          </a:blip>
+          <a:stretch>
+            <a:fillRect/>
+          </a:stretch>
+        </p:blipFill>
+        <p:spPr>
+          <a:xfrm>
+            <a:off x="7637395" y="152400"/>
+            <a:ext cx="3545609" cy="3375819"/>
+          </a:xfrm>
+          <a:prstGeom prst="rect">
+            <a:avLst/>
+          </a:prstGeom>
+          <a:effectLst>
+            <a:reflection blurRad="6350" stA="50000" endA="300" endPos="90000" dir="5400000" sy="-100000" algn="bl" rotWithShape="0"/>
+            <a:softEdge rad="635000"/>
+          </a:effectLst>
+        </p:spPr>
+      </p:pic>
     </p:spTree>
     <p:extLst>
       <p:ext uri="{BB962C8B-B14F-4D97-AF65-F5344CB8AC3E}">
-        <p14:creationId xmlns:p14="http://schemas.microsoft.com/office/powerpoint/2010/main" val="3776246567"/>
+        <p14:creationId xmlns:p14="http://schemas.microsoft.com/office/powerpoint/2010/main" val="3460392025"/>
       </p:ext>
     </p:extLst>
   </p:cSld>
@@ -6923,100 +7916,6 @@
 </file>
 
 <file path=ppt/slides/slide20.xml><?xml version="1.0" encoding="utf-8"?>
-<p:sld xmlns:a="http://schemas.openxmlformats.org/drawingml/2006/main" xmlns:r="http://schemas.openxmlformats.org/officeDocument/2006/relationships" xmlns:p="http://schemas.openxmlformats.org/presentationml/2006/main">
-  <p:cSld>
-    <p:spTree>
-      <p:nvGrpSpPr>
-        <p:cNvPr id="1" name=""/>
-        <p:cNvGrpSpPr/>
-        <p:nvPr/>
-      </p:nvGrpSpPr>
-      <p:grpSpPr>
-        <a:xfrm>
-          <a:off x="0" y="0"/>
-          <a:ext cx="0" cy="0"/>
-          <a:chOff x="0" y="0"/>
-          <a:chExt cx="0" cy="0"/>
-        </a:xfrm>
-      </p:grpSpPr>
-      <p:sp>
-        <p:nvSpPr>
-          <p:cNvPr id="2" name="Title 1">
-            <a:extLst>
-              <a:ext uri="{FF2B5EF4-FFF2-40B4-BE49-F238E27FC236}">
-                <a16:creationId xmlns:a16="http://schemas.microsoft.com/office/drawing/2014/main" id="{56267B37-9F9A-BD49-A5D2-BA1A57FE3D35}"/>
-              </a:ext>
-            </a:extLst>
-          </p:cNvPr>
-          <p:cNvSpPr>
-            <a:spLocks noGrp="1"/>
-          </p:cNvSpPr>
-          <p:nvPr>
-            <p:ph type="title"/>
-          </p:nvPr>
-        </p:nvSpPr>
-        <p:spPr>
-          <a:xfrm>
-            <a:off x="349135" y="609600"/>
-            <a:ext cx="11405061" cy="687185"/>
-          </a:xfrm>
-        </p:spPr>
-        <p:txBody>
-          <a:bodyPr>
-            <a:normAutofit/>
-          </a:bodyPr>
-          <a:lstStyle/>
-          <a:p>
-            <a:r>
-              <a:rPr lang="en-US" dirty="0"/>
-              <a:t>New York City Average Crime by Percent Illumination</a:t>
-            </a:r>
-          </a:p>
-        </p:txBody>
-      </p:sp>
-      <p:pic>
-        <p:nvPicPr>
-          <p:cNvPr id="5" name="Content Placeholder 4">
-            <a:extLst>
-              <a:ext uri="{FF2B5EF4-FFF2-40B4-BE49-F238E27FC236}">
-                <a16:creationId xmlns:a16="http://schemas.microsoft.com/office/drawing/2014/main" id="{6B511534-E9FF-C444-B3AE-DC49F79E5D01}"/>
-              </a:ext>
-            </a:extLst>
-          </p:cNvPr>
-          <p:cNvPicPr>
-            <a:picLocks noGrp="1" noChangeAspect="1"/>
-          </p:cNvPicPr>
-          <p:nvPr>
-            <p:ph idx="1"/>
-          </p:nvPr>
-        </p:nvPicPr>
-        <p:blipFill>
-          <a:blip r:embed="rId2"/>
-          <a:stretch>
-            <a:fillRect/>
-          </a:stretch>
-        </p:blipFill>
-        <p:spPr>
-          <a:xfrm>
-            <a:off x="393469" y="1986666"/>
-            <a:ext cx="11405061" cy="4012352"/>
-          </a:xfrm>
-        </p:spPr>
-      </p:pic>
-    </p:spTree>
-    <p:extLst>
-      <p:ext uri="{BB962C8B-B14F-4D97-AF65-F5344CB8AC3E}">
-        <p14:creationId xmlns:p14="http://schemas.microsoft.com/office/powerpoint/2010/main" val="1944839878"/>
-      </p:ext>
-    </p:extLst>
-  </p:cSld>
-  <p:clrMapOvr>
-    <a:masterClrMapping/>
-  </p:clrMapOvr>
-</p:sld>
-</file>
-
-<file path=ppt/slides/slide21.xml><?xml version="1.0" encoding="utf-8"?>
 <p:sld xmlns:a="http://schemas.openxmlformats.org/drawingml/2006/main" xmlns:r="http://schemas.openxmlformats.org/officeDocument/2006/relationships" xmlns:p="http://schemas.openxmlformats.org/presentationml/2006/main">
   <p:cSld>
     <p:spTree>
@@ -7075,6 +7974,101 @@
 </p:sld>
 </file>
 
+<file path=ppt/slides/slide21.xml><?xml version="1.0" encoding="utf-8"?>
+<p:sld xmlns:a="http://schemas.openxmlformats.org/drawingml/2006/main" xmlns:r="http://schemas.openxmlformats.org/officeDocument/2006/relationships" xmlns:p="http://schemas.openxmlformats.org/presentationml/2006/main">
+  <p:cSld>
+    <p:spTree>
+      <p:nvGrpSpPr>
+        <p:cNvPr id="1" name=""/>
+        <p:cNvGrpSpPr/>
+        <p:nvPr/>
+      </p:nvGrpSpPr>
+      <p:grpSpPr>
+        <a:xfrm>
+          <a:off x="0" y="0"/>
+          <a:ext cx="0" cy="0"/>
+          <a:chOff x="0" y="0"/>
+          <a:chExt cx="0" cy="0"/>
+        </a:xfrm>
+      </p:grpSpPr>
+      <p:sp>
+        <p:nvSpPr>
+          <p:cNvPr id="2" name="Title 1">
+            <a:extLst>
+              <a:ext uri="{FF2B5EF4-FFF2-40B4-BE49-F238E27FC236}">
+                <a16:creationId xmlns:a16="http://schemas.microsoft.com/office/drawing/2014/main" id="{5794707A-43D3-5C4D-B9D6-E3F3DA406A43}"/>
+              </a:ext>
+            </a:extLst>
+          </p:cNvPr>
+          <p:cNvSpPr>
+            <a:spLocks noGrp="1"/>
+          </p:cNvSpPr>
+          <p:nvPr>
+            <p:ph type="title"/>
+          </p:nvPr>
+        </p:nvSpPr>
+        <p:spPr>
+          <a:xfrm>
+            <a:off x="1673988" y="591313"/>
+            <a:ext cx="8287511" cy="457199"/>
+          </a:xfrm>
+        </p:spPr>
+        <p:txBody>
+          <a:bodyPr>
+            <a:normAutofit fontScale="90000"/>
+          </a:bodyPr>
+          <a:lstStyle/>
+          <a:p>
+            <a:pPr algn="ctr"/>
+            <a:r>
+              <a:rPr lang="en-US" dirty="0"/>
+              <a:t>New York City Boxplot</a:t>
+            </a:r>
+          </a:p>
+        </p:txBody>
+      </p:sp>
+      <p:pic>
+        <p:nvPicPr>
+          <p:cNvPr id="5" name="Content Placeholder 4">
+            <a:extLst>
+              <a:ext uri="{FF2B5EF4-FFF2-40B4-BE49-F238E27FC236}">
+                <a16:creationId xmlns:a16="http://schemas.microsoft.com/office/drawing/2014/main" id="{D6CF5EDF-064B-104B-8BA6-A176EE6D92FB}"/>
+              </a:ext>
+            </a:extLst>
+          </p:cNvPr>
+          <p:cNvPicPr>
+            <a:picLocks noGrp="1" noChangeAspect="1"/>
+          </p:cNvPicPr>
+          <p:nvPr>
+            <p:ph idx="1"/>
+          </p:nvPr>
+        </p:nvPicPr>
+        <p:blipFill>
+          <a:blip r:embed="rId2"/>
+          <a:stretch>
+            <a:fillRect/>
+          </a:stretch>
+        </p:blipFill>
+        <p:spPr>
+          <a:xfrm>
+            <a:off x="1108902" y="1279589"/>
+            <a:ext cx="9974196" cy="4987098"/>
+          </a:xfrm>
+        </p:spPr>
+      </p:pic>
+    </p:spTree>
+    <p:extLst>
+      <p:ext uri="{BB962C8B-B14F-4D97-AF65-F5344CB8AC3E}">
+        <p14:creationId xmlns:p14="http://schemas.microsoft.com/office/powerpoint/2010/main" val="1841120418"/>
+      </p:ext>
+    </p:extLst>
+  </p:cSld>
+  <p:clrMapOvr>
+    <a:masterClrMapping/>
+  </p:clrMapOvr>
+</p:sld>
+</file>
+
 <file path=ppt/slides/slide22.xml><?xml version="1.0" encoding="utf-8"?>
 <p:sld xmlns:a="http://schemas.openxmlformats.org/drawingml/2006/main" xmlns:r="http://schemas.openxmlformats.org/officeDocument/2006/relationships" xmlns:p="http://schemas.openxmlformats.org/presentationml/2006/main">
   <p:cSld>
@@ -7097,7 +8091,7 @@
           <p:cNvPr id="2" name="Title 1">
             <a:extLst>
               <a:ext uri="{FF2B5EF4-FFF2-40B4-BE49-F238E27FC236}">
-                <a16:creationId xmlns:a16="http://schemas.microsoft.com/office/drawing/2014/main" id="{5794707A-43D3-5C4D-B9D6-E3F3DA406A43}"/>
+                <a16:creationId xmlns:a16="http://schemas.microsoft.com/office/drawing/2014/main" id="{DBBA54FA-4BA9-C441-BDBF-DD2ADC55F692}"/>
               </a:ext>
             </a:extLst>
           </p:cNvPr>
@@ -7110,8 +8104,8 @@
         </p:nvSpPr>
         <p:spPr>
           <a:xfrm>
-            <a:off x="1673988" y="591313"/>
-            <a:ext cx="8287511" cy="457199"/>
+            <a:off x="1030287" y="620683"/>
+            <a:ext cx="10131425" cy="604058"/>
           </a:xfrm>
         </p:spPr>
         <p:txBody>
@@ -7120,10 +8114,9 @@
           </a:bodyPr>
           <a:lstStyle/>
           <a:p>
-            <a:pPr algn="ctr"/>
             <a:r>
               <a:rPr lang="en-US" dirty="0"/>
-              <a:t>New York City Boxplot</a:t>
+              <a:t>Portland, OR Average Crime by Percent Illumination</a:t>
             </a:r>
           </a:p>
         </p:txBody>
@@ -7133,7 +8126,7 @@
           <p:cNvPr id="5" name="Content Placeholder 4">
             <a:extLst>
               <a:ext uri="{FF2B5EF4-FFF2-40B4-BE49-F238E27FC236}">
-                <a16:creationId xmlns:a16="http://schemas.microsoft.com/office/drawing/2014/main" id="{D6CF5EDF-064B-104B-8BA6-A176EE6D92FB}"/>
+                <a16:creationId xmlns:a16="http://schemas.microsoft.com/office/drawing/2014/main" id="{1EE028B4-8321-934E-BDC3-719B79428E38}"/>
               </a:ext>
             </a:extLst>
           </p:cNvPr>
@@ -7152,15 +8145,15 @@
         </p:blipFill>
         <p:spPr>
           <a:xfrm>
-            <a:off x="1108902" y="1279589"/>
-            <a:ext cx="9974196" cy="4987098"/>
+            <a:off x="432262" y="2061556"/>
+            <a:ext cx="11338560" cy="3940233"/>
           </a:xfrm>
         </p:spPr>
       </p:pic>
     </p:spTree>
     <p:extLst>
       <p:ext uri="{BB962C8B-B14F-4D97-AF65-F5344CB8AC3E}">
-        <p14:creationId xmlns:p14="http://schemas.microsoft.com/office/powerpoint/2010/main" val="1841120418"/>
+        <p14:creationId xmlns:p14="http://schemas.microsoft.com/office/powerpoint/2010/main" val="625841258"/>
       </p:ext>
     </p:extLst>
   </p:cSld>
@@ -7192,7 +8185,7 @@
           <p:cNvPr id="2" name="Title 1">
             <a:extLst>
               <a:ext uri="{FF2B5EF4-FFF2-40B4-BE49-F238E27FC236}">
-                <a16:creationId xmlns:a16="http://schemas.microsoft.com/office/drawing/2014/main" id="{DBBA54FA-4BA9-C441-BDBF-DD2ADC55F692}"/>
+                <a16:creationId xmlns:a16="http://schemas.microsoft.com/office/drawing/2014/main" id="{4C95312B-D259-8742-8462-7AE94D5F7846}"/>
               </a:ext>
             </a:extLst>
           </p:cNvPr>
@@ -7205,8 +8198,8 @@
         </p:nvSpPr>
         <p:spPr>
           <a:xfrm>
-            <a:off x="1030287" y="620683"/>
-            <a:ext cx="10131425" cy="604058"/>
+            <a:off x="685801" y="609601"/>
+            <a:ext cx="10852264" cy="457199"/>
           </a:xfrm>
         </p:spPr>
         <p:txBody>
@@ -7215,9 +8208,10 @@
           </a:bodyPr>
           <a:lstStyle/>
           <a:p>
+            <a:pPr algn="ctr"/>
             <a:r>
               <a:rPr lang="en-US" dirty="0"/>
-              <a:t>Portland, OR Average Crime by Percent Illumination</a:t>
+              <a:t>Portland, Or Total Crimes by percent illumination</a:t>
             </a:r>
           </a:p>
         </p:txBody>
@@ -7227,7 +8221,7 @@
           <p:cNvPr id="5" name="Content Placeholder 4">
             <a:extLst>
               <a:ext uri="{FF2B5EF4-FFF2-40B4-BE49-F238E27FC236}">
-                <a16:creationId xmlns:a16="http://schemas.microsoft.com/office/drawing/2014/main" id="{1EE028B4-8321-934E-BDC3-719B79428E38}"/>
+                <a16:creationId xmlns:a16="http://schemas.microsoft.com/office/drawing/2014/main" id="{4B89BF9D-7310-0445-9DB2-773DD6756FB2}"/>
               </a:ext>
             </a:extLst>
           </p:cNvPr>
@@ -7246,15 +8240,15 @@
         </p:blipFill>
         <p:spPr>
           <a:xfrm>
-            <a:off x="432262" y="2061556"/>
-            <a:ext cx="11338560" cy="3940233"/>
+            <a:off x="2346026" y="1367399"/>
+            <a:ext cx="7531814" cy="5021209"/>
           </a:xfrm>
         </p:spPr>
       </p:pic>
     </p:spTree>
     <p:extLst>
       <p:ext uri="{BB962C8B-B14F-4D97-AF65-F5344CB8AC3E}">
-        <p14:creationId xmlns:p14="http://schemas.microsoft.com/office/powerpoint/2010/main" val="625841258"/>
+        <p14:creationId xmlns:p14="http://schemas.microsoft.com/office/powerpoint/2010/main" val="1113625568"/>
       </p:ext>
     </p:extLst>
   </p:cSld>
@@ -7286,7 +8280,7 @@
           <p:cNvPr id="2" name="Title 1">
             <a:extLst>
               <a:ext uri="{FF2B5EF4-FFF2-40B4-BE49-F238E27FC236}">
-                <a16:creationId xmlns:a16="http://schemas.microsoft.com/office/drawing/2014/main" id="{4C95312B-D259-8742-8462-7AE94D5F7846}"/>
+                <a16:creationId xmlns:a16="http://schemas.microsoft.com/office/drawing/2014/main" id="{6514E1D6-D7AB-A64C-82B7-EDB757B05FE1}"/>
               </a:ext>
             </a:extLst>
           </p:cNvPr>
@@ -7299,8 +8293,8 @@
         </p:nvSpPr>
         <p:spPr>
           <a:xfrm>
-            <a:off x="685801" y="609601"/>
-            <a:ext cx="10852264" cy="457199"/>
+            <a:off x="1441705" y="609601"/>
+            <a:ext cx="8921495" cy="457199"/>
           </a:xfrm>
         </p:spPr>
         <p:txBody>
@@ -7312,7 +8306,7 @@
             <a:pPr algn="ctr"/>
             <a:r>
               <a:rPr lang="en-US" dirty="0"/>
-              <a:t>Portland, Or Total Crimes by percent illumination</a:t>
+              <a:t>Portland, OR Boxplot</a:t>
             </a:r>
           </a:p>
         </p:txBody>
@@ -7322,7 +8316,7 @@
           <p:cNvPr id="5" name="Content Placeholder 4">
             <a:extLst>
               <a:ext uri="{FF2B5EF4-FFF2-40B4-BE49-F238E27FC236}">
-                <a16:creationId xmlns:a16="http://schemas.microsoft.com/office/drawing/2014/main" id="{4B89BF9D-7310-0445-9DB2-773DD6756FB2}"/>
+                <a16:creationId xmlns:a16="http://schemas.microsoft.com/office/drawing/2014/main" id="{285BBAE9-9F45-9C4A-9AD1-6E8B849FFF42}"/>
               </a:ext>
             </a:extLst>
           </p:cNvPr>
@@ -7341,15 +8335,15 @@
         </p:blipFill>
         <p:spPr>
           <a:xfrm>
-            <a:off x="2346026" y="1367399"/>
-            <a:ext cx="7531814" cy="5021209"/>
+            <a:off x="1322833" y="1475232"/>
+            <a:ext cx="9546334" cy="4773167"/>
           </a:xfrm>
         </p:spPr>
       </p:pic>
     </p:spTree>
     <p:extLst>
       <p:ext uri="{BB962C8B-B14F-4D97-AF65-F5344CB8AC3E}">
-        <p14:creationId xmlns:p14="http://schemas.microsoft.com/office/powerpoint/2010/main" val="1113625568"/>
+        <p14:creationId xmlns:p14="http://schemas.microsoft.com/office/powerpoint/2010/main" val="2518801439"/>
       </p:ext>
     </p:extLst>
   </p:cSld>
@@ -7381,7 +8375,7 @@
           <p:cNvPr id="2" name="Title 1">
             <a:extLst>
               <a:ext uri="{FF2B5EF4-FFF2-40B4-BE49-F238E27FC236}">
-                <a16:creationId xmlns:a16="http://schemas.microsoft.com/office/drawing/2014/main" id="{6514E1D6-D7AB-A64C-82B7-EDB757B05FE1}"/>
+                <a16:creationId xmlns:a16="http://schemas.microsoft.com/office/drawing/2014/main" id="{B19A6F20-8D57-DE41-AED0-33006085B0E8}"/>
               </a:ext>
             </a:extLst>
           </p:cNvPr>
@@ -7394,8 +8388,8 @@
         </p:nvSpPr>
         <p:spPr>
           <a:xfrm>
-            <a:off x="1441705" y="609601"/>
-            <a:ext cx="8921495" cy="457199"/>
+            <a:off x="685801" y="609601"/>
+            <a:ext cx="10952017" cy="720436"/>
           </a:xfrm>
         </p:spPr>
         <p:txBody>
@@ -7407,7 +8401,7 @@
             <a:pPr algn="ctr"/>
             <a:r>
               <a:rPr lang="en-US" dirty="0"/>
-              <a:t>Portland, OR Boxplot</a:t>
+              <a:t>San Francisco Average Crime by percent illumination</a:t>
             </a:r>
           </a:p>
         </p:txBody>
@@ -7417,7 +8411,7 @@
           <p:cNvPr id="5" name="Content Placeholder 4">
             <a:extLst>
               <a:ext uri="{FF2B5EF4-FFF2-40B4-BE49-F238E27FC236}">
-                <a16:creationId xmlns:a16="http://schemas.microsoft.com/office/drawing/2014/main" id="{285BBAE9-9F45-9C4A-9AD1-6E8B849FFF42}"/>
+                <a16:creationId xmlns:a16="http://schemas.microsoft.com/office/drawing/2014/main" id="{777C8C6B-0674-F649-B1E9-151183D2EC4B}"/>
               </a:ext>
             </a:extLst>
           </p:cNvPr>
@@ -7436,15 +8430,15 @@
         </p:blipFill>
         <p:spPr>
           <a:xfrm>
-            <a:off x="1322833" y="1475232"/>
-            <a:ext cx="9546334" cy="4773167"/>
+            <a:off x="431355" y="1829419"/>
+            <a:ext cx="11329290" cy="3199161"/>
           </a:xfrm>
         </p:spPr>
       </p:pic>
     </p:spTree>
     <p:extLst>
       <p:ext uri="{BB962C8B-B14F-4D97-AF65-F5344CB8AC3E}">
-        <p14:creationId xmlns:p14="http://schemas.microsoft.com/office/powerpoint/2010/main" val="2518801439"/>
+        <p14:creationId xmlns:p14="http://schemas.microsoft.com/office/powerpoint/2010/main" val="3722723043"/>
       </p:ext>
     </p:extLst>
   </p:cSld>
@@ -7476,101 +8470,6 @@
           <p:cNvPr id="2" name="Title 1">
             <a:extLst>
               <a:ext uri="{FF2B5EF4-FFF2-40B4-BE49-F238E27FC236}">
-                <a16:creationId xmlns:a16="http://schemas.microsoft.com/office/drawing/2014/main" id="{B19A6F20-8D57-DE41-AED0-33006085B0E8}"/>
-              </a:ext>
-            </a:extLst>
-          </p:cNvPr>
-          <p:cNvSpPr>
-            <a:spLocks noGrp="1"/>
-          </p:cNvSpPr>
-          <p:nvPr>
-            <p:ph type="title"/>
-          </p:nvPr>
-        </p:nvSpPr>
-        <p:spPr>
-          <a:xfrm>
-            <a:off x="685801" y="609601"/>
-            <a:ext cx="10952017" cy="720436"/>
-          </a:xfrm>
-        </p:spPr>
-        <p:txBody>
-          <a:bodyPr>
-            <a:normAutofit fontScale="90000"/>
-          </a:bodyPr>
-          <a:lstStyle/>
-          <a:p>
-            <a:pPr algn="ctr"/>
-            <a:r>
-              <a:rPr lang="en-US" dirty="0"/>
-              <a:t>San Francisco Average Crime by percent illumination</a:t>
-            </a:r>
-          </a:p>
-        </p:txBody>
-      </p:sp>
-      <p:pic>
-        <p:nvPicPr>
-          <p:cNvPr id="5" name="Content Placeholder 4">
-            <a:extLst>
-              <a:ext uri="{FF2B5EF4-FFF2-40B4-BE49-F238E27FC236}">
-                <a16:creationId xmlns:a16="http://schemas.microsoft.com/office/drawing/2014/main" id="{777C8C6B-0674-F649-B1E9-151183D2EC4B}"/>
-              </a:ext>
-            </a:extLst>
-          </p:cNvPr>
-          <p:cNvPicPr>
-            <a:picLocks noGrp="1" noChangeAspect="1"/>
-          </p:cNvPicPr>
-          <p:nvPr>
-            <p:ph idx="1"/>
-          </p:nvPr>
-        </p:nvPicPr>
-        <p:blipFill>
-          <a:blip r:embed="rId2"/>
-          <a:stretch>
-            <a:fillRect/>
-          </a:stretch>
-        </p:blipFill>
-        <p:spPr>
-          <a:xfrm>
-            <a:off x="431355" y="1829419"/>
-            <a:ext cx="11329290" cy="3199161"/>
-          </a:xfrm>
-        </p:spPr>
-      </p:pic>
-    </p:spTree>
-    <p:extLst>
-      <p:ext uri="{BB962C8B-B14F-4D97-AF65-F5344CB8AC3E}">
-        <p14:creationId xmlns:p14="http://schemas.microsoft.com/office/powerpoint/2010/main" val="3722723043"/>
-      </p:ext>
-    </p:extLst>
-  </p:cSld>
-  <p:clrMapOvr>
-    <a:masterClrMapping/>
-  </p:clrMapOvr>
-</p:sld>
-</file>
-
-<file path=ppt/slides/slide27.xml><?xml version="1.0" encoding="utf-8"?>
-<p:sld xmlns:a="http://schemas.openxmlformats.org/drawingml/2006/main" xmlns:r="http://schemas.openxmlformats.org/officeDocument/2006/relationships" xmlns:p="http://schemas.openxmlformats.org/presentationml/2006/main">
-  <p:cSld>
-    <p:spTree>
-      <p:nvGrpSpPr>
-        <p:cNvPr id="1" name=""/>
-        <p:cNvGrpSpPr/>
-        <p:nvPr/>
-      </p:nvGrpSpPr>
-      <p:grpSpPr>
-        <a:xfrm>
-          <a:off x="0" y="0"/>
-          <a:ext cx="0" cy="0"/>
-          <a:chOff x="0" y="0"/>
-          <a:chExt cx="0" cy="0"/>
-        </a:xfrm>
-      </p:grpSpPr>
-      <p:sp>
-        <p:nvSpPr>
-          <p:cNvPr id="2" name="Title 1">
-            <a:extLst>
-              <a:ext uri="{FF2B5EF4-FFF2-40B4-BE49-F238E27FC236}">
                 <a16:creationId xmlns:a16="http://schemas.microsoft.com/office/drawing/2014/main" id="{C39A8D84-3410-6B49-966A-626E326C39FA}"/>
               </a:ext>
             </a:extLst>
@@ -7644,7 +8543,7 @@
 </p:sld>
 </file>
 
-<file path=ppt/slides/slide28.xml><?xml version="1.0" encoding="utf-8"?>
+<file path=ppt/slides/slide27.xml><?xml version="1.0" encoding="utf-8"?>
 <p:sld xmlns:a="http://schemas.openxmlformats.org/drawingml/2006/main" xmlns:r="http://schemas.openxmlformats.org/officeDocument/2006/relationships" xmlns:p="http://schemas.openxmlformats.org/presentationml/2006/main">
   <p:cSld>
     <p:spTree>
@@ -7825,7 +8724,7 @@
           <a:p>
             <a:r>
               <a:rPr lang="en-US" sz="2000" dirty="0"/>
-              <a:t>We compiled the moon data from The United States Naval Observatory.</a:t>
+              <a:t>We compiled the moon data from The United States Naval Observatory’s website.</a:t>
             </a:r>
           </a:p>
           <a:p>
@@ -7836,10 +8735,43 @@
           </a:p>
         </p:txBody>
       </p:sp>
+      <p:pic>
+        <p:nvPicPr>
+          <p:cNvPr id="5" name="Picture 4"/>
+          <p:cNvPicPr>
+            <a:picLocks noChangeAspect="1"/>
+          </p:cNvPicPr>
+          <p:nvPr/>
+        </p:nvPicPr>
+        <p:blipFill>
+          <a:blip r:embed="rId2">
+            <a:extLst>
+              <a:ext uri="{28A0092B-C50C-407E-A947-70E740481C1C}">
+                <a14:useLocalDpi xmlns:a14="http://schemas.microsoft.com/office/drawing/2010/main" val="0"/>
+              </a:ext>
+            </a:extLst>
+          </a:blip>
+          <a:stretch>
+            <a:fillRect/>
+          </a:stretch>
+        </p:blipFill>
+        <p:spPr>
+          <a:xfrm>
+            <a:off x="6436942" y="67733"/>
+            <a:ext cx="6084716" cy="4148668"/>
+          </a:xfrm>
+          <a:prstGeom prst="rect">
+            <a:avLst/>
+          </a:prstGeom>
+          <a:effectLst>
+            <a:softEdge rad="317500"/>
+          </a:effectLst>
+        </p:spPr>
+      </p:pic>
     </p:spTree>
     <p:extLst>
       <p:ext uri="{BB962C8B-B14F-4D97-AF65-F5344CB8AC3E}">
-        <p14:creationId xmlns:p14="http://schemas.microsoft.com/office/powerpoint/2010/main" val="3847807861"/>
+        <p14:creationId xmlns:p14="http://schemas.microsoft.com/office/powerpoint/2010/main" val="2173588212"/>
       </p:ext>
     </p:extLst>
   </p:cSld>
@@ -8218,25 +9150,25 @@
           <a:lstStyle/>
           <a:p>
             <a:r>
-              <a:rPr lang="en-US" sz="2000" dirty="0"/>
+              <a:rPr lang="en-US" sz="2800" dirty="0"/>
               <a:t>Calculated the total number of crimes for each calendar day in the date range.</a:t>
             </a:r>
           </a:p>
           <a:p>
             <a:r>
-              <a:rPr lang="en-US" sz="2000" dirty="0"/>
+              <a:rPr lang="en-US" sz="2800" dirty="0"/>
               <a:t>Grouped the dates by corresponding percent illumination.</a:t>
             </a:r>
           </a:p>
           <a:p>
             <a:r>
-              <a:rPr lang="en-US" sz="2000" dirty="0"/>
+              <a:rPr lang="en-US" sz="2800" dirty="0"/>
               <a:t>Calculated the average total daily crimes for each group.</a:t>
             </a:r>
           </a:p>
           <a:p>
             <a:r>
-              <a:rPr lang="en-US" sz="2000" dirty="0"/>
+              <a:rPr lang="en-US" sz="2800" dirty="0"/>
               <a:t>Plotted the average total daily crimes per group to determine if there were more crimes when the moon was full or nearly full (97-100%).</a:t>
             </a:r>
           </a:p>
@@ -8322,7 +9254,7 @@
           </p:nvPr>
         </p:nvPicPr>
         <p:blipFill>
-          <a:blip r:embed="rId2"/>
+          <a:blip r:embed="rId3"/>
           <a:stretch>
             <a:fillRect/>
           </a:stretch>
@@ -8381,7 +9313,7 @@
           </p:nvPr>
         </p:nvPicPr>
         <p:blipFill>
-          <a:blip r:embed="rId2"/>
+          <a:blip r:embed="rId3"/>
           <a:stretch>
             <a:fillRect/>
           </a:stretch>
@@ -8438,7 +9370,7 @@
           <p:nvPr/>
         </p:nvPicPr>
         <p:blipFill>
-          <a:blip r:embed="rId2"/>
+          <a:blip r:embed="rId3"/>
           <a:stretch>
             <a:fillRect/>
           </a:stretch>
@@ -8713,4 +9645,299 @@
     </a:ext>
   </a:extLst>
 </a:theme>
+</file>
+
+<file path=ppt/theme/theme2.xml><?xml version="1.0" encoding="utf-8"?>
+<a:theme xmlns:a="http://schemas.openxmlformats.org/drawingml/2006/main" name="Office Theme">
+  <a:themeElements>
+    <a:clrScheme name="Office">
+      <a:dk1>
+        <a:sysClr val="windowText" lastClr="000000"/>
+      </a:dk1>
+      <a:lt1>
+        <a:sysClr val="window" lastClr="FFFFFF"/>
+      </a:lt1>
+      <a:dk2>
+        <a:srgbClr val="44546A"/>
+      </a:dk2>
+      <a:lt2>
+        <a:srgbClr val="E7E6E6"/>
+      </a:lt2>
+      <a:accent1>
+        <a:srgbClr val="4472C4"/>
+      </a:accent1>
+      <a:accent2>
+        <a:srgbClr val="ED7D31"/>
+      </a:accent2>
+      <a:accent3>
+        <a:srgbClr val="A5A5A5"/>
+      </a:accent3>
+      <a:accent4>
+        <a:srgbClr val="FFC000"/>
+      </a:accent4>
+      <a:accent5>
+        <a:srgbClr val="5B9BD5"/>
+      </a:accent5>
+      <a:accent6>
+        <a:srgbClr val="70AD47"/>
+      </a:accent6>
+      <a:hlink>
+        <a:srgbClr val="0563C1"/>
+      </a:hlink>
+      <a:folHlink>
+        <a:srgbClr val="954F72"/>
+      </a:folHlink>
+    </a:clrScheme>
+    <a:fontScheme name="Office">
+      <a:majorFont>
+        <a:latin typeface="Calibri Light" panose="020F0302020204030204"/>
+        <a:ea typeface=""/>
+        <a:cs typeface=""/>
+        <a:font script="Jpan" typeface="游ゴシック Light"/>
+        <a:font script="Hang" typeface="맑은 고딕"/>
+        <a:font script="Hans" typeface="等线 Light"/>
+        <a:font script="Hant" typeface="新細明體"/>
+        <a:font script="Arab" typeface="Times New Roman"/>
+        <a:font script="Hebr" typeface="Times New Roman"/>
+        <a:font script="Thai" typeface="Angsana New"/>
+        <a:font script="Ethi" typeface="Nyala"/>
+        <a:font script="Beng" typeface="Vrinda"/>
+        <a:font script="Gujr" typeface="Shruti"/>
+        <a:font script="Khmr" typeface="MoolBoran"/>
+        <a:font script="Knda" typeface="Tunga"/>
+        <a:font script="Guru" typeface="Raavi"/>
+        <a:font script="Cans" typeface="Euphemia"/>
+        <a:font script="Cher" typeface="Plantagenet Cherokee"/>
+        <a:font script="Yiii" typeface="Microsoft Yi Baiti"/>
+        <a:font script="Tibt" typeface="Microsoft Himalaya"/>
+        <a:font script="Thaa" typeface="MV Boli"/>
+        <a:font script="Deva" typeface="Mangal"/>
+        <a:font script="Telu" typeface="Gautami"/>
+        <a:font script="Taml" typeface="Latha"/>
+        <a:font script="Syrc" typeface="Estrangelo Edessa"/>
+        <a:font script="Orya" typeface="Kalinga"/>
+        <a:font script="Mlym" typeface="Kartika"/>
+        <a:font script="Laoo" typeface="DokChampa"/>
+        <a:font script="Sinh" typeface="Iskoola Pota"/>
+        <a:font script="Mong" typeface="Mongolian Baiti"/>
+        <a:font script="Viet" typeface="Times New Roman"/>
+        <a:font script="Uigh" typeface="Microsoft Uighur"/>
+        <a:font script="Geor" typeface="Sylfaen"/>
+        <a:font script="Armn" typeface="Arial"/>
+        <a:font script="Bugi" typeface="Leelawadee UI"/>
+        <a:font script="Bopo" typeface="Microsoft JhengHei"/>
+        <a:font script="Java" typeface="Javanese Text"/>
+        <a:font script="Lisu" typeface="Segoe UI"/>
+        <a:font script="Mymr" typeface="Myanmar Text"/>
+        <a:font script="Nkoo" typeface="Ebrima"/>
+        <a:font script="Olck" typeface="Nirmala UI"/>
+        <a:font script="Osma" typeface="Ebrima"/>
+        <a:font script="Phag" typeface="Phagspa"/>
+        <a:font script="Syrn" typeface="Estrangelo Edessa"/>
+        <a:font script="Syrj" typeface="Estrangelo Edessa"/>
+        <a:font script="Syre" typeface="Estrangelo Edessa"/>
+        <a:font script="Sora" typeface="Nirmala UI"/>
+        <a:font script="Tale" typeface="Microsoft Tai Le"/>
+        <a:font script="Talu" typeface="Microsoft New Tai Lue"/>
+        <a:font script="Tfng" typeface="Ebrima"/>
+      </a:majorFont>
+      <a:minorFont>
+        <a:latin typeface="Calibri" panose="020F0502020204030204"/>
+        <a:ea typeface=""/>
+        <a:cs typeface=""/>
+        <a:font script="Jpan" typeface="游ゴシック"/>
+        <a:font script="Hang" typeface="맑은 고딕"/>
+        <a:font script="Hans" typeface="等线"/>
+        <a:font script="Hant" typeface="新細明體"/>
+        <a:font script="Arab" typeface="Arial"/>
+        <a:font script="Hebr" typeface="Arial"/>
+        <a:font script="Thai" typeface="Cordia New"/>
+        <a:font script="Ethi" typeface="Nyala"/>
+        <a:font script="Beng" typeface="Vrinda"/>
+        <a:font script="Gujr" typeface="Shruti"/>
+        <a:font script="Khmr" typeface="DaunPenh"/>
+        <a:font script="Knda" typeface="Tunga"/>
+        <a:font script="Guru" typeface="Raavi"/>
+        <a:font script="Cans" typeface="Euphemia"/>
+        <a:font script="Cher" typeface="Plantagenet Cherokee"/>
+        <a:font script="Yiii" typeface="Microsoft Yi Baiti"/>
+        <a:font script="Tibt" typeface="Microsoft Himalaya"/>
+        <a:font script="Thaa" typeface="MV Boli"/>
+        <a:font script="Deva" typeface="Mangal"/>
+        <a:font script="Telu" typeface="Gautami"/>
+        <a:font script="Taml" typeface="Latha"/>
+        <a:font script="Syrc" typeface="Estrangelo Edessa"/>
+        <a:font script="Orya" typeface="Kalinga"/>
+        <a:font script="Mlym" typeface="Kartika"/>
+        <a:font script="Laoo" typeface="DokChampa"/>
+        <a:font script="Sinh" typeface="Iskoola Pota"/>
+        <a:font script="Mong" typeface="Mongolian Baiti"/>
+        <a:font script="Viet" typeface="Arial"/>
+        <a:font script="Uigh" typeface="Microsoft Uighur"/>
+        <a:font script="Geor" typeface="Sylfaen"/>
+        <a:font script="Armn" typeface="Arial"/>
+        <a:font script="Bugi" typeface="Leelawadee UI"/>
+        <a:font script="Bopo" typeface="Microsoft JhengHei"/>
+        <a:font script="Java" typeface="Javanese Text"/>
+        <a:font script="Lisu" typeface="Segoe UI"/>
+        <a:font script="Mymr" typeface="Myanmar Text"/>
+        <a:font script="Nkoo" typeface="Ebrima"/>
+        <a:font script="Olck" typeface="Nirmala UI"/>
+        <a:font script="Osma" typeface="Ebrima"/>
+        <a:font script="Phag" typeface="Phagspa"/>
+        <a:font script="Syrn" typeface="Estrangelo Edessa"/>
+        <a:font script="Syrj" typeface="Estrangelo Edessa"/>
+        <a:font script="Syre" typeface="Estrangelo Edessa"/>
+        <a:font script="Sora" typeface="Nirmala UI"/>
+        <a:font script="Tale" typeface="Microsoft Tai Le"/>
+        <a:font script="Talu" typeface="Microsoft New Tai Lue"/>
+        <a:font script="Tfng" typeface="Ebrima"/>
+      </a:minorFont>
+    </a:fontScheme>
+    <a:fmtScheme name="Office">
+      <a:fillStyleLst>
+        <a:solidFill>
+          <a:schemeClr val="phClr"/>
+        </a:solidFill>
+        <a:gradFill rotWithShape="1">
+          <a:gsLst>
+            <a:gs pos="0">
+              <a:schemeClr val="phClr">
+                <a:lumMod val="110000"/>
+                <a:satMod val="105000"/>
+                <a:tint val="67000"/>
+              </a:schemeClr>
+            </a:gs>
+            <a:gs pos="50000">
+              <a:schemeClr val="phClr">
+                <a:lumMod val="105000"/>
+                <a:satMod val="103000"/>
+                <a:tint val="73000"/>
+              </a:schemeClr>
+            </a:gs>
+            <a:gs pos="100000">
+              <a:schemeClr val="phClr">
+                <a:lumMod val="105000"/>
+                <a:satMod val="109000"/>
+                <a:tint val="81000"/>
+              </a:schemeClr>
+            </a:gs>
+          </a:gsLst>
+          <a:lin ang="5400000" scaled="0"/>
+        </a:gradFill>
+        <a:gradFill rotWithShape="1">
+          <a:gsLst>
+            <a:gs pos="0">
+              <a:schemeClr val="phClr">
+                <a:satMod val="103000"/>
+                <a:lumMod val="102000"/>
+                <a:tint val="94000"/>
+              </a:schemeClr>
+            </a:gs>
+            <a:gs pos="50000">
+              <a:schemeClr val="phClr">
+                <a:satMod val="110000"/>
+                <a:lumMod val="100000"/>
+                <a:shade val="100000"/>
+              </a:schemeClr>
+            </a:gs>
+            <a:gs pos="100000">
+              <a:schemeClr val="phClr">
+                <a:lumMod val="99000"/>
+                <a:satMod val="120000"/>
+                <a:shade val="78000"/>
+              </a:schemeClr>
+            </a:gs>
+          </a:gsLst>
+          <a:lin ang="5400000" scaled="0"/>
+        </a:gradFill>
+      </a:fillStyleLst>
+      <a:lnStyleLst>
+        <a:ln w="6350" cap="flat" cmpd="sng" algn="ctr">
+          <a:solidFill>
+            <a:schemeClr val="phClr"/>
+          </a:solidFill>
+          <a:prstDash val="solid"/>
+          <a:miter lim="800000"/>
+        </a:ln>
+        <a:ln w="12700" cap="flat" cmpd="sng" algn="ctr">
+          <a:solidFill>
+            <a:schemeClr val="phClr"/>
+          </a:solidFill>
+          <a:prstDash val="solid"/>
+          <a:miter lim="800000"/>
+        </a:ln>
+        <a:ln w="19050" cap="flat" cmpd="sng" algn="ctr">
+          <a:solidFill>
+            <a:schemeClr val="phClr"/>
+          </a:solidFill>
+          <a:prstDash val="solid"/>
+          <a:miter lim="800000"/>
+        </a:ln>
+      </a:lnStyleLst>
+      <a:effectStyleLst>
+        <a:effectStyle>
+          <a:effectLst/>
+        </a:effectStyle>
+        <a:effectStyle>
+          <a:effectLst/>
+        </a:effectStyle>
+        <a:effectStyle>
+          <a:effectLst>
+            <a:outerShdw blurRad="57150" dist="19050" dir="5400000" algn="ctr" rotWithShape="0">
+              <a:srgbClr val="000000">
+                <a:alpha val="63000"/>
+              </a:srgbClr>
+            </a:outerShdw>
+          </a:effectLst>
+        </a:effectStyle>
+      </a:effectStyleLst>
+      <a:bgFillStyleLst>
+        <a:solidFill>
+          <a:schemeClr val="phClr"/>
+        </a:solidFill>
+        <a:solidFill>
+          <a:schemeClr val="phClr">
+            <a:tint val="95000"/>
+            <a:satMod val="170000"/>
+          </a:schemeClr>
+        </a:solidFill>
+        <a:gradFill rotWithShape="1">
+          <a:gsLst>
+            <a:gs pos="0">
+              <a:schemeClr val="phClr">
+                <a:tint val="93000"/>
+                <a:satMod val="150000"/>
+                <a:shade val="98000"/>
+                <a:lumMod val="102000"/>
+              </a:schemeClr>
+            </a:gs>
+            <a:gs pos="50000">
+              <a:schemeClr val="phClr">
+                <a:tint val="98000"/>
+                <a:satMod val="130000"/>
+                <a:shade val="90000"/>
+                <a:lumMod val="103000"/>
+              </a:schemeClr>
+            </a:gs>
+            <a:gs pos="100000">
+              <a:schemeClr val="phClr">
+                <a:shade val="63000"/>
+                <a:satMod val="120000"/>
+              </a:schemeClr>
+            </a:gs>
+          </a:gsLst>
+          <a:lin ang="5400000" scaled="0"/>
+        </a:gradFill>
+      </a:bgFillStyleLst>
+    </a:fmtScheme>
+  </a:themeElements>
+  <a:objectDefaults/>
+  <a:extraClrSchemeLst/>
+  <a:extLst>
+    <a:ext uri="{05A4C25C-085E-4340-85A3-A5531E510DB2}">
+      <thm15:themeFamily xmlns:thm15="http://schemas.microsoft.com/office/thememl/2012/main" name="Office Theme" id="{62F939B6-93AF-4DB8-9C6B-D6C7DFDC589F}" vid="{4A3C46E8-61CC-4603-A589-7422A47A8E4A}"/>
+    </a:ext>
+  </a:extLst>
+</a:theme>
 </file>
--- a/Presentation.pptx
+++ b/Presentation.pptx
@@ -857,13 +857,21 @@
             </a:pPr>
             <a:r>
               <a:rPr lang="en-US" dirty="0"/>
-              <a:t>The sections of ~ half of the box plots are equal while the 5 at 11-21, 22-35, 36-50, 79-89, 90-96, 97-100 have long upper whiskers indicating that total crime is more varied during those percent illumination ranges.</a:t>
+              <a:t>The sections of ~ half of the box plots are equal while the 6 at 11-21, 22-35, 36-50, 79-89, 90-96, 97-100 have long upper whiskers indicating that total crime is more varied during those percent illumination ranges.</a:t>
             </a:r>
           </a:p>
           <a:p>
             <a:pPr marL="228600" indent="-228600">
               <a:buAutoNum type="arabicPeriod"/>
             </a:pPr>
+            <a:r>
+              <a:rPr lang="en-US" dirty="0"/>
+              <a:t>Dots above (or below) represent outliers that are &gt;1.5 times the </a:t>
+            </a:r>
+            <a:r>
+              <a:rPr lang="en-US"/>
+              <a:t>upper quartile</a:t>
+            </a:r>
             <a:endParaRPr lang="en-US" dirty="0"/>
           </a:p>
         </p:txBody>
@@ -7076,13 +7084,9 @@
           </a:p>
           <a:p>
             <a:r>
-              <a:rPr lang="en-US" sz="2800" dirty="0"/>
-              <a:t>Additional questions worth exploring:</a:t>
-            </a:r>
-          </a:p>
-          <a:p>
-            <a:pPr lvl="1"/>
-            <a:endParaRPr lang="en-US" sz="2400" dirty="0"/>
+              <a:rPr lang="en-US" sz="2600" dirty="0"/>
+              <a:t>Additional questions worth asking:</a:t>
+            </a:r>
           </a:p>
         </p:txBody>
       </p:sp>

--- a/Presentation.pptx
+++ b/Presentation.pptx
@@ -7082,12 +7082,6 @@
               <a:t>Complete crime data was not as easy to find during our date range as initially expected.</a:t>
             </a:r>
           </a:p>
-          <a:p>
-            <a:r>
-              <a:rPr lang="en-US" sz="2600" dirty="0"/>
-              <a:t>Additional questions worth asking:</a:t>
-            </a:r>
-          </a:p>
         </p:txBody>
       </p:sp>
     </p:spTree>
@@ -8866,7 +8860,7 @@
           <a:p>
             <a:r>
               <a:rPr lang="en-US" sz="2800" dirty="0"/>
-              <a:t>Data munging was performed in </a:t>
+              <a:t>Data cleanup was performed in </a:t>
             </a:r>
             <a:r>
               <a:rPr lang="en-US" sz="2800" dirty="0" err="1"/>
@@ -8881,7 +8875,7 @@
             <a:pPr lvl="1"/>
             <a:r>
               <a:rPr lang="en-US" sz="2400" dirty="0"/>
-              <a:t>The munging process included: </a:t>
+              <a:t>The cleanup process included: </a:t>
             </a:r>
           </a:p>
           <a:p>

--- a/Presentation.pptx
+++ b/Presentation.pptx
@@ -857,7 +857,15 @@
             </a:pPr>
             <a:r>
               <a:rPr lang="en-US" dirty="0"/>
-              <a:t>The sections of ~ half of the box plots are equal while the 6 at 11-21, 22-35, 36-50, 79-89, 90-96, 97-100 have long upper whiskers indicating that total crime is more varied during those percent illumination ranges.</a:t>
+              <a:t>The sections of </a:t>
+            </a:r>
+            <a:r>
+              <a:rPr lang="en-US" dirty="0" err="1"/>
+              <a:t>approx</a:t>
+            </a:r>
+            <a:r>
+              <a:rPr lang="en-US" dirty="0"/>
+              <a:t> half of the box plots are equal while the 6 at 11-21, 22-35, 36-50, 79-89, 90-96, 97-100 have long upper whiskers indicating that total crime is more varied during those percent illumination ranges.</a:t>
             </a:r>
           </a:p>
           <a:p>
@@ -866,13 +874,8 @@
             </a:pPr>
             <a:r>
               <a:rPr lang="en-US" dirty="0"/>
-              <a:t>Dots above (or below) represent outliers that are &gt;1.5 times the </a:t>
-            </a:r>
-            <a:r>
-              <a:rPr lang="en-US"/>
-              <a:t>upper quartile</a:t>
-            </a:r>
-            <a:endParaRPr lang="en-US" dirty="0"/>
+              <a:t>Dots above (or below) represent outliers that are &gt;1.5 times the upper quartile</a:t>
+            </a:r>
           </a:p>
         </p:txBody>
       </p:sp>
@@ -7855,7 +7858,7 @@
           <a:p>
             <a:r>
               <a:rPr lang="en-US" sz="3200" dirty="0"/>
-              <a:t>Our question to ask is “Is there a increase in crime during full moons?”</a:t>
+              <a:t>Our question to ask … “Is there an increase in crime during full moons?”</a:t>
             </a:r>
           </a:p>
           <a:p>
@@ -8704,7 +8707,7 @@
           <a:p>
             <a:r>
               <a:rPr lang="en-US" sz="2000" dirty="0"/>
-              <a:t>“Is there a increase in crime during full moons?”</a:t>
+              <a:t>“Is there an increase in crime during full moons?”</a:t>
             </a:r>
           </a:p>
           <a:p>
@@ -8990,7 +8993,7 @@
         </p:spPr>
         <p:txBody>
           <a:bodyPr>
-            <a:normAutofit fontScale="92500" lnSpcReduction="10000"/>
+            <a:normAutofit/>
           </a:bodyPr>
           <a:lstStyle/>
           <a:p>
@@ -9017,14 +9020,7 @@
             <a:pPr lvl="1"/>
             <a:r>
               <a:rPr lang="en-US" sz="1800" dirty="0"/>
-              <a:t>Csv files were complete, well organized and had a generally consistency in formatting across cities</a:t>
-            </a:r>
-          </a:p>
-          <a:p>
-            <a:pPr lvl="1"/>
-            <a:r>
-              <a:rPr lang="en-US" sz="1800" dirty="0"/>
-              <a:t>That said, the data wasn’t perfect, and we had to abandon a city early on because it was missing a significant amount of dates. In addition, some of the data was in multiple csv’s and we had to append the data.</a:t>
+              <a:t>Csv files were  mostly complete, well organized and had a generally consistency in formatting across cities</a:t>
             </a:r>
           </a:p>
           <a:p>
